--- a/notebooks/1_segmentacao/Q2/questao_2.pptx
+++ b/notebooks/1_segmentacao/Q2/questao_2.pptx
@@ -1,28 +1,504 @@
 
 <file path=ppt/presentation.xml><?xml version="1.0" encoding="utf-8"?>
-<p:presentation xmlns:a="http://schemas.openxmlformats.org/drawingml/2006/main" xmlns:p="http://schemas.openxmlformats.org/presentationml/2006/main" xmlns:r="http://schemas.openxmlformats.org/officeDocument/2006/relationships" xmlns:p14="http://schemas.microsoft.com/office/powerpoint/2010/main" xmlns:p15="http://schemas.microsoft.com/office/powerpoint/2012/main" xmlns:mc="http://schemas.openxmlformats.org/markup-compatibility/2006">
+<p:presentation xmlns:a="http://schemas.openxmlformats.org/drawingml/2006/main" xmlns:r="http://schemas.openxmlformats.org/officeDocument/2006/relationships" xmlns:p="http://schemas.openxmlformats.org/presentationml/2006/main">
   <p:sldMasterIdLst>
-    <p:sldMasterId id="2147483648" r:id="rId2"/>
-    <p:sldMasterId id="2147483661" r:id="rId3"/>
-    <p:sldMasterId id="2147483674" r:id="rId4"/>
+    <p:sldMasterId id="2147483648" r:id="rId1"/>
+    <p:sldMasterId id="2147483661" r:id="rId2"/>
+    <p:sldMasterId id="2147483674" r:id="rId3"/>
   </p:sldMasterIdLst>
   <p:notesMasterIdLst>
-    <p:notesMasterId r:id="rId5"/>
+    <p:notesMasterId r:id="rId10"/>
   </p:notesMasterIdLst>
   <p:sldIdLst>
-    <p:sldId id="256" r:id="rId6"/>
-    <p:sldId id="257" r:id="rId7"/>
-    <p:sldId id="258" r:id="rId8"/>
-    <p:sldId id="259" r:id="rId9"/>
-    <p:sldId id="260" r:id="rId10"/>
+    <p:sldId id="256" r:id="rId4"/>
+    <p:sldId id="257" r:id="rId5"/>
+    <p:sldId id="258" r:id="rId6"/>
+    <p:sldId id="259" r:id="rId7"/>
+    <p:sldId id="261" r:id="rId8"/>
+    <p:sldId id="260" r:id="rId9"/>
   </p:sldIdLst>
   <p:sldSz cx="12188825" cy="6858000"/>
   <p:notesSz cx="6858000" cy="9144000"/>
+  <p:defaultTextStyle>
+    <a:defPPr>
+      <a:defRPr lang="pt-BR"/>
+    </a:defPPr>
+    <a:lvl1pPr marL="0" algn="l" defTabSz="914400" rtl="0" eaLnBrk="1" latinLnBrk="0" hangingPunct="1">
+      <a:defRPr sz="1800" kern="1200">
+        <a:solidFill>
+          <a:schemeClr val="tx1"/>
+        </a:solidFill>
+        <a:latin typeface="+mn-lt"/>
+        <a:ea typeface="+mn-ea"/>
+        <a:cs typeface="+mn-cs"/>
+      </a:defRPr>
+    </a:lvl1pPr>
+    <a:lvl2pPr marL="457200" algn="l" defTabSz="914400" rtl="0" eaLnBrk="1" latinLnBrk="0" hangingPunct="1">
+      <a:defRPr sz="1800" kern="1200">
+        <a:solidFill>
+          <a:schemeClr val="tx1"/>
+        </a:solidFill>
+        <a:latin typeface="+mn-lt"/>
+        <a:ea typeface="+mn-ea"/>
+        <a:cs typeface="+mn-cs"/>
+      </a:defRPr>
+    </a:lvl2pPr>
+    <a:lvl3pPr marL="914400" algn="l" defTabSz="914400" rtl="0" eaLnBrk="1" latinLnBrk="0" hangingPunct="1">
+      <a:defRPr sz="1800" kern="1200">
+        <a:solidFill>
+          <a:schemeClr val="tx1"/>
+        </a:solidFill>
+        <a:latin typeface="+mn-lt"/>
+        <a:ea typeface="+mn-ea"/>
+        <a:cs typeface="+mn-cs"/>
+      </a:defRPr>
+    </a:lvl3pPr>
+    <a:lvl4pPr marL="1371600" algn="l" defTabSz="914400" rtl="0" eaLnBrk="1" latinLnBrk="0" hangingPunct="1">
+      <a:defRPr sz="1800" kern="1200">
+        <a:solidFill>
+          <a:schemeClr val="tx1"/>
+        </a:solidFill>
+        <a:latin typeface="+mn-lt"/>
+        <a:ea typeface="+mn-ea"/>
+        <a:cs typeface="+mn-cs"/>
+      </a:defRPr>
+    </a:lvl4pPr>
+    <a:lvl5pPr marL="1828800" algn="l" defTabSz="914400" rtl="0" eaLnBrk="1" latinLnBrk="0" hangingPunct="1">
+      <a:defRPr sz="1800" kern="1200">
+        <a:solidFill>
+          <a:schemeClr val="tx1"/>
+        </a:solidFill>
+        <a:latin typeface="+mn-lt"/>
+        <a:ea typeface="+mn-ea"/>
+        <a:cs typeface="+mn-cs"/>
+      </a:defRPr>
+    </a:lvl5pPr>
+    <a:lvl6pPr marL="2286000" algn="l" defTabSz="914400" rtl="0" eaLnBrk="1" latinLnBrk="0" hangingPunct="1">
+      <a:defRPr sz="1800" kern="1200">
+        <a:solidFill>
+          <a:schemeClr val="tx1"/>
+        </a:solidFill>
+        <a:latin typeface="+mn-lt"/>
+        <a:ea typeface="+mn-ea"/>
+        <a:cs typeface="+mn-cs"/>
+      </a:defRPr>
+    </a:lvl6pPr>
+    <a:lvl7pPr marL="2743200" algn="l" defTabSz="914400" rtl="0" eaLnBrk="1" latinLnBrk="0" hangingPunct="1">
+      <a:defRPr sz="1800" kern="1200">
+        <a:solidFill>
+          <a:schemeClr val="tx1"/>
+        </a:solidFill>
+        <a:latin typeface="+mn-lt"/>
+        <a:ea typeface="+mn-ea"/>
+        <a:cs typeface="+mn-cs"/>
+      </a:defRPr>
+    </a:lvl7pPr>
+    <a:lvl8pPr marL="3200400" algn="l" defTabSz="914400" rtl="0" eaLnBrk="1" latinLnBrk="0" hangingPunct="1">
+      <a:defRPr sz="1800" kern="1200">
+        <a:solidFill>
+          <a:schemeClr val="tx1"/>
+        </a:solidFill>
+        <a:latin typeface="+mn-lt"/>
+        <a:ea typeface="+mn-ea"/>
+        <a:cs typeface="+mn-cs"/>
+      </a:defRPr>
+    </a:lvl8pPr>
+    <a:lvl9pPr marL="3657600" algn="l" defTabSz="914400" rtl="0" eaLnBrk="1" latinLnBrk="0" hangingPunct="1">
+      <a:defRPr sz="1800" kern="1200">
+        <a:solidFill>
+          <a:schemeClr val="tx1"/>
+        </a:solidFill>
+        <a:latin typeface="+mn-lt"/>
+        <a:ea typeface="+mn-ea"/>
+        <a:cs typeface="+mn-cs"/>
+      </a:defRPr>
+    </a:lvl9pPr>
+  </p:defaultTextStyle>
 </p:presentation>
 </file>
 
 <file path=ppt/notesMasters/notesMaster1.xml><?xml version="1.0" encoding="utf-8"?>
-<p:notesMaster xmlns:a="http://schemas.openxmlformats.org/drawingml/2006/main" xmlns:p="http://schemas.openxmlformats.org/presentationml/2006/main" xmlns:r="http://schemas.openxmlformats.org/officeDocument/2006/relationships" xmlns:p14="http://schemas.microsoft.com/office/powerpoint/2010/main" xmlns:p15="http://schemas.microsoft.com/office/powerpoint/2012/main" xmlns:mc="http://schemas.openxmlformats.org/markup-compatibility/2006">
+<p:notesMaster xmlns:a="http://schemas.openxmlformats.org/drawingml/2006/main" xmlns:r="http://schemas.openxmlformats.org/officeDocument/2006/relationships" xmlns:p="http://schemas.openxmlformats.org/presentationml/2006/main">
+  <p:cSld>
+    <p:bg>
+      <p:bgRef idx="1001">
+        <a:schemeClr val="bg1"/>
+      </p:bgRef>
+    </p:bg>
+    <p:spTree>
+      <p:nvGrpSpPr>
+        <p:cNvPr id="1" name=""/>
+        <p:cNvGrpSpPr/>
+        <p:nvPr/>
+      </p:nvGrpSpPr>
+      <p:grpSpPr>
+        <a:xfrm>
+          <a:off x="0" y="0"/>
+          <a:ext cx="0" cy="0"/>
+          <a:chOff x="0" y="0"/>
+          <a:chExt cx="0" cy="0"/>
+        </a:xfrm>
+      </p:grpSpPr>
+      <p:sp>
+        <p:nvSpPr>
+          <p:cNvPr id="158" name="PlaceHolder 1"/>
+          <p:cNvSpPr>
+            <a:spLocks noGrp="1" noRot="1" noChangeAspect="1"/>
+          </p:cNvSpPr>
+          <p:nvPr>
+            <p:ph type="sldImg"/>
+          </p:nvPr>
+        </p:nvSpPr>
+        <p:spPr>
+          <a:xfrm>
+            <a:off x="216000" y="812520"/>
+            <a:ext cx="7127280" cy="4008960"/>
+          </a:xfrm>
+          <a:prstGeom prst="rect">
+            <a:avLst/>
+          </a:prstGeom>
+          <a:noFill/>
+          <a:ln w="0">
+            <a:noFill/>
+          </a:ln>
+        </p:spPr>
+        <p:txBody>
+          <a:bodyPr lIns="0" tIns="0" rIns="0" bIns="0" anchor="ctr">
+            <a:noAutofit/>
+          </a:bodyPr>
+          <a:lstStyle/>
+          <a:p>
+            <a:r>
+              <a:rPr lang="pt-BR" sz="1800" b="0" strike="noStrike" spc="-1">
+                <a:solidFill>
+                  <a:srgbClr val="465562"/>
+                </a:solidFill>
+                <a:latin typeface="Euphemia"/>
+              </a:rPr>
+              <a:t>Click to move the slide</a:t>
+            </a:r>
+          </a:p>
+        </p:txBody>
+      </p:sp>
+      <p:sp>
+        <p:nvSpPr>
+          <p:cNvPr id="159" name="PlaceHolder 2"/>
+          <p:cNvSpPr>
+            <a:spLocks noGrp="1"/>
+          </p:cNvSpPr>
+          <p:nvPr>
+            <p:ph type="body"/>
+          </p:nvPr>
+        </p:nvSpPr>
+        <p:spPr>
+          <a:xfrm>
+            <a:off x="756000" y="5078520"/>
+            <a:ext cx="6047640" cy="4811040"/>
+          </a:xfrm>
+          <a:prstGeom prst="rect">
+            <a:avLst/>
+          </a:prstGeom>
+          <a:noFill/>
+          <a:ln w="0">
+            <a:noFill/>
+          </a:ln>
+        </p:spPr>
+        <p:txBody>
+          <a:bodyPr lIns="0" tIns="0" rIns="0" bIns="0" anchor="t">
+            <a:noAutofit/>
+          </a:bodyPr>
+          <a:lstStyle/>
+          <a:p>
+            <a:r>
+              <a:rPr lang="pt-BR" sz="2000" b="0" strike="noStrike" spc="-1">
+                <a:latin typeface="Arial"/>
+              </a:rPr>
+              <a:t>Click to edit the notes format</a:t>
+            </a:r>
+          </a:p>
+        </p:txBody>
+      </p:sp>
+      <p:sp>
+        <p:nvSpPr>
+          <p:cNvPr id="160" name="PlaceHolder 3"/>
+          <p:cNvSpPr>
+            <a:spLocks noGrp="1"/>
+          </p:cNvSpPr>
+          <p:nvPr>
+            <p:ph type="hdr"/>
+          </p:nvPr>
+        </p:nvSpPr>
+        <p:spPr>
+          <a:xfrm>
+            <a:off x="0" y="0"/>
+            <a:ext cx="3280680" cy="534240"/>
+          </a:xfrm>
+          <a:prstGeom prst="rect">
+            <a:avLst/>
+          </a:prstGeom>
+          <a:noFill/>
+          <a:ln w="0">
+            <a:noFill/>
+          </a:ln>
+        </p:spPr>
+        <p:txBody>
+          <a:bodyPr lIns="0" tIns="0" rIns="0" bIns="0" anchor="t">
+            <a:noAutofit/>
+          </a:bodyPr>
+          <a:lstStyle/>
+          <a:p>
+            <a:r>
+              <a:rPr lang="pt-BR" sz="1400" b="0" strike="noStrike" spc="-1">
+                <a:latin typeface="Times New Roman"/>
+              </a:rPr>
+              <a:t>&lt;header&gt;</a:t>
+            </a:r>
+          </a:p>
+        </p:txBody>
+      </p:sp>
+      <p:sp>
+        <p:nvSpPr>
+          <p:cNvPr id="161" name="PlaceHolder 4"/>
+          <p:cNvSpPr>
+            <a:spLocks noGrp="1"/>
+          </p:cNvSpPr>
+          <p:nvPr>
+            <p:ph type="dt" idx="10"/>
+          </p:nvPr>
+        </p:nvSpPr>
+        <p:spPr>
+          <a:xfrm>
+            <a:off x="4278960" y="0"/>
+            <a:ext cx="3280680" cy="534240"/>
+          </a:xfrm>
+          <a:prstGeom prst="rect">
+            <a:avLst/>
+          </a:prstGeom>
+          <a:noFill/>
+          <a:ln w="0">
+            <a:noFill/>
+          </a:ln>
+        </p:spPr>
+        <p:txBody>
+          <a:bodyPr lIns="0" tIns="0" rIns="0" bIns="0" anchor="t">
+            <a:noAutofit/>
+          </a:bodyPr>
+          <a:lstStyle>
+            <a:lvl1pPr algn="r">
+              <a:buNone/>
+              <a:defRPr lang="pt-BR" sz="1400" b="0" strike="noStrike" spc="-1">
+                <a:latin typeface="Times New Roman"/>
+              </a:defRPr>
+            </a:lvl1pPr>
+          </a:lstStyle>
+          <a:p>
+            <a:pPr algn="r">
+              <a:buNone/>
+            </a:pPr>
+            <a:r>
+              <a:rPr lang="pt-BR" sz="1400" b="0" strike="noStrike" spc="-1">
+                <a:latin typeface="Times New Roman"/>
+              </a:rPr>
+              <a:t>&lt;date/time&gt;</a:t>
+            </a:r>
+          </a:p>
+        </p:txBody>
+      </p:sp>
+      <p:sp>
+        <p:nvSpPr>
+          <p:cNvPr id="162" name="PlaceHolder 5"/>
+          <p:cNvSpPr>
+            <a:spLocks noGrp="1"/>
+          </p:cNvSpPr>
+          <p:nvPr>
+            <p:ph type="ftr" idx="11"/>
+          </p:nvPr>
+        </p:nvSpPr>
+        <p:spPr>
+          <a:xfrm>
+            <a:off x="0" y="10157400"/>
+            <a:ext cx="3280680" cy="534240"/>
+          </a:xfrm>
+          <a:prstGeom prst="rect">
+            <a:avLst/>
+          </a:prstGeom>
+          <a:noFill/>
+          <a:ln w="0">
+            <a:noFill/>
+          </a:ln>
+        </p:spPr>
+        <p:txBody>
+          <a:bodyPr lIns="0" tIns="0" rIns="0" bIns="0" anchor="b">
+            <a:noAutofit/>
+          </a:bodyPr>
+          <a:lstStyle>
+            <a:lvl1pPr>
+              <a:defRPr lang="pt-BR" sz="1400" b="0" strike="noStrike" spc="-1">
+                <a:latin typeface="Times New Roman"/>
+              </a:defRPr>
+            </a:lvl1pPr>
+          </a:lstStyle>
+          <a:p>
+            <a:r>
+              <a:rPr lang="pt-BR" sz="1400" b="0" strike="noStrike" spc="-1">
+                <a:latin typeface="Times New Roman"/>
+              </a:rPr>
+              <a:t>&lt;footer&gt;</a:t>
+            </a:r>
+          </a:p>
+        </p:txBody>
+      </p:sp>
+      <p:sp>
+        <p:nvSpPr>
+          <p:cNvPr id="163" name="PlaceHolder 6"/>
+          <p:cNvSpPr>
+            <a:spLocks noGrp="1"/>
+          </p:cNvSpPr>
+          <p:nvPr>
+            <p:ph type="sldNum" idx="12"/>
+          </p:nvPr>
+        </p:nvSpPr>
+        <p:spPr>
+          <a:xfrm>
+            <a:off x="4278960" y="10157400"/>
+            <a:ext cx="3280680" cy="534240"/>
+          </a:xfrm>
+          <a:prstGeom prst="rect">
+            <a:avLst/>
+          </a:prstGeom>
+          <a:noFill/>
+          <a:ln w="0">
+            <a:noFill/>
+          </a:ln>
+        </p:spPr>
+        <p:txBody>
+          <a:bodyPr lIns="0" tIns="0" rIns="0" bIns="0" anchor="b">
+            <a:noAutofit/>
+          </a:bodyPr>
+          <a:lstStyle>
+            <a:lvl1pPr algn="r">
+              <a:buNone/>
+              <a:defRPr lang="pt-BR" sz="1400" b="0" strike="noStrike" spc="-1">
+                <a:latin typeface="Times New Roman"/>
+              </a:defRPr>
+            </a:lvl1pPr>
+          </a:lstStyle>
+          <a:p>
+            <a:pPr algn="r">
+              <a:buNone/>
+            </a:pPr>
+            <a:fld id="{1C0B0C45-BECF-4225-B9ED-D70661FF1191}" type="slidenum">
+              <a:rPr lang="pt-BR" sz="1400" b="0" strike="noStrike" spc="-1">
+                <a:latin typeface="Times New Roman"/>
+              </a:rPr>
+              <a:t>‹#›</a:t>
+            </a:fld>
+            <a:endParaRPr lang="pt-BR" sz="1400" b="0" strike="noStrike" spc="-1">
+              <a:latin typeface="Times New Roman"/>
+            </a:endParaRPr>
+          </a:p>
+        </p:txBody>
+      </p:sp>
+    </p:spTree>
+  </p:cSld>
+  <p:clrMap bg1="lt1" tx1="dk1" bg2="lt2" tx2="dk2" accent1="accent1" accent2="accent2" accent3="accent3" accent4="accent4" accent5="accent5" accent6="accent6" hlink="hlink" folHlink="folHlink"/>
+  <p:notesStyle>
+    <a:lvl1pPr marL="0" algn="l" defTabSz="914400" rtl="0" eaLnBrk="1" latinLnBrk="0" hangingPunct="1">
+      <a:defRPr sz="1200" kern="1200">
+        <a:solidFill>
+          <a:schemeClr val="tx1"/>
+        </a:solidFill>
+        <a:latin typeface="+mn-lt"/>
+        <a:ea typeface="+mn-ea"/>
+        <a:cs typeface="+mn-cs"/>
+      </a:defRPr>
+    </a:lvl1pPr>
+    <a:lvl2pPr marL="457200" algn="l" defTabSz="914400" rtl="0" eaLnBrk="1" latinLnBrk="0" hangingPunct="1">
+      <a:defRPr sz="1200" kern="1200">
+        <a:solidFill>
+          <a:schemeClr val="tx1"/>
+        </a:solidFill>
+        <a:latin typeface="+mn-lt"/>
+        <a:ea typeface="+mn-ea"/>
+        <a:cs typeface="+mn-cs"/>
+      </a:defRPr>
+    </a:lvl2pPr>
+    <a:lvl3pPr marL="914400" algn="l" defTabSz="914400" rtl="0" eaLnBrk="1" latinLnBrk="0" hangingPunct="1">
+      <a:defRPr sz="1200" kern="1200">
+        <a:solidFill>
+          <a:schemeClr val="tx1"/>
+        </a:solidFill>
+        <a:latin typeface="+mn-lt"/>
+        <a:ea typeface="+mn-ea"/>
+        <a:cs typeface="+mn-cs"/>
+      </a:defRPr>
+    </a:lvl3pPr>
+    <a:lvl4pPr marL="1371600" algn="l" defTabSz="914400" rtl="0" eaLnBrk="1" latinLnBrk="0" hangingPunct="1">
+      <a:defRPr sz="1200" kern="1200">
+        <a:solidFill>
+          <a:schemeClr val="tx1"/>
+        </a:solidFill>
+        <a:latin typeface="+mn-lt"/>
+        <a:ea typeface="+mn-ea"/>
+        <a:cs typeface="+mn-cs"/>
+      </a:defRPr>
+    </a:lvl4pPr>
+    <a:lvl5pPr marL="1828800" algn="l" defTabSz="914400" rtl="0" eaLnBrk="1" latinLnBrk="0" hangingPunct="1">
+      <a:defRPr sz="1200" kern="1200">
+        <a:solidFill>
+          <a:schemeClr val="tx1"/>
+        </a:solidFill>
+        <a:latin typeface="+mn-lt"/>
+        <a:ea typeface="+mn-ea"/>
+        <a:cs typeface="+mn-cs"/>
+      </a:defRPr>
+    </a:lvl5pPr>
+    <a:lvl6pPr marL="2286000" algn="l" defTabSz="914400" rtl="0" eaLnBrk="1" latinLnBrk="0" hangingPunct="1">
+      <a:defRPr sz="1200" kern="1200">
+        <a:solidFill>
+          <a:schemeClr val="tx1"/>
+        </a:solidFill>
+        <a:latin typeface="+mn-lt"/>
+        <a:ea typeface="+mn-ea"/>
+        <a:cs typeface="+mn-cs"/>
+      </a:defRPr>
+    </a:lvl6pPr>
+    <a:lvl7pPr marL="2743200" algn="l" defTabSz="914400" rtl="0" eaLnBrk="1" latinLnBrk="0" hangingPunct="1">
+      <a:defRPr sz="1200" kern="1200">
+        <a:solidFill>
+          <a:schemeClr val="tx1"/>
+        </a:solidFill>
+        <a:latin typeface="+mn-lt"/>
+        <a:ea typeface="+mn-ea"/>
+        <a:cs typeface="+mn-cs"/>
+      </a:defRPr>
+    </a:lvl7pPr>
+    <a:lvl8pPr marL="3200400" algn="l" defTabSz="914400" rtl="0" eaLnBrk="1" latinLnBrk="0" hangingPunct="1">
+      <a:defRPr sz="1200" kern="1200">
+        <a:solidFill>
+          <a:schemeClr val="tx1"/>
+        </a:solidFill>
+        <a:latin typeface="+mn-lt"/>
+        <a:ea typeface="+mn-ea"/>
+        <a:cs typeface="+mn-cs"/>
+      </a:defRPr>
+    </a:lvl8pPr>
+    <a:lvl9pPr marL="3657600" algn="l" defTabSz="914400" rtl="0" eaLnBrk="1" latinLnBrk="0" hangingPunct="1">
+      <a:defRPr sz="1200" kern="1200">
+        <a:solidFill>
+          <a:schemeClr val="tx1"/>
+        </a:solidFill>
+        <a:latin typeface="+mn-lt"/>
+        <a:ea typeface="+mn-ea"/>
+        <a:cs typeface="+mn-cs"/>
+      </a:defRPr>
+    </a:lvl9pPr>
+  </p:notesStyle>
+</p:notesMaster>
+</file>
+
+<file path=ppt/notesSlides/notesSlide1.xml><?xml version="1.0" encoding="utf-8"?>
+<p:notes xmlns:a="http://schemas.openxmlformats.org/drawingml/2006/main" xmlns:r="http://schemas.openxmlformats.org/officeDocument/2006/relationships" xmlns:p="http://schemas.openxmlformats.org/presentationml/2006/main">
   <p:cSld>
     <p:spTree>
       <p:nvGrpSpPr>
@@ -40,9 +516,9 @@
       </p:grpSpPr>
       <p:sp>
         <p:nvSpPr>
-          <p:cNvPr id="158" name="PlaceHolder 1"/>
-          <p:cNvSpPr>
-            <a:spLocks noGrp="1"/>
+          <p:cNvPr id="175" name="PlaceHolder 1"/>
+          <p:cNvSpPr>
+            <a:spLocks noGrp="1" noRot="1" noChangeAspect="1"/>
           </p:cNvSpPr>
           <p:nvPr>
             <p:ph type="sldImg"/>
@@ -50,8 +526,31 @@
         </p:nvSpPr>
         <p:spPr>
           <a:xfrm>
-            <a:off x="216000" y="812520"/>
-            <a:ext cx="7127280" cy="4008960"/>
+            <a:off x="382680" y="685800"/>
+            <a:ext cx="6092640" cy="3428640"/>
+          </a:xfrm>
+          <a:prstGeom prst="rect">
+            <a:avLst/>
+          </a:prstGeom>
+          <a:ln w="0">
+            <a:noFill/>
+          </a:ln>
+        </p:spPr>
+      </p:sp>
+      <p:sp>
+        <p:nvSpPr>
+          <p:cNvPr id="176" name="PlaceHolder 2"/>
+          <p:cNvSpPr>
+            <a:spLocks noGrp="1"/>
+          </p:cNvSpPr>
+          <p:nvPr>
+            <p:ph type="body"/>
+          </p:nvPr>
+        </p:nvSpPr>
+        <p:spPr>
+          <a:xfrm>
+            <a:off x="685800" y="4343400"/>
+            <a:ext cx="5486040" cy="4114440"/>
           </a:xfrm>
           <a:prstGeom prst="rect">
             <a:avLst/>
@@ -62,63 +561,12 @@
           </a:ln>
         </p:spPr>
         <p:txBody>
-          <a:bodyPr lIns="0" rIns="0" tIns="0" bIns="0" anchor="ctr">
+          <a:bodyPr anchor="t">
             <a:noAutofit/>
           </a:bodyPr>
-          <a:p>
-            <a:r>
-              <a:rPr b="0" lang="pt-BR" sz="1800" spc="-1" strike="noStrike">
-                <a:solidFill>
-                  <a:srgbClr val="465562"/>
-                </a:solidFill>
-                <a:latin typeface="Euphemia"/>
-              </a:rPr>
-              <a:t>Click to move the slide</a:t>
-            </a:r>
-            <a:endParaRPr b="0" lang="pt-BR" sz="1800" spc="-1" strike="noStrike">
-              <a:solidFill>
-                <a:srgbClr val="465562"/>
-              </a:solidFill>
-              <a:latin typeface="Euphemia"/>
-            </a:endParaRPr>
-          </a:p>
-        </p:txBody>
-      </p:sp>
-      <p:sp>
-        <p:nvSpPr>
-          <p:cNvPr id="159" name="PlaceHolder 2"/>
-          <p:cNvSpPr>
-            <a:spLocks noGrp="1"/>
-          </p:cNvSpPr>
-          <p:nvPr>
-            <p:ph type="body"/>
-          </p:nvPr>
-        </p:nvSpPr>
-        <p:spPr>
-          <a:xfrm>
-            <a:off x="756000" y="5078520"/>
-            <a:ext cx="6047640" cy="4811040"/>
-          </a:xfrm>
-          <a:prstGeom prst="rect">
-            <a:avLst/>
-          </a:prstGeom>
-          <a:noFill/>
-          <a:ln w="0">
-            <a:noFill/>
-          </a:ln>
-        </p:spPr>
-        <p:txBody>
-          <a:bodyPr lIns="0" rIns="0" tIns="0" bIns="0" anchor="t">
-            <a:noAutofit/>
-          </a:bodyPr>
-          <a:p>
-            <a:r>
-              <a:rPr b="0" lang="pt-BR" sz="2000" spc="-1" strike="noStrike">
-                <a:latin typeface="Arial"/>
-              </a:rPr>
-              <a:t>Click to edit the notes format</a:t>
-            </a:r>
-            <a:endParaRPr b="0" lang="pt-BR" sz="2000" spc="-1" strike="noStrike">
+          <a:lstStyle/>
+          <a:p>
+            <a:endParaRPr lang="pt-BR" sz="2000" b="0" strike="noStrike" spc="-1">
               <a:latin typeface="Arial"/>
             </a:endParaRPr>
           </a:p>
@@ -126,18 +574,18 @@
       </p:sp>
       <p:sp>
         <p:nvSpPr>
-          <p:cNvPr id="160" name="PlaceHolder 3"/>
-          <p:cNvSpPr>
-            <a:spLocks noGrp="1"/>
-          </p:cNvSpPr>
-          <p:nvPr>
-            <p:ph type="hdr"/>
-          </p:nvPr>
-        </p:nvSpPr>
-        <p:spPr>
-          <a:xfrm>
-            <a:off x="0" y="0"/>
-            <a:ext cx="3280680" cy="534240"/>
+          <p:cNvPr id="177" name="PlaceHolder 3"/>
+          <p:cNvSpPr>
+            <a:spLocks noGrp="1"/>
+          </p:cNvSpPr>
+          <p:nvPr>
+            <p:ph type="sldNum" idx="13"/>
+          </p:nvPr>
+        </p:nvSpPr>
+        <p:spPr>
+          <a:xfrm>
+            <a:off x="3884760" y="8685360"/>
+            <a:ext cx="2971440" cy="456840"/>
           </a:xfrm>
           <a:prstGeom prst="rect">
             <a:avLst/>
@@ -148,179 +596,57 @@
           </a:ln>
         </p:spPr>
         <p:txBody>
-          <a:bodyPr lIns="0" rIns="0" tIns="0" bIns="0" anchor="t">
-            <a:noAutofit/>
-          </a:bodyPr>
-          <a:p>
-            <a:r>
-              <a:rPr b="0" lang="pt-BR" sz="1400" spc="-1" strike="noStrike">
-                <a:latin typeface="Times New Roman"/>
-              </a:rPr>
-              <a:t>&lt;header&gt;</a:t>
-            </a:r>
-            <a:endParaRPr b="0" lang="pt-BR" sz="1400" spc="-1" strike="noStrike">
-              <a:latin typeface="Times New Roman"/>
-            </a:endParaRPr>
-          </a:p>
-        </p:txBody>
-      </p:sp>
-      <p:sp>
-        <p:nvSpPr>
-          <p:cNvPr id="161" name="PlaceHolder 4"/>
-          <p:cNvSpPr>
-            <a:spLocks noGrp="1"/>
-          </p:cNvSpPr>
-          <p:nvPr>
-            <p:ph type="dt" idx="10"/>
-          </p:nvPr>
-        </p:nvSpPr>
-        <p:spPr>
-          <a:xfrm>
-            <a:off x="4278960" y="0"/>
-            <a:ext cx="3280680" cy="534240"/>
-          </a:xfrm>
-          <a:prstGeom prst="rect">
-            <a:avLst/>
-          </a:prstGeom>
-          <a:noFill/>
-          <a:ln w="0">
-            <a:noFill/>
-          </a:ln>
-        </p:spPr>
-        <p:txBody>
-          <a:bodyPr lIns="0" rIns="0" tIns="0" bIns="0" anchor="t">
+          <a:bodyPr anchor="b">
             <a:noAutofit/>
           </a:bodyPr>
           <a:lstStyle>
             <a:lvl1pPr algn="r">
+              <a:lnSpc>
+                <a:spcPct val="100000"/>
+              </a:lnSpc>
               <a:buNone/>
-              <a:defRPr b="0" lang="pt-BR" sz="1400" spc="-1" strike="noStrike">
-                <a:latin typeface="Times New Roman"/>
+              <a:defRPr lang="pt-BR" sz="1200" b="0" strike="noStrike" spc="-1">
+                <a:solidFill>
+                  <a:srgbClr val="000000"/>
+                </a:solidFill>
+                <a:latin typeface="+mn-lt"/>
+                <a:ea typeface="+mn-ea"/>
               </a:defRPr>
             </a:lvl1pPr>
           </a:lstStyle>
           <a:p>
             <a:pPr algn="r">
+              <a:lnSpc>
+                <a:spcPct val="100000"/>
+              </a:lnSpc>
               <a:buNone/>
             </a:pPr>
-            <a:r>
-              <a:rPr b="0" lang="pt-BR" sz="1400" spc="-1" strike="noStrike">
-                <a:latin typeface="Times New Roman"/>
+            <a:fld id="{A1527664-1A15-4F5B-9DFE-B33781F8D776}" type="slidenum">
+              <a:rPr lang="pt-BR" sz="1200" b="0" strike="noStrike" spc="-1">
+                <a:solidFill>
+                  <a:srgbClr val="000000"/>
+                </a:solidFill>
+                <a:latin typeface="+mn-lt"/>
+                <a:ea typeface="+mn-ea"/>
               </a:rPr>
-              <a:t>&lt;date/time&gt;</a:t>
-            </a:r>
-            <a:endParaRPr b="0" lang="pt-BR" sz="1400" spc="-1" strike="noStrike">
+              <a:t>1</a:t>
+            </a:fld>
+            <a:endParaRPr lang="pt-BR" sz="1200" b="0" strike="noStrike" spc="-1">
               <a:latin typeface="Times New Roman"/>
             </a:endParaRPr>
           </a:p>
         </p:txBody>
       </p:sp>
-      <p:sp>
-        <p:nvSpPr>
-          <p:cNvPr id="162" name="PlaceHolder 5"/>
-          <p:cNvSpPr>
-            <a:spLocks noGrp="1"/>
-          </p:cNvSpPr>
-          <p:nvPr>
-            <p:ph type="ftr" idx="11"/>
-          </p:nvPr>
-        </p:nvSpPr>
-        <p:spPr>
-          <a:xfrm>
-            <a:off x="0" y="10157400"/>
-            <a:ext cx="3280680" cy="534240"/>
-          </a:xfrm>
-          <a:prstGeom prst="rect">
-            <a:avLst/>
-          </a:prstGeom>
-          <a:noFill/>
-          <a:ln w="0">
-            <a:noFill/>
-          </a:ln>
-        </p:spPr>
-        <p:txBody>
-          <a:bodyPr lIns="0" rIns="0" tIns="0" bIns="0" anchor="b">
-            <a:noAutofit/>
-          </a:bodyPr>
-          <a:lstStyle>
-            <a:lvl1pPr>
-              <a:defRPr b="0" lang="pt-BR" sz="1400" spc="-1" strike="noStrike">
-                <a:latin typeface="Times New Roman"/>
-              </a:defRPr>
-            </a:lvl1pPr>
-          </a:lstStyle>
-          <a:p>
-            <a:r>
-              <a:rPr b="0" lang="pt-BR" sz="1400" spc="-1" strike="noStrike">
-                <a:latin typeface="Times New Roman"/>
-              </a:rPr>
-              <a:t>&lt;footer&gt;</a:t>
-            </a:r>
-            <a:endParaRPr b="0" lang="pt-BR" sz="1400" spc="-1" strike="noStrike">
-              <a:latin typeface="Times New Roman"/>
-            </a:endParaRPr>
-          </a:p>
-        </p:txBody>
-      </p:sp>
-      <p:sp>
-        <p:nvSpPr>
-          <p:cNvPr id="163" name="PlaceHolder 6"/>
-          <p:cNvSpPr>
-            <a:spLocks noGrp="1"/>
-          </p:cNvSpPr>
-          <p:nvPr>
-            <p:ph type="sldNum" idx="12"/>
-          </p:nvPr>
-        </p:nvSpPr>
-        <p:spPr>
-          <a:xfrm>
-            <a:off x="4278960" y="10157400"/>
-            <a:ext cx="3280680" cy="534240"/>
-          </a:xfrm>
-          <a:prstGeom prst="rect">
-            <a:avLst/>
-          </a:prstGeom>
-          <a:noFill/>
-          <a:ln w="0">
-            <a:noFill/>
-          </a:ln>
-        </p:spPr>
-        <p:txBody>
-          <a:bodyPr lIns="0" rIns="0" tIns="0" bIns="0" anchor="b">
-            <a:noAutofit/>
-          </a:bodyPr>
-          <a:lstStyle>
-            <a:lvl1pPr algn="r">
-              <a:buNone/>
-              <a:defRPr b="0" lang="pt-BR" sz="1400" spc="-1" strike="noStrike">
-                <a:latin typeface="Times New Roman"/>
-              </a:defRPr>
-            </a:lvl1pPr>
-          </a:lstStyle>
-          <a:p>
-            <a:pPr algn="r">
-              <a:buNone/>
-            </a:pPr>
-            <a:fld id="{1C0B0C45-BECF-4225-B9ED-D70661FF1191}" type="slidenum">
-              <a:rPr b="0" lang="pt-BR" sz="1400" spc="-1" strike="noStrike">
-                <a:latin typeface="Times New Roman"/>
-              </a:rPr>
-              <a:t>&lt;number&gt;</a:t>
-            </a:fld>
-            <a:endParaRPr b="0" lang="pt-BR" sz="1400" spc="-1" strike="noStrike">
-              <a:latin typeface="Times New Roman"/>
-            </a:endParaRPr>
-          </a:p>
-        </p:txBody>
-      </p:sp>
     </p:spTree>
   </p:cSld>
-  <p:clrMap bg1="lt1" bg2="lt2" tx1="dk1" tx2="dk2" accent1="accent1" accent2="accent2" accent3="accent3" accent4="accent4" accent5="accent5" accent6="accent6" hlink="hlink" folHlink="folHlink"/>
-</p:notesMaster>
+  <p:clrMapOvr>
+    <a:masterClrMapping/>
+  </p:clrMapOvr>
+</p:notes>
 </file>
 
-<file path=ppt/notesSlides/notesSlide1.xml><?xml version="1.0" encoding="utf-8"?>
-<p:notes xmlns:a="http://schemas.openxmlformats.org/drawingml/2006/main" xmlns:p="http://schemas.openxmlformats.org/presentationml/2006/main" xmlns:r="http://schemas.openxmlformats.org/officeDocument/2006/relationships" xmlns:p14="http://schemas.microsoft.com/office/powerpoint/2010/main" xmlns:p15="http://schemas.microsoft.com/office/powerpoint/2012/main" xmlns:mc="http://schemas.openxmlformats.org/markup-compatibility/2006">
+<file path=ppt/notesSlides/notesSlide2.xml><?xml version="1.0" encoding="utf-8"?>
+<p:notes xmlns:a="http://schemas.openxmlformats.org/drawingml/2006/main" xmlns:r="http://schemas.openxmlformats.org/officeDocument/2006/relationships" xmlns:p="http://schemas.openxmlformats.org/presentationml/2006/main">
   <p:cSld>
     <p:spTree>
       <p:nvGrpSpPr>
@@ -338,9 +664,9 @@
       </p:grpSpPr>
       <p:sp>
         <p:nvSpPr>
-          <p:cNvPr id="175" name="PlaceHolder 1"/>
-          <p:cNvSpPr>
-            <a:spLocks noGrp="1"/>
+          <p:cNvPr id="178" name="PlaceHolder 1"/>
+          <p:cNvSpPr>
+            <a:spLocks noGrp="1" noRot="1" noChangeAspect="1"/>
           </p:cNvSpPr>
           <p:nvPr>
             <p:ph type="sldImg"/>
@@ -361,7 +687,7 @@
       </p:sp>
       <p:sp>
         <p:nvSpPr>
-          <p:cNvPr id="176" name="PlaceHolder 2"/>
+          <p:cNvPr id="179" name="PlaceHolder 2"/>
           <p:cNvSpPr>
             <a:spLocks noGrp="1"/>
           </p:cNvSpPr>
@@ -386,8 +712,9 @@
           <a:bodyPr anchor="t">
             <a:noAutofit/>
           </a:bodyPr>
-          <a:p>
-            <a:endParaRPr b="0" lang="pt-BR" sz="2000" spc="-1" strike="noStrike">
+          <a:lstStyle/>
+          <a:p>
+            <a:endParaRPr lang="pt-BR" sz="2000" b="0" strike="noStrike" spc="-1">
               <a:latin typeface="Arial"/>
             </a:endParaRPr>
           </a:p>
@@ -395,12 +722,12 @@
       </p:sp>
       <p:sp>
         <p:nvSpPr>
-          <p:cNvPr id="177" name="PlaceHolder 3"/>
-          <p:cNvSpPr>
-            <a:spLocks noGrp="1"/>
-          </p:cNvSpPr>
-          <p:nvPr>
-            <p:ph type="sldNum" idx="13"/>
+          <p:cNvPr id="180" name="PlaceHolder 3"/>
+          <p:cNvSpPr>
+            <a:spLocks noGrp="1"/>
+          </p:cNvSpPr>
+          <p:nvPr>
+            <p:ph type="sldNum" idx="14"/>
           </p:nvPr>
         </p:nvSpPr>
         <p:spPr>
@@ -426,7 +753,7 @@
                 <a:spcPct val="100000"/>
               </a:lnSpc>
               <a:buNone/>
-              <a:defRPr b="0" lang="pt-BR" sz="1200" spc="-1" strike="noStrike">
+              <a:defRPr lang="pt-BR" sz="1200" b="0" strike="noStrike" spc="-1">
                 <a:solidFill>
                   <a:srgbClr val="000000"/>
                 </a:solidFill>
@@ -442,17 +769,17 @@
               </a:lnSpc>
               <a:buNone/>
             </a:pPr>
-            <a:fld id="{A1527664-1A15-4F5B-9DFE-B33781F8D776}" type="slidenum">
-              <a:rPr b="0" lang="pt-BR" sz="1200" spc="-1" strike="noStrike">
+            <a:fld id="{9BEE66B2-48F2-4605-B246-158D919F9CC9}" type="slidenum">
+              <a:rPr lang="pt-BR" sz="1200" b="0" strike="noStrike" spc="-1">
                 <a:solidFill>
                   <a:srgbClr val="000000"/>
                 </a:solidFill>
                 <a:latin typeface="+mn-lt"/>
                 <a:ea typeface="+mn-ea"/>
               </a:rPr>
-              <a:t>&lt;number&gt;</a:t>
+              <a:t>2</a:t>
             </a:fld>
-            <a:endParaRPr b="0" lang="pt-BR" sz="1200" spc="-1" strike="noStrike">
+            <a:endParaRPr lang="pt-BR" sz="1200" b="0" strike="noStrike" spc="-1">
               <a:latin typeface="Times New Roman"/>
             </a:endParaRPr>
           </a:p>
@@ -460,11 +787,14 @@
       </p:sp>
     </p:spTree>
   </p:cSld>
+  <p:clrMapOvr>
+    <a:masterClrMapping/>
+  </p:clrMapOvr>
 </p:notes>
 </file>
 
-<file path=ppt/notesSlides/notesSlide2.xml><?xml version="1.0" encoding="utf-8"?>
-<p:notes xmlns:a="http://schemas.openxmlformats.org/drawingml/2006/main" xmlns:p="http://schemas.openxmlformats.org/presentationml/2006/main" xmlns:r="http://schemas.openxmlformats.org/officeDocument/2006/relationships" xmlns:p14="http://schemas.microsoft.com/office/powerpoint/2010/main" xmlns:p15="http://schemas.microsoft.com/office/powerpoint/2012/main" xmlns:mc="http://schemas.openxmlformats.org/markup-compatibility/2006">
+<file path=ppt/notesSlides/notesSlide3.xml><?xml version="1.0" encoding="utf-8"?>
+<p:notes xmlns:a="http://schemas.openxmlformats.org/drawingml/2006/main" xmlns:r="http://schemas.openxmlformats.org/officeDocument/2006/relationships" xmlns:p="http://schemas.openxmlformats.org/presentationml/2006/main">
   <p:cSld>
     <p:spTree>
       <p:nvGrpSpPr>
@@ -482,9 +812,9 @@
       </p:grpSpPr>
       <p:sp>
         <p:nvSpPr>
-          <p:cNvPr id="178" name="PlaceHolder 1"/>
-          <p:cNvSpPr>
-            <a:spLocks noGrp="1"/>
+          <p:cNvPr id="181" name="PlaceHolder 1"/>
+          <p:cNvSpPr>
+            <a:spLocks noGrp="1" noRot="1" noChangeAspect="1"/>
           </p:cNvSpPr>
           <p:nvPr>
             <p:ph type="sldImg"/>
@@ -505,7 +835,7 @@
       </p:sp>
       <p:sp>
         <p:nvSpPr>
-          <p:cNvPr id="179" name="PlaceHolder 2"/>
+          <p:cNvPr id="182" name="PlaceHolder 2"/>
           <p:cNvSpPr>
             <a:spLocks noGrp="1"/>
           </p:cNvSpPr>
@@ -530,8 +860,9 @@
           <a:bodyPr anchor="t">
             <a:noAutofit/>
           </a:bodyPr>
-          <a:p>
-            <a:endParaRPr b="0" lang="pt-BR" sz="2000" spc="-1" strike="noStrike">
+          <a:lstStyle/>
+          <a:p>
+            <a:endParaRPr lang="pt-BR" sz="2000" b="0" strike="noStrike" spc="-1">
               <a:latin typeface="Arial"/>
             </a:endParaRPr>
           </a:p>
@@ -539,12 +870,12 @@
       </p:sp>
       <p:sp>
         <p:nvSpPr>
-          <p:cNvPr id="180" name="PlaceHolder 3"/>
-          <p:cNvSpPr>
-            <a:spLocks noGrp="1"/>
-          </p:cNvSpPr>
-          <p:nvPr>
-            <p:ph type="sldNum" idx="14"/>
+          <p:cNvPr id="183" name="PlaceHolder 3"/>
+          <p:cNvSpPr>
+            <a:spLocks noGrp="1"/>
+          </p:cNvSpPr>
+          <p:nvPr>
+            <p:ph type="sldNum" idx="15"/>
           </p:nvPr>
         </p:nvSpPr>
         <p:spPr>
@@ -570,7 +901,7 @@
                 <a:spcPct val="100000"/>
               </a:lnSpc>
               <a:buNone/>
-              <a:defRPr b="0" lang="pt-BR" sz="1200" spc="-1" strike="noStrike">
+              <a:defRPr lang="pt-BR" sz="1200" b="0" strike="noStrike" spc="-1">
                 <a:solidFill>
                   <a:srgbClr val="000000"/>
                 </a:solidFill>
@@ -586,17 +917,17 @@
               </a:lnSpc>
               <a:buNone/>
             </a:pPr>
-            <a:fld id="{9BEE66B2-48F2-4605-B246-158D919F9CC9}" type="slidenum">
-              <a:rPr b="0" lang="pt-BR" sz="1200" spc="-1" strike="noStrike">
+            <a:fld id="{3513D0EB-48C8-4343-A1A8-5198043FBD06}" type="slidenum">
+              <a:rPr lang="pt-BR" sz="1200" b="0" strike="noStrike" spc="-1">
                 <a:solidFill>
                   <a:srgbClr val="000000"/>
                 </a:solidFill>
                 <a:latin typeface="+mn-lt"/>
                 <a:ea typeface="+mn-ea"/>
               </a:rPr>
-              <a:t>&lt;number&gt;</a:t>
+              <a:t>3</a:t>
             </a:fld>
-            <a:endParaRPr b="0" lang="pt-BR" sz="1200" spc="-1" strike="noStrike">
+            <a:endParaRPr lang="pt-BR" sz="1200" b="0" strike="noStrike" spc="-1">
               <a:latin typeface="Times New Roman"/>
             </a:endParaRPr>
           </a:p>
@@ -604,11 +935,14 @@
       </p:sp>
     </p:spTree>
   </p:cSld>
+  <p:clrMapOvr>
+    <a:masterClrMapping/>
+  </p:clrMapOvr>
 </p:notes>
 </file>
 
-<file path=ppt/notesSlides/notesSlide3.xml><?xml version="1.0" encoding="utf-8"?>
-<p:notes xmlns:a="http://schemas.openxmlformats.org/drawingml/2006/main" xmlns:p="http://schemas.openxmlformats.org/presentationml/2006/main" xmlns:r="http://schemas.openxmlformats.org/officeDocument/2006/relationships" xmlns:p14="http://schemas.microsoft.com/office/powerpoint/2010/main" xmlns:p15="http://schemas.microsoft.com/office/powerpoint/2012/main" xmlns:mc="http://schemas.openxmlformats.org/markup-compatibility/2006">
+<file path=ppt/notesSlides/notesSlide4.xml><?xml version="1.0" encoding="utf-8"?>
+<p:notes xmlns:a="http://schemas.openxmlformats.org/drawingml/2006/main" xmlns:r="http://schemas.openxmlformats.org/officeDocument/2006/relationships" xmlns:p="http://schemas.openxmlformats.org/presentationml/2006/main">
   <p:cSld>
     <p:spTree>
       <p:nvGrpSpPr>
@@ -626,9 +960,9 @@
       </p:grpSpPr>
       <p:sp>
         <p:nvSpPr>
-          <p:cNvPr id="181" name="PlaceHolder 1"/>
-          <p:cNvSpPr>
-            <a:spLocks noGrp="1"/>
+          <p:cNvPr id="184" name="PlaceHolder 1"/>
+          <p:cNvSpPr>
+            <a:spLocks noGrp="1" noRot="1" noChangeAspect="1"/>
           </p:cNvSpPr>
           <p:nvPr>
             <p:ph type="sldImg"/>
@@ -649,7 +983,7 @@
       </p:sp>
       <p:sp>
         <p:nvSpPr>
-          <p:cNvPr id="182" name="PlaceHolder 2"/>
+          <p:cNvPr id="185" name="PlaceHolder 2"/>
           <p:cNvSpPr>
             <a:spLocks noGrp="1"/>
           </p:cNvSpPr>
@@ -674,8 +1008,9 @@
           <a:bodyPr anchor="t">
             <a:noAutofit/>
           </a:bodyPr>
-          <a:p>
-            <a:endParaRPr b="0" lang="pt-BR" sz="2000" spc="-1" strike="noStrike">
+          <a:lstStyle/>
+          <a:p>
+            <a:endParaRPr lang="pt-BR" sz="2000" b="0" strike="noStrike" spc="-1">
               <a:latin typeface="Arial"/>
             </a:endParaRPr>
           </a:p>
@@ -683,12 +1018,12 @@
       </p:sp>
       <p:sp>
         <p:nvSpPr>
-          <p:cNvPr id="183" name="PlaceHolder 3"/>
-          <p:cNvSpPr>
-            <a:spLocks noGrp="1"/>
-          </p:cNvSpPr>
-          <p:nvPr>
-            <p:ph type="sldNum" idx="15"/>
+          <p:cNvPr id="186" name="PlaceHolder 3"/>
+          <p:cNvSpPr>
+            <a:spLocks noGrp="1"/>
+          </p:cNvSpPr>
+          <p:nvPr>
+            <p:ph type="sldNum" idx="16"/>
           </p:nvPr>
         </p:nvSpPr>
         <p:spPr>
@@ -714,7 +1049,7 @@
                 <a:spcPct val="100000"/>
               </a:lnSpc>
               <a:buNone/>
-              <a:defRPr b="0" lang="pt-BR" sz="1200" spc="-1" strike="noStrike">
+              <a:defRPr lang="pt-BR" sz="1200" b="0" strike="noStrike" spc="-1">
                 <a:solidFill>
                   <a:srgbClr val="000000"/>
                 </a:solidFill>
@@ -730,17 +1065,17 @@
               </a:lnSpc>
               <a:buNone/>
             </a:pPr>
-            <a:fld id="{3513D0EB-48C8-4343-A1A8-5198043FBD06}" type="slidenum">
-              <a:rPr b="0" lang="pt-BR" sz="1200" spc="-1" strike="noStrike">
+            <a:fld id="{D23C598C-720F-407B-9564-5075CAC43BC8}" type="slidenum">
+              <a:rPr lang="pt-BR" sz="1200" b="0" strike="noStrike" spc="-1">
                 <a:solidFill>
                   <a:srgbClr val="000000"/>
                 </a:solidFill>
                 <a:latin typeface="+mn-lt"/>
                 <a:ea typeface="+mn-ea"/>
               </a:rPr>
-              <a:t>&lt;number&gt;</a:t>
+              <a:t>4</a:t>
             </a:fld>
-            <a:endParaRPr b="0" lang="pt-BR" sz="1200" spc="-1" strike="noStrike">
+            <a:endParaRPr lang="pt-BR" sz="1200" b="0" strike="noStrike" spc="-1">
               <a:latin typeface="Times New Roman"/>
             </a:endParaRPr>
           </a:p>
@@ -748,11 +1083,14 @@
       </p:sp>
     </p:spTree>
   </p:cSld>
+  <p:clrMapOvr>
+    <a:masterClrMapping/>
+  </p:clrMapOvr>
 </p:notes>
 </file>
 
-<file path=ppt/notesSlides/notesSlide4.xml><?xml version="1.0" encoding="utf-8"?>
-<p:notes xmlns:a="http://schemas.openxmlformats.org/drawingml/2006/main" xmlns:p="http://schemas.openxmlformats.org/presentationml/2006/main" xmlns:r="http://schemas.openxmlformats.org/officeDocument/2006/relationships" xmlns:p14="http://schemas.microsoft.com/office/powerpoint/2010/main" xmlns:p15="http://schemas.microsoft.com/office/powerpoint/2012/main" xmlns:mc="http://schemas.openxmlformats.org/markup-compatibility/2006">
+<file path=ppt/notesSlides/notesSlide5.xml><?xml version="1.0" encoding="utf-8"?>
+<p:notes xmlns:a="http://schemas.openxmlformats.org/drawingml/2006/main" xmlns:r="http://schemas.openxmlformats.org/officeDocument/2006/relationships" xmlns:p="http://schemas.openxmlformats.org/presentationml/2006/main">
   <p:cSld>
     <p:spTree>
       <p:nvGrpSpPr>
@@ -770,9 +1108,9 @@
       </p:grpSpPr>
       <p:sp>
         <p:nvSpPr>
-          <p:cNvPr id="184" name="PlaceHolder 1"/>
-          <p:cNvSpPr>
-            <a:spLocks noGrp="1"/>
+          <p:cNvPr id="187" name="PlaceHolder 1"/>
+          <p:cNvSpPr>
+            <a:spLocks noGrp="1" noRot="1" noChangeAspect="1"/>
           </p:cNvSpPr>
           <p:nvPr>
             <p:ph type="sldImg"/>
@@ -780,20 +1118,20 @@
         </p:nvSpPr>
         <p:spPr>
           <a:xfrm>
-            <a:off x="382680" y="685800"/>
-            <a:ext cx="6092640" cy="3428640"/>
-          </a:xfrm>
-          <a:prstGeom prst="rect">
-            <a:avLst/>
-          </a:prstGeom>
-          <a:ln w="0">
-            <a:noFill/>
-          </a:ln>
-        </p:spPr>
-      </p:sp>
-      <p:sp>
-        <p:nvSpPr>
-          <p:cNvPr id="185" name="PlaceHolder 2"/>
+            <a:off x="382588" y="685800"/>
+            <a:ext cx="6092825" cy="3429000"/>
+          </a:xfrm>
+          <a:prstGeom prst="rect">
+            <a:avLst/>
+          </a:prstGeom>
+          <a:ln w="0">
+            <a:noFill/>
+          </a:ln>
+        </p:spPr>
+      </p:sp>
+      <p:sp>
+        <p:nvSpPr>
+          <p:cNvPr id="188" name="PlaceHolder 2"/>
           <p:cNvSpPr>
             <a:spLocks noGrp="1"/>
           </p:cNvSpPr>
@@ -818,8 +1156,9 @@
           <a:bodyPr anchor="t">
             <a:noAutofit/>
           </a:bodyPr>
-          <a:p>
-            <a:endParaRPr b="0" lang="pt-BR" sz="2000" spc="-1" strike="noStrike">
+          <a:lstStyle/>
+          <a:p>
+            <a:endParaRPr lang="pt-BR" sz="2000" b="0" strike="noStrike" spc="-1">
               <a:latin typeface="Arial"/>
             </a:endParaRPr>
           </a:p>
@@ -827,12 +1166,12 @@
       </p:sp>
       <p:sp>
         <p:nvSpPr>
-          <p:cNvPr id="186" name="PlaceHolder 3"/>
-          <p:cNvSpPr>
-            <a:spLocks noGrp="1"/>
-          </p:cNvSpPr>
-          <p:nvPr>
-            <p:ph type="sldNum" idx="16"/>
+          <p:cNvPr id="189" name="PlaceHolder 3"/>
+          <p:cNvSpPr>
+            <a:spLocks noGrp="1"/>
+          </p:cNvSpPr>
+          <p:nvPr>
+            <p:ph type="sldNum" idx="17"/>
           </p:nvPr>
         </p:nvSpPr>
         <p:spPr>
@@ -858,7 +1197,7 @@
                 <a:spcPct val="100000"/>
               </a:lnSpc>
               <a:buNone/>
-              <a:defRPr b="0" lang="pt-BR" sz="1200" spc="-1" strike="noStrike">
+              <a:defRPr lang="pt-BR" sz="1200" b="0" strike="noStrike" spc="-1">
                 <a:solidFill>
                   <a:srgbClr val="000000"/>
                 </a:solidFill>
@@ -874,29 +1213,37 @@
               </a:lnSpc>
               <a:buNone/>
             </a:pPr>
-            <a:fld id="{D23C598C-720F-407B-9564-5075CAC43BC8}" type="slidenum">
-              <a:rPr b="0" lang="pt-BR" sz="1200" spc="-1" strike="noStrike">
+            <a:fld id="{FE8651B3-1C20-4440-8890-89CC6AA2ED93}" type="slidenum">
+              <a:rPr lang="pt-BR" sz="1200" b="0" strike="noStrike" spc="-1">
                 <a:solidFill>
                   <a:srgbClr val="000000"/>
                 </a:solidFill>
                 <a:latin typeface="+mn-lt"/>
                 <a:ea typeface="+mn-ea"/>
               </a:rPr>
-              <a:t>&lt;number&gt;</a:t>
+              <a:t>5</a:t>
             </a:fld>
-            <a:endParaRPr b="0" lang="pt-BR" sz="1200" spc="-1" strike="noStrike">
+            <a:endParaRPr lang="pt-BR" sz="1200" b="0" strike="noStrike" spc="-1">
               <a:latin typeface="Times New Roman"/>
             </a:endParaRPr>
           </a:p>
         </p:txBody>
       </p:sp>
     </p:spTree>
+    <p:extLst>
+      <p:ext uri="{BB962C8B-B14F-4D97-AF65-F5344CB8AC3E}">
+        <p14:creationId xmlns:p14="http://schemas.microsoft.com/office/powerpoint/2010/main" val="48441373"/>
+      </p:ext>
+    </p:extLst>
   </p:cSld>
+  <p:clrMapOvr>
+    <a:masterClrMapping/>
+  </p:clrMapOvr>
 </p:notes>
 </file>
 
-<file path=ppt/notesSlides/notesSlide5.xml><?xml version="1.0" encoding="utf-8"?>
-<p:notes xmlns:a="http://schemas.openxmlformats.org/drawingml/2006/main" xmlns:p="http://schemas.openxmlformats.org/presentationml/2006/main" xmlns:r="http://schemas.openxmlformats.org/officeDocument/2006/relationships" xmlns:p14="http://schemas.microsoft.com/office/powerpoint/2010/main" xmlns:p15="http://schemas.microsoft.com/office/powerpoint/2012/main" xmlns:mc="http://schemas.openxmlformats.org/markup-compatibility/2006">
+<file path=ppt/notesSlides/notesSlide6.xml><?xml version="1.0" encoding="utf-8"?>
+<p:notes xmlns:a="http://schemas.openxmlformats.org/drawingml/2006/main" xmlns:r="http://schemas.openxmlformats.org/officeDocument/2006/relationships" xmlns:p="http://schemas.openxmlformats.org/presentationml/2006/main">
   <p:cSld>
     <p:spTree>
       <p:nvGrpSpPr>
@@ -916,7 +1263,7 @@
         <p:nvSpPr>
           <p:cNvPr id="187" name="PlaceHolder 1"/>
           <p:cNvSpPr>
-            <a:spLocks noGrp="1"/>
+            <a:spLocks noGrp="1" noRot="1" noChangeAspect="1"/>
           </p:cNvSpPr>
           <p:nvPr>
             <p:ph type="sldImg"/>
@@ -924,8 +1271,8 @@
         </p:nvSpPr>
         <p:spPr>
           <a:xfrm>
-            <a:off x="382680" y="685800"/>
-            <a:ext cx="6092640" cy="3428640"/>
+            <a:off x="382588" y="685800"/>
+            <a:ext cx="6092825" cy="3429000"/>
           </a:xfrm>
           <a:prstGeom prst="rect">
             <a:avLst/>
@@ -962,8 +1309,9 @@
           <a:bodyPr anchor="t">
             <a:noAutofit/>
           </a:bodyPr>
-          <a:p>
-            <a:endParaRPr b="0" lang="pt-BR" sz="2000" spc="-1" strike="noStrike">
+          <a:lstStyle/>
+          <a:p>
+            <a:endParaRPr lang="pt-BR" sz="2000" b="0" strike="noStrike" spc="-1">
               <a:latin typeface="Arial"/>
             </a:endParaRPr>
           </a:p>
@@ -1002,7 +1350,7 @@
                 <a:spcPct val="100000"/>
               </a:lnSpc>
               <a:buNone/>
-              <a:defRPr b="0" lang="pt-BR" sz="1200" spc="-1" strike="noStrike">
+              <a:defRPr lang="pt-BR" sz="1200" b="0" strike="noStrike" spc="-1">
                 <a:solidFill>
                   <a:srgbClr val="000000"/>
                 </a:solidFill>
@@ -1019,16 +1367,16 @@
               <a:buNone/>
             </a:pPr>
             <a:fld id="{FE8651B3-1C20-4440-8890-89CC6AA2ED93}" type="slidenum">
-              <a:rPr b="0" lang="pt-BR" sz="1200" spc="-1" strike="noStrike">
+              <a:rPr lang="pt-BR" sz="1200" b="0" strike="noStrike" spc="-1">
                 <a:solidFill>
                   <a:srgbClr val="000000"/>
                 </a:solidFill>
                 <a:latin typeface="+mn-lt"/>
                 <a:ea typeface="+mn-ea"/>
               </a:rPr>
-              <a:t>&lt;number&gt;</a:t>
+              <a:t>6</a:t>
             </a:fld>
-            <a:endParaRPr b="0" lang="pt-BR" sz="1200" spc="-1" strike="noStrike">
+            <a:endParaRPr lang="pt-BR" sz="1200" b="0" strike="noStrike" spc="-1">
               <a:latin typeface="Times New Roman"/>
             </a:endParaRPr>
           </a:p>
@@ -1036,11 +1384,14 @@
       </p:sp>
     </p:spTree>
   </p:cSld>
+  <p:clrMapOvr>
+    <a:masterClrMapping/>
+  </p:clrMapOvr>
 </p:notes>
 </file>
 
 <file path=ppt/slideLayouts/slideLayout1.xml><?xml version="1.0" encoding="utf-8"?>
-<p:sldLayout xmlns:a="http://schemas.openxmlformats.org/drawingml/2006/main" xmlns:p="http://schemas.openxmlformats.org/presentationml/2006/main" xmlns:r="http://schemas.openxmlformats.org/officeDocument/2006/relationships" xmlns:p14="http://schemas.microsoft.com/office/powerpoint/2010/main" xmlns:p15="http://schemas.microsoft.com/office/powerpoint/2012/main" xmlns:mc="http://schemas.openxmlformats.org/markup-compatibility/2006" type="blank" preserve="1">
+<p:sldLayout xmlns:a="http://schemas.openxmlformats.org/drawingml/2006/main" xmlns:r="http://schemas.openxmlformats.org/officeDocument/2006/relationships" xmlns:p="http://schemas.openxmlformats.org/presentationml/2006/main" type="blank" preserve="1">
   <p:cSld name="Blank Slide">
     <p:spTree>
       <p:nvGrpSpPr>
@@ -1069,6 +1420,7 @@
         <p:spPr/>
         <p:txBody>
           <a:bodyPr/>
+          <a:lstStyle/>
           <a:p>
             <a:r>
               <a:t>Footer</a:t>
@@ -1089,10 +1441,12 @@
         <p:spPr/>
         <p:txBody>
           <a:bodyPr/>
+          <a:lstStyle/>
           <a:p>
             <a:fld id="{83D933C6-2F64-4243-9CC3-A63BD9560881}" type="slidenum">
-              <a:t>&lt;#&gt;</a:t>
+              <a:t>‹#›</a:t>
             </a:fld>
+            <a:endParaRPr/>
           </a:p>
         </p:txBody>
       </p:sp>
@@ -1109,21 +1463,22 @@
         <p:spPr/>
         <p:txBody>
           <a:bodyPr/>
-          <a:p>
-            <a:r>
-              <a:rPr lang="pt-BR"/>
-              <a:t/>
-            </a:r>
+          <a:lstStyle/>
+          <a:p>
+            <a:endParaRPr/>
           </a:p>
         </p:txBody>
       </p:sp>
     </p:spTree>
   </p:cSld>
+  <p:clrMapOvr>
+    <a:masterClrMapping/>
+  </p:clrMapOvr>
 </p:sldLayout>
 </file>
 
 <file path=ppt/slideLayouts/slideLayout10.xml><?xml version="1.0" encoding="utf-8"?>
-<p:sldLayout xmlns:a="http://schemas.openxmlformats.org/drawingml/2006/main" xmlns:p="http://schemas.openxmlformats.org/presentationml/2006/main" xmlns:r="http://schemas.openxmlformats.org/officeDocument/2006/relationships" xmlns:p14="http://schemas.microsoft.com/office/powerpoint/2010/main" xmlns:p15="http://schemas.microsoft.com/office/powerpoint/2012/main" xmlns:mc="http://schemas.openxmlformats.org/markup-compatibility/2006" type="objOverTx" preserve="1">
+<p:sldLayout xmlns:a="http://schemas.openxmlformats.org/drawingml/2006/main" xmlns:r="http://schemas.openxmlformats.org/officeDocument/2006/relationships" xmlns:p="http://schemas.openxmlformats.org/presentationml/2006/main" type="objOverTx" preserve="1">
   <p:cSld name="Title, Content over Content">
     <p:spTree>
       <p:nvGrpSpPr>
@@ -1163,11 +1518,12 @@
           </a:ln>
         </p:spPr>
         <p:txBody>
-          <a:bodyPr lIns="0" rIns="0" tIns="0" bIns="0" anchor="ctr">
+          <a:bodyPr lIns="0" tIns="0" rIns="0" bIns="0" anchor="ctr">
             <a:noAutofit/>
           </a:bodyPr>
-          <a:p>
-            <a:endParaRPr b="0" lang="pt-BR" sz="1800" spc="-1" strike="noStrike">
+          <a:lstStyle/>
+          <a:p>
+            <a:endParaRPr lang="pt-BR" sz="1800" b="0" strike="noStrike" spc="-1">
               <a:solidFill>
                 <a:srgbClr val="465562"/>
               </a:solidFill>
@@ -1200,9 +1556,10 @@
           </a:ln>
         </p:spPr>
         <p:txBody>
-          <a:bodyPr lIns="0" rIns="0" tIns="0" bIns="0" anchor="t">
+          <a:bodyPr lIns="0" tIns="0" rIns="0" bIns="0" anchor="t">
             <a:normAutofit/>
           </a:bodyPr>
+          <a:lstStyle/>
           <a:p>
             <a:pPr>
               <a:lnSpc>
@@ -1213,7 +1570,7 @@
               </a:spcBef>
               <a:buNone/>
             </a:pPr>
-            <a:endParaRPr b="0" lang="pt-BR" sz="2800" spc="-1" strike="noStrike">
+            <a:endParaRPr lang="pt-BR" sz="2800" b="0" strike="noStrike" spc="-1">
               <a:solidFill>
                 <a:srgbClr val="465562"/>
               </a:solidFill>
@@ -1246,9 +1603,10 @@
           </a:ln>
         </p:spPr>
         <p:txBody>
-          <a:bodyPr lIns="0" rIns="0" tIns="0" bIns="0" anchor="t">
+          <a:bodyPr lIns="0" tIns="0" rIns="0" bIns="0" anchor="t">
             <a:normAutofit/>
           </a:bodyPr>
+          <a:lstStyle/>
           <a:p>
             <a:pPr>
               <a:lnSpc>
@@ -1259,7 +1617,7 @@
               </a:spcBef>
               <a:buNone/>
             </a:pPr>
-            <a:endParaRPr b="0" lang="pt-BR" sz="2800" spc="-1" strike="noStrike">
+            <a:endParaRPr lang="pt-BR" sz="2800" b="0" strike="noStrike" spc="-1">
               <a:solidFill>
                 <a:srgbClr val="465562"/>
               </a:solidFill>
@@ -1281,6 +1639,7 @@
         <p:spPr/>
         <p:txBody>
           <a:bodyPr/>
+          <a:lstStyle/>
           <a:p>
             <a:r>
               <a:t>Footer</a:t>
@@ -1301,10 +1660,12 @@
         <p:spPr/>
         <p:txBody>
           <a:bodyPr/>
+          <a:lstStyle/>
           <a:p>
             <a:fld id="{AA8C19BC-BBEF-4B39-ABBD-12499E2BA9E3}" type="slidenum">
-              <a:t>&lt;#&gt;</a:t>
+              <a:t>‹#›</a:t>
             </a:fld>
+            <a:endParaRPr/>
           </a:p>
         </p:txBody>
       </p:sp>
@@ -1321,21 +1682,22 @@
         <p:spPr/>
         <p:txBody>
           <a:bodyPr/>
-          <a:p>
-            <a:r>
-              <a:rPr lang="pt-BR"/>
-              <a:t/>
-            </a:r>
+          <a:lstStyle/>
+          <a:p>
+            <a:endParaRPr/>
           </a:p>
         </p:txBody>
       </p:sp>
     </p:spTree>
   </p:cSld>
+  <p:clrMapOvr>
+    <a:masterClrMapping/>
+  </p:clrMapOvr>
 </p:sldLayout>
 </file>
 
 <file path=ppt/slideLayouts/slideLayout11.xml><?xml version="1.0" encoding="utf-8"?>
-<p:sldLayout xmlns:a="http://schemas.openxmlformats.org/drawingml/2006/main" xmlns:p="http://schemas.openxmlformats.org/presentationml/2006/main" xmlns:r="http://schemas.openxmlformats.org/officeDocument/2006/relationships" xmlns:p14="http://schemas.microsoft.com/office/powerpoint/2010/main" xmlns:p15="http://schemas.microsoft.com/office/powerpoint/2012/main" xmlns:mc="http://schemas.openxmlformats.org/markup-compatibility/2006" type="fourObj" preserve="1">
+<p:sldLayout xmlns:a="http://schemas.openxmlformats.org/drawingml/2006/main" xmlns:r="http://schemas.openxmlformats.org/officeDocument/2006/relationships" xmlns:p="http://schemas.openxmlformats.org/presentationml/2006/main" type="fourObj" preserve="1">
   <p:cSld name="Title, 4 Content">
     <p:spTree>
       <p:nvGrpSpPr>
@@ -1375,11 +1737,12 @@
           </a:ln>
         </p:spPr>
         <p:txBody>
-          <a:bodyPr lIns="0" rIns="0" tIns="0" bIns="0" anchor="ctr">
+          <a:bodyPr lIns="0" tIns="0" rIns="0" bIns="0" anchor="ctr">
             <a:noAutofit/>
           </a:bodyPr>
-          <a:p>
-            <a:endParaRPr b="0" lang="pt-BR" sz="1800" spc="-1" strike="noStrike">
+          <a:lstStyle/>
+          <a:p>
+            <a:endParaRPr lang="pt-BR" sz="1800" b="0" strike="noStrike" spc="-1">
               <a:solidFill>
                 <a:srgbClr val="465562"/>
               </a:solidFill>
@@ -1412,9 +1775,10 @@
           </a:ln>
         </p:spPr>
         <p:txBody>
-          <a:bodyPr lIns="0" rIns="0" tIns="0" bIns="0" anchor="t">
+          <a:bodyPr lIns="0" tIns="0" rIns="0" bIns="0" anchor="t">
             <a:normAutofit/>
           </a:bodyPr>
+          <a:lstStyle/>
           <a:p>
             <a:pPr>
               <a:lnSpc>
@@ -1425,7 +1789,7 @@
               </a:spcBef>
               <a:buNone/>
             </a:pPr>
-            <a:endParaRPr b="0" lang="pt-BR" sz="2800" spc="-1" strike="noStrike">
+            <a:endParaRPr lang="pt-BR" sz="2800" b="0" strike="noStrike" spc="-1">
               <a:solidFill>
                 <a:srgbClr val="465562"/>
               </a:solidFill>
@@ -1458,9 +1822,10 @@
           </a:ln>
         </p:spPr>
         <p:txBody>
-          <a:bodyPr lIns="0" rIns="0" tIns="0" bIns="0" anchor="t">
+          <a:bodyPr lIns="0" tIns="0" rIns="0" bIns="0" anchor="t">
             <a:normAutofit/>
           </a:bodyPr>
+          <a:lstStyle/>
           <a:p>
             <a:pPr>
               <a:lnSpc>
@@ -1471,7 +1836,7 @@
               </a:spcBef>
               <a:buNone/>
             </a:pPr>
-            <a:endParaRPr b="0" lang="pt-BR" sz="2800" spc="-1" strike="noStrike">
+            <a:endParaRPr lang="pt-BR" sz="2800" b="0" strike="noStrike" spc="-1">
               <a:solidFill>
                 <a:srgbClr val="465562"/>
               </a:solidFill>
@@ -1504,9 +1869,10 @@
           </a:ln>
         </p:spPr>
         <p:txBody>
-          <a:bodyPr lIns="0" rIns="0" tIns="0" bIns="0" anchor="t">
+          <a:bodyPr lIns="0" tIns="0" rIns="0" bIns="0" anchor="t">
             <a:normAutofit/>
           </a:bodyPr>
+          <a:lstStyle/>
           <a:p>
             <a:pPr>
               <a:lnSpc>
@@ -1517,7 +1883,7 @@
               </a:spcBef>
               <a:buNone/>
             </a:pPr>
-            <a:endParaRPr b="0" lang="pt-BR" sz="2800" spc="-1" strike="noStrike">
+            <a:endParaRPr lang="pt-BR" sz="2800" b="0" strike="noStrike" spc="-1">
               <a:solidFill>
                 <a:srgbClr val="465562"/>
               </a:solidFill>
@@ -1550,9 +1916,10 @@
           </a:ln>
         </p:spPr>
         <p:txBody>
-          <a:bodyPr lIns="0" rIns="0" tIns="0" bIns="0" anchor="t">
+          <a:bodyPr lIns="0" tIns="0" rIns="0" bIns="0" anchor="t">
             <a:normAutofit/>
           </a:bodyPr>
+          <a:lstStyle/>
           <a:p>
             <a:pPr>
               <a:lnSpc>
@@ -1563,7 +1930,7 @@
               </a:spcBef>
               <a:buNone/>
             </a:pPr>
-            <a:endParaRPr b="0" lang="pt-BR" sz="2800" spc="-1" strike="noStrike">
+            <a:endParaRPr lang="pt-BR" sz="2800" b="0" strike="noStrike" spc="-1">
               <a:solidFill>
                 <a:srgbClr val="465562"/>
               </a:solidFill>
@@ -1585,6 +1952,7 @@
         <p:spPr/>
         <p:txBody>
           <a:bodyPr/>
+          <a:lstStyle/>
           <a:p>
             <a:r>
               <a:t>Footer</a:t>
@@ -1605,10 +1973,12 @@
         <p:spPr/>
         <p:txBody>
           <a:bodyPr/>
+          <a:lstStyle/>
           <a:p>
             <a:fld id="{F0CA7703-C114-4752-9CD1-2492E3ED2BB5}" type="slidenum">
-              <a:t>&lt;#&gt;</a:t>
+              <a:t>‹#›</a:t>
             </a:fld>
+            <a:endParaRPr/>
           </a:p>
         </p:txBody>
       </p:sp>
@@ -1625,21 +1995,22 @@
         <p:spPr/>
         <p:txBody>
           <a:bodyPr/>
-          <a:p>
-            <a:r>
-              <a:rPr lang="pt-BR"/>
-              <a:t/>
-            </a:r>
+          <a:lstStyle/>
+          <a:p>
+            <a:endParaRPr/>
           </a:p>
         </p:txBody>
       </p:sp>
     </p:spTree>
   </p:cSld>
+  <p:clrMapOvr>
+    <a:masterClrMapping/>
+  </p:clrMapOvr>
 </p:sldLayout>
 </file>
 
 <file path=ppt/slideLayouts/slideLayout12.xml><?xml version="1.0" encoding="utf-8"?>
-<p:sldLayout xmlns:a="http://schemas.openxmlformats.org/drawingml/2006/main" xmlns:p="http://schemas.openxmlformats.org/presentationml/2006/main" xmlns:r="http://schemas.openxmlformats.org/officeDocument/2006/relationships" xmlns:p14="http://schemas.microsoft.com/office/powerpoint/2010/main" xmlns:p15="http://schemas.microsoft.com/office/powerpoint/2012/main" xmlns:mc="http://schemas.openxmlformats.org/markup-compatibility/2006" type="blank" preserve="1">
+<p:sldLayout xmlns:a="http://schemas.openxmlformats.org/drawingml/2006/main" xmlns:r="http://schemas.openxmlformats.org/officeDocument/2006/relationships" xmlns:p="http://schemas.openxmlformats.org/presentationml/2006/main" type="blank" preserve="1">
   <p:cSld name="Title, 6 Content">
     <p:spTree>
       <p:nvGrpSpPr>
@@ -1679,11 +2050,12 @@
           </a:ln>
         </p:spPr>
         <p:txBody>
-          <a:bodyPr lIns="0" rIns="0" tIns="0" bIns="0" anchor="ctr">
+          <a:bodyPr lIns="0" tIns="0" rIns="0" bIns="0" anchor="ctr">
             <a:noAutofit/>
           </a:bodyPr>
-          <a:p>
-            <a:endParaRPr b="0" lang="pt-BR" sz="1800" spc="-1" strike="noStrike">
+          <a:lstStyle/>
+          <a:p>
+            <a:endParaRPr lang="pt-BR" sz="1800" b="0" strike="noStrike" spc="-1">
               <a:solidFill>
                 <a:srgbClr val="465562"/>
               </a:solidFill>
@@ -1716,9 +2088,10 @@
           </a:ln>
         </p:spPr>
         <p:txBody>
-          <a:bodyPr lIns="0" rIns="0" tIns="0" bIns="0" anchor="t">
+          <a:bodyPr lIns="0" tIns="0" rIns="0" bIns="0" anchor="t">
             <a:normAutofit/>
           </a:bodyPr>
+          <a:lstStyle/>
           <a:p>
             <a:pPr>
               <a:lnSpc>
@@ -1729,7 +2102,7 @@
               </a:spcBef>
               <a:buNone/>
             </a:pPr>
-            <a:endParaRPr b="0" lang="pt-BR" sz="2800" spc="-1" strike="noStrike">
+            <a:endParaRPr lang="pt-BR" sz="2800" b="0" strike="noStrike" spc="-1">
               <a:solidFill>
                 <a:srgbClr val="465562"/>
               </a:solidFill>
@@ -1762,9 +2135,10 @@
           </a:ln>
         </p:spPr>
         <p:txBody>
-          <a:bodyPr lIns="0" rIns="0" tIns="0" bIns="0" anchor="t">
+          <a:bodyPr lIns="0" tIns="0" rIns="0" bIns="0" anchor="t">
             <a:normAutofit/>
           </a:bodyPr>
+          <a:lstStyle/>
           <a:p>
             <a:pPr>
               <a:lnSpc>
@@ -1775,7 +2149,7 @@
               </a:spcBef>
               <a:buNone/>
             </a:pPr>
-            <a:endParaRPr b="0" lang="pt-BR" sz="2800" spc="-1" strike="noStrike">
+            <a:endParaRPr lang="pt-BR" sz="2800" b="0" strike="noStrike" spc="-1">
               <a:solidFill>
                 <a:srgbClr val="465562"/>
               </a:solidFill>
@@ -1808,9 +2182,10 @@
           </a:ln>
         </p:spPr>
         <p:txBody>
-          <a:bodyPr lIns="0" rIns="0" tIns="0" bIns="0" anchor="t">
+          <a:bodyPr lIns="0" tIns="0" rIns="0" bIns="0" anchor="t">
             <a:normAutofit/>
           </a:bodyPr>
+          <a:lstStyle/>
           <a:p>
             <a:pPr>
               <a:lnSpc>
@@ -1821,7 +2196,7 @@
               </a:spcBef>
               <a:buNone/>
             </a:pPr>
-            <a:endParaRPr b="0" lang="pt-BR" sz="2800" spc="-1" strike="noStrike">
+            <a:endParaRPr lang="pt-BR" sz="2800" b="0" strike="noStrike" spc="-1">
               <a:solidFill>
                 <a:srgbClr val="465562"/>
               </a:solidFill>
@@ -1854,9 +2229,10 @@
           </a:ln>
         </p:spPr>
         <p:txBody>
-          <a:bodyPr lIns="0" rIns="0" tIns="0" bIns="0" anchor="t">
+          <a:bodyPr lIns="0" tIns="0" rIns="0" bIns="0" anchor="t">
             <a:normAutofit/>
           </a:bodyPr>
+          <a:lstStyle/>
           <a:p>
             <a:pPr>
               <a:lnSpc>
@@ -1867,7 +2243,7 @@
               </a:spcBef>
               <a:buNone/>
             </a:pPr>
-            <a:endParaRPr b="0" lang="pt-BR" sz="2800" spc="-1" strike="noStrike">
+            <a:endParaRPr lang="pt-BR" sz="2800" b="0" strike="noStrike" spc="-1">
               <a:solidFill>
                 <a:srgbClr val="465562"/>
               </a:solidFill>
@@ -1900,9 +2276,10 @@
           </a:ln>
         </p:spPr>
         <p:txBody>
-          <a:bodyPr lIns="0" rIns="0" tIns="0" bIns="0" anchor="t">
+          <a:bodyPr lIns="0" tIns="0" rIns="0" bIns="0" anchor="t">
             <a:normAutofit/>
           </a:bodyPr>
+          <a:lstStyle/>
           <a:p>
             <a:pPr>
               <a:lnSpc>
@@ -1913,7 +2290,7 @@
               </a:spcBef>
               <a:buNone/>
             </a:pPr>
-            <a:endParaRPr b="0" lang="pt-BR" sz="2800" spc="-1" strike="noStrike">
+            <a:endParaRPr lang="pt-BR" sz="2800" b="0" strike="noStrike" spc="-1">
               <a:solidFill>
                 <a:srgbClr val="465562"/>
               </a:solidFill>
@@ -1946,9 +2323,10 @@
           </a:ln>
         </p:spPr>
         <p:txBody>
-          <a:bodyPr lIns="0" rIns="0" tIns="0" bIns="0" anchor="t">
+          <a:bodyPr lIns="0" tIns="0" rIns="0" bIns="0" anchor="t">
             <a:normAutofit/>
           </a:bodyPr>
+          <a:lstStyle/>
           <a:p>
             <a:pPr>
               <a:lnSpc>
@@ -1959,7 +2337,7 @@
               </a:spcBef>
               <a:buNone/>
             </a:pPr>
-            <a:endParaRPr b="0" lang="pt-BR" sz="2800" spc="-1" strike="noStrike">
+            <a:endParaRPr lang="pt-BR" sz="2800" b="0" strike="noStrike" spc="-1">
               <a:solidFill>
                 <a:srgbClr val="465562"/>
               </a:solidFill>
@@ -1981,6 +2359,7 @@
         <p:spPr/>
         <p:txBody>
           <a:bodyPr/>
+          <a:lstStyle/>
           <a:p>
             <a:r>
               <a:t>Footer</a:t>
@@ -2001,10 +2380,12 @@
         <p:spPr/>
         <p:txBody>
           <a:bodyPr/>
+          <a:lstStyle/>
           <a:p>
             <a:fld id="{7052C7F6-B59D-4533-8CFB-A50EE7301372}" type="slidenum">
-              <a:t>&lt;#&gt;</a:t>
+              <a:t>‹#›</a:t>
             </a:fld>
+            <a:endParaRPr/>
           </a:p>
         </p:txBody>
       </p:sp>
@@ -2021,21 +2402,22 @@
         <p:spPr/>
         <p:txBody>
           <a:bodyPr/>
-          <a:p>
-            <a:r>
-              <a:rPr lang="pt-BR"/>
-              <a:t/>
-            </a:r>
+          <a:lstStyle/>
+          <a:p>
+            <a:endParaRPr/>
           </a:p>
         </p:txBody>
       </p:sp>
     </p:spTree>
   </p:cSld>
+  <p:clrMapOvr>
+    <a:masterClrMapping/>
+  </p:clrMapOvr>
 </p:sldLayout>
 </file>
 
 <file path=ppt/slideLayouts/slideLayout13.xml><?xml version="1.0" encoding="utf-8"?>
-<p:sldLayout xmlns:a="http://schemas.openxmlformats.org/drawingml/2006/main" xmlns:p="http://schemas.openxmlformats.org/presentationml/2006/main" xmlns:r="http://schemas.openxmlformats.org/officeDocument/2006/relationships" xmlns:p14="http://schemas.microsoft.com/office/powerpoint/2010/main" xmlns:p15="http://schemas.microsoft.com/office/powerpoint/2012/main" xmlns:mc="http://schemas.openxmlformats.org/markup-compatibility/2006" type="blank" preserve="1">
+<p:sldLayout xmlns:a="http://schemas.openxmlformats.org/drawingml/2006/main" xmlns:r="http://schemas.openxmlformats.org/officeDocument/2006/relationships" xmlns:p="http://schemas.openxmlformats.org/presentationml/2006/main" type="blank" preserve="1">
   <p:cSld name="Blank Slide">
     <p:spTree>
       <p:nvGrpSpPr>
@@ -2064,6 +2446,7 @@
         <p:spPr/>
         <p:txBody>
           <a:bodyPr/>
+          <a:lstStyle/>
           <a:p>
             <a:r>
               <a:t>Footer</a:t>
@@ -2084,10 +2467,12 @@
         <p:spPr/>
         <p:txBody>
           <a:bodyPr/>
+          <a:lstStyle/>
           <a:p>
             <a:fld id="{50661904-40AA-4FC3-81C9-440993641073}" type="slidenum">
-              <a:t>&lt;#&gt;</a:t>
+              <a:t>‹#›</a:t>
             </a:fld>
+            <a:endParaRPr/>
           </a:p>
         </p:txBody>
       </p:sp>
@@ -2104,21 +2489,22 @@
         <p:spPr/>
         <p:txBody>
           <a:bodyPr/>
-          <a:p>
-            <a:r>
-              <a:rPr lang="pt-BR"/>
-              <a:t/>
-            </a:r>
+          <a:lstStyle/>
+          <a:p>
+            <a:endParaRPr/>
           </a:p>
         </p:txBody>
       </p:sp>
     </p:spTree>
   </p:cSld>
+  <p:clrMapOvr>
+    <a:masterClrMapping/>
+  </p:clrMapOvr>
 </p:sldLayout>
 </file>
 
 <file path=ppt/slideLayouts/slideLayout14.xml><?xml version="1.0" encoding="utf-8"?>
-<p:sldLayout xmlns:a="http://schemas.openxmlformats.org/drawingml/2006/main" xmlns:p="http://schemas.openxmlformats.org/presentationml/2006/main" xmlns:r="http://schemas.openxmlformats.org/officeDocument/2006/relationships" xmlns:p14="http://schemas.microsoft.com/office/powerpoint/2010/main" xmlns:p15="http://schemas.microsoft.com/office/powerpoint/2012/main" xmlns:mc="http://schemas.openxmlformats.org/markup-compatibility/2006" type="tx" preserve="1">
+<p:sldLayout xmlns:a="http://schemas.openxmlformats.org/drawingml/2006/main" xmlns:r="http://schemas.openxmlformats.org/officeDocument/2006/relationships" xmlns:p="http://schemas.openxmlformats.org/presentationml/2006/main" type="tx" preserve="1">
   <p:cSld name="Title Slide">
     <p:spTree>
       <p:nvGrpSpPr>
@@ -2158,11 +2544,12 @@
           </a:ln>
         </p:spPr>
         <p:txBody>
-          <a:bodyPr lIns="0" rIns="0" tIns="0" bIns="0" anchor="ctr">
+          <a:bodyPr lIns="0" tIns="0" rIns="0" bIns="0" anchor="ctr">
             <a:noAutofit/>
           </a:bodyPr>
-          <a:p>
-            <a:endParaRPr b="0" lang="pt-BR" sz="1800" spc="-1" strike="noStrike">
+          <a:lstStyle/>
+          <a:p>
+            <a:endParaRPr lang="pt-BR" sz="1800" b="0" strike="noStrike" spc="-1">
               <a:solidFill>
                 <a:srgbClr val="465562"/>
               </a:solidFill>
@@ -2195,14 +2582,15 @@
           </a:ln>
         </p:spPr>
         <p:txBody>
-          <a:bodyPr lIns="0" rIns="0" tIns="0" bIns="0" anchor="ctr">
+          <a:bodyPr lIns="0" tIns="0" rIns="0" bIns="0" anchor="ctr">
             <a:noAutofit/>
           </a:bodyPr>
+          <a:lstStyle/>
           <a:p>
             <a:pPr algn="ctr">
               <a:buNone/>
             </a:pPr>
-            <a:endParaRPr b="0" lang="pt-BR" sz="3200" spc="-1" strike="noStrike">
+            <a:endParaRPr lang="pt-BR" sz="3200" b="0" strike="noStrike" spc="-1">
               <a:latin typeface="Arial"/>
             </a:endParaRPr>
           </a:p>
@@ -2221,6 +2609,7 @@
         <p:spPr/>
         <p:txBody>
           <a:bodyPr/>
+          <a:lstStyle/>
           <a:p>
             <a:r>
               <a:t>Footer</a:t>
@@ -2241,10 +2630,12 @@
         <p:spPr/>
         <p:txBody>
           <a:bodyPr/>
+          <a:lstStyle/>
           <a:p>
             <a:fld id="{30763F64-BDE6-49DD-82F1-B63015C7B7F3}" type="slidenum">
-              <a:t>&lt;#&gt;</a:t>
+              <a:t>‹#›</a:t>
             </a:fld>
+            <a:endParaRPr/>
           </a:p>
         </p:txBody>
       </p:sp>
@@ -2261,21 +2652,22 @@
         <p:spPr/>
         <p:txBody>
           <a:bodyPr/>
-          <a:p>
-            <a:r>
-              <a:rPr lang="pt-BR"/>
-              <a:t/>
-            </a:r>
+          <a:lstStyle/>
+          <a:p>
+            <a:endParaRPr/>
           </a:p>
         </p:txBody>
       </p:sp>
     </p:spTree>
   </p:cSld>
+  <p:clrMapOvr>
+    <a:masterClrMapping/>
+  </p:clrMapOvr>
 </p:sldLayout>
 </file>
 
 <file path=ppt/slideLayouts/slideLayout15.xml><?xml version="1.0" encoding="utf-8"?>
-<p:sldLayout xmlns:a="http://schemas.openxmlformats.org/drawingml/2006/main" xmlns:p="http://schemas.openxmlformats.org/presentationml/2006/main" xmlns:r="http://schemas.openxmlformats.org/officeDocument/2006/relationships" xmlns:p14="http://schemas.microsoft.com/office/powerpoint/2010/main" xmlns:p15="http://schemas.microsoft.com/office/powerpoint/2012/main" xmlns:mc="http://schemas.openxmlformats.org/markup-compatibility/2006" type="obj" preserve="1">
+<p:sldLayout xmlns:a="http://schemas.openxmlformats.org/drawingml/2006/main" xmlns:r="http://schemas.openxmlformats.org/officeDocument/2006/relationships" xmlns:p="http://schemas.openxmlformats.org/presentationml/2006/main" type="obj" preserve="1">
   <p:cSld name="Title, Content">
     <p:spTree>
       <p:nvGrpSpPr>
@@ -2315,11 +2707,12 @@
           </a:ln>
         </p:spPr>
         <p:txBody>
-          <a:bodyPr lIns="0" rIns="0" tIns="0" bIns="0" anchor="ctr">
+          <a:bodyPr lIns="0" tIns="0" rIns="0" bIns="0" anchor="ctr">
             <a:noAutofit/>
           </a:bodyPr>
-          <a:p>
-            <a:endParaRPr b="0" lang="pt-BR" sz="1800" spc="-1" strike="noStrike">
+          <a:lstStyle/>
+          <a:p>
+            <a:endParaRPr lang="pt-BR" sz="1800" b="0" strike="noStrike" spc="-1">
               <a:solidFill>
                 <a:srgbClr val="465562"/>
               </a:solidFill>
@@ -2352,9 +2745,10 @@
           </a:ln>
         </p:spPr>
         <p:txBody>
-          <a:bodyPr lIns="0" rIns="0" tIns="0" bIns="0" anchor="t">
+          <a:bodyPr lIns="0" tIns="0" rIns="0" bIns="0" anchor="t">
             <a:normAutofit/>
           </a:bodyPr>
+          <a:lstStyle/>
           <a:p>
             <a:pPr>
               <a:lnSpc>
@@ -2365,7 +2759,7 @@
               </a:spcBef>
               <a:buNone/>
             </a:pPr>
-            <a:endParaRPr b="0" lang="pt-BR" sz="2800" spc="-1" strike="noStrike">
+            <a:endParaRPr lang="pt-BR" sz="2800" b="0" strike="noStrike" spc="-1">
               <a:solidFill>
                 <a:srgbClr val="465562"/>
               </a:solidFill>
@@ -2387,6 +2781,7 @@
         <p:spPr/>
         <p:txBody>
           <a:bodyPr/>
+          <a:lstStyle/>
           <a:p>
             <a:r>
               <a:t>Footer</a:t>
@@ -2407,10 +2802,12 @@
         <p:spPr/>
         <p:txBody>
           <a:bodyPr/>
+          <a:lstStyle/>
           <a:p>
             <a:fld id="{0B90CD5A-9CDB-4933-B9A5-CC8CB2265DA2}" type="slidenum">
-              <a:t>&lt;#&gt;</a:t>
+              <a:t>‹#›</a:t>
             </a:fld>
+            <a:endParaRPr/>
           </a:p>
         </p:txBody>
       </p:sp>
@@ -2427,21 +2824,22 @@
         <p:spPr/>
         <p:txBody>
           <a:bodyPr/>
-          <a:p>
-            <a:r>
-              <a:rPr lang="pt-BR"/>
-              <a:t/>
-            </a:r>
+          <a:lstStyle/>
+          <a:p>
+            <a:endParaRPr/>
           </a:p>
         </p:txBody>
       </p:sp>
     </p:spTree>
   </p:cSld>
+  <p:clrMapOvr>
+    <a:masterClrMapping/>
+  </p:clrMapOvr>
 </p:sldLayout>
 </file>
 
 <file path=ppt/slideLayouts/slideLayout16.xml><?xml version="1.0" encoding="utf-8"?>
-<p:sldLayout xmlns:a="http://schemas.openxmlformats.org/drawingml/2006/main" xmlns:p="http://schemas.openxmlformats.org/presentationml/2006/main" xmlns:r="http://schemas.openxmlformats.org/officeDocument/2006/relationships" xmlns:p14="http://schemas.microsoft.com/office/powerpoint/2010/main" xmlns:p15="http://schemas.microsoft.com/office/powerpoint/2012/main" xmlns:mc="http://schemas.openxmlformats.org/markup-compatibility/2006" type="twoObj" preserve="1">
+<p:sldLayout xmlns:a="http://schemas.openxmlformats.org/drawingml/2006/main" xmlns:r="http://schemas.openxmlformats.org/officeDocument/2006/relationships" xmlns:p="http://schemas.openxmlformats.org/presentationml/2006/main" type="twoObj" preserve="1">
   <p:cSld name="Title, 2 Content">
     <p:spTree>
       <p:nvGrpSpPr>
@@ -2481,11 +2879,12 @@
           </a:ln>
         </p:spPr>
         <p:txBody>
-          <a:bodyPr lIns="0" rIns="0" tIns="0" bIns="0" anchor="ctr">
+          <a:bodyPr lIns="0" tIns="0" rIns="0" bIns="0" anchor="ctr">
             <a:noAutofit/>
           </a:bodyPr>
-          <a:p>
-            <a:endParaRPr b="0" lang="pt-BR" sz="1800" spc="-1" strike="noStrike">
+          <a:lstStyle/>
+          <a:p>
+            <a:endParaRPr lang="pt-BR" sz="1800" b="0" strike="noStrike" spc="-1">
               <a:solidFill>
                 <a:srgbClr val="465562"/>
               </a:solidFill>
@@ -2518,9 +2917,10 @@
           </a:ln>
         </p:spPr>
         <p:txBody>
-          <a:bodyPr lIns="0" rIns="0" tIns="0" bIns="0" anchor="t">
+          <a:bodyPr lIns="0" tIns="0" rIns="0" bIns="0" anchor="t">
             <a:normAutofit/>
           </a:bodyPr>
+          <a:lstStyle/>
           <a:p>
             <a:pPr>
               <a:lnSpc>
@@ -2531,7 +2931,7 @@
               </a:spcBef>
               <a:buNone/>
             </a:pPr>
-            <a:endParaRPr b="0" lang="pt-BR" sz="2800" spc="-1" strike="noStrike">
+            <a:endParaRPr lang="pt-BR" sz="2800" b="0" strike="noStrike" spc="-1">
               <a:solidFill>
                 <a:srgbClr val="465562"/>
               </a:solidFill>
@@ -2564,9 +2964,10 @@
           </a:ln>
         </p:spPr>
         <p:txBody>
-          <a:bodyPr lIns="0" rIns="0" tIns="0" bIns="0" anchor="t">
+          <a:bodyPr lIns="0" tIns="0" rIns="0" bIns="0" anchor="t">
             <a:normAutofit/>
           </a:bodyPr>
+          <a:lstStyle/>
           <a:p>
             <a:pPr>
               <a:lnSpc>
@@ -2577,7 +2978,7 @@
               </a:spcBef>
               <a:buNone/>
             </a:pPr>
-            <a:endParaRPr b="0" lang="pt-BR" sz="2800" spc="-1" strike="noStrike">
+            <a:endParaRPr lang="pt-BR" sz="2800" b="0" strike="noStrike" spc="-1">
               <a:solidFill>
                 <a:srgbClr val="465562"/>
               </a:solidFill>
@@ -2599,6 +3000,7 @@
         <p:spPr/>
         <p:txBody>
           <a:bodyPr/>
+          <a:lstStyle/>
           <a:p>
             <a:r>
               <a:t>Footer</a:t>
@@ -2619,10 +3021,12 @@
         <p:spPr/>
         <p:txBody>
           <a:bodyPr/>
+          <a:lstStyle/>
           <a:p>
             <a:fld id="{E861A77B-2412-4387-B749-89DB449976C9}" type="slidenum">
-              <a:t>&lt;#&gt;</a:t>
+              <a:t>‹#›</a:t>
             </a:fld>
+            <a:endParaRPr/>
           </a:p>
         </p:txBody>
       </p:sp>
@@ -2639,21 +3043,22 @@
         <p:spPr/>
         <p:txBody>
           <a:bodyPr/>
-          <a:p>
-            <a:r>
-              <a:rPr lang="pt-BR"/>
-              <a:t/>
-            </a:r>
+          <a:lstStyle/>
+          <a:p>
+            <a:endParaRPr/>
           </a:p>
         </p:txBody>
       </p:sp>
     </p:spTree>
   </p:cSld>
+  <p:clrMapOvr>
+    <a:masterClrMapping/>
+  </p:clrMapOvr>
 </p:sldLayout>
 </file>
 
 <file path=ppt/slideLayouts/slideLayout17.xml><?xml version="1.0" encoding="utf-8"?>
-<p:sldLayout xmlns:a="http://schemas.openxmlformats.org/drawingml/2006/main" xmlns:p="http://schemas.openxmlformats.org/presentationml/2006/main" xmlns:r="http://schemas.openxmlformats.org/officeDocument/2006/relationships" xmlns:p14="http://schemas.microsoft.com/office/powerpoint/2010/main" xmlns:p15="http://schemas.microsoft.com/office/powerpoint/2012/main" xmlns:mc="http://schemas.openxmlformats.org/markup-compatibility/2006" type="titleOnly" preserve="1">
+<p:sldLayout xmlns:a="http://schemas.openxmlformats.org/drawingml/2006/main" xmlns:r="http://schemas.openxmlformats.org/officeDocument/2006/relationships" xmlns:p="http://schemas.openxmlformats.org/presentationml/2006/main" type="titleOnly" preserve="1">
   <p:cSld name="Title Only">
     <p:spTree>
       <p:nvGrpSpPr>
@@ -2693,11 +3098,12 @@
           </a:ln>
         </p:spPr>
         <p:txBody>
-          <a:bodyPr lIns="0" rIns="0" tIns="0" bIns="0" anchor="ctr">
+          <a:bodyPr lIns="0" tIns="0" rIns="0" bIns="0" anchor="ctr">
             <a:noAutofit/>
           </a:bodyPr>
-          <a:p>
-            <a:endParaRPr b="0" lang="pt-BR" sz="1800" spc="-1" strike="noStrike">
+          <a:lstStyle/>
+          <a:p>
+            <a:endParaRPr lang="pt-BR" sz="1800" b="0" strike="noStrike" spc="-1">
               <a:solidFill>
                 <a:srgbClr val="465562"/>
               </a:solidFill>
@@ -2719,6 +3125,7 @@
         <p:spPr/>
         <p:txBody>
           <a:bodyPr/>
+          <a:lstStyle/>
           <a:p>
             <a:r>
               <a:t>Footer</a:t>
@@ -2739,10 +3146,12 @@
         <p:spPr/>
         <p:txBody>
           <a:bodyPr/>
+          <a:lstStyle/>
           <a:p>
             <a:fld id="{917DC89C-F895-4919-BCC6-F034FAB49217}" type="slidenum">
-              <a:t>&lt;#&gt;</a:t>
+              <a:t>‹#›</a:t>
             </a:fld>
+            <a:endParaRPr/>
           </a:p>
         </p:txBody>
       </p:sp>
@@ -2759,21 +3168,22 @@
         <p:spPr/>
         <p:txBody>
           <a:bodyPr/>
-          <a:p>
-            <a:r>
-              <a:rPr lang="pt-BR"/>
-              <a:t/>
-            </a:r>
+          <a:lstStyle/>
+          <a:p>
+            <a:endParaRPr/>
           </a:p>
         </p:txBody>
       </p:sp>
     </p:spTree>
   </p:cSld>
+  <p:clrMapOvr>
+    <a:masterClrMapping/>
+  </p:clrMapOvr>
 </p:sldLayout>
 </file>
 
 <file path=ppt/slideLayouts/slideLayout18.xml><?xml version="1.0" encoding="utf-8"?>
-<p:sldLayout xmlns:a="http://schemas.openxmlformats.org/drawingml/2006/main" xmlns:p="http://schemas.openxmlformats.org/presentationml/2006/main" xmlns:r="http://schemas.openxmlformats.org/officeDocument/2006/relationships" xmlns:p14="http://schemas.microsoft.com/office/powerpoint/2010/main" xmlns:p15="http://schemas.microsoft.com/office/powerpoint/2012/main" xmlns:mc="http://schemas.openxmlformats.org/markup-compatibility/2006" type="objOnly" preserve="1">
+<p:sldLayout xmlns:a="http://schemas.openxmlformats.org/drawingml/2006/main" xmlns:r="http://schemas.openxmlformats.org/officeDocument/2006/relationships" xmlns:p="http://schemas.openxmlformats.org/presentationml/2006/main" type="objOnly" preserve="1">
   <p:cSld name="Centered Text">
     <p:spTree>
       <p:nvGrpSpPr>
@@ -2813,14 +3223,15 @@
           </a:ln>
         </p:spPr>
         <p:txBody>
-          <a:bodyPr lIns="0" rIns="0" tIns="0" bIns="0" anchor="ctr">
+          <a:bodyPr lIns="0" tIns="0" rIns="0" bIns="0" anchor="ctr">
             <a:noAutofit/>
           </a:bodyPr>
+          <a:lstStyle/>
           <a:p>
             <a:pPr algn="ctr">
               <a:buNone/>
             </a:pPr>
-            <a:endParaRPr b="0" lang="pt-BR" sz="3200" spc="-1" strike="noStrike">
+            <a:endParaRPr lang="pt-BR" sz="3200" b="0" strike="noStrike" spc="-1">
               <a:latin typeface="Arial"/>
             </a:endParaRPr>
           </a:p>
@@ -2839,6 +3250,7 @@
         <p:spPr/>
         <p:txBody>
           <a:bodyPr/>
+          <a:lstStyle/>
           <a:p>
             <a:r>
               <a:t>Footer</a:t>
@@ -2859,10 +3271,12 @@
         <p:spPr/>
         <p:txBody>
           <a:bodyPr/>
+          <a:lstStyle/>
           <a:p>
             <a:fld id="{8E7DCA07-AF4D-4DD6-B9DF-210199FD02F8}" type="slidenum">
-              <a:t>&lt;#&gt;</a:t>
+              <a:t>‹#›</a:t>
             </a:fld>
+            <a:endParaRPr/>
           </a:p>
         </p:txBody>
       </p:sp>
@@ -2879,21 +3293,22 @@
         <p:spPr/>
         <p:txBody>
           <a:bodyPr/>
-          <a:p>
-            <a:r>
-              <a:rPr lang="pt-BR"/>
-              <a:t/>
-            </a:r>
+          <a:lstStyle/>
+          <a:p>
+            <a:endParaRPr/>
           </a:p>
         </p:txBody>
       </p:sp>
     </p:spTree>
   </p:cSld>
+  <p:clrMapOvr>
+    <a:masterClrMapping/>
+  </p:clrMapOvr>
 </p:sldLayout>
 </file>
 
 <file path=ppt/slideLayouts/slideLayout19.xml><?xml version="1.0" encoding="utf-8"?>
-<p:sldLayout xmlns:a="http://schemas.openxmlformats.org/drawingml/2006/main" xmlns:p="http://schemas.openxmlformats.org/presentationml/2006/main" xmlns:r="http://schemas.openxmlformats.org/officeDocument/2006/relationships" xmlns:p14="http://schemas.microsoft.com/office/powerpoint/2010/main" xmlns:p15="http://schemas.microsoft.com/office/powerpoint/2012/main" xmlns:mc="http://schemas.openxmlformats.org/markup-compatibility/2006" type="twoObjAndObj" preserve="1">
+<p:sldLayout xmlns:a="http://schemas.openxmlformats.org/drawingml/2006/main" xmlns:r="http://schemas.openxmlformats.org/officeDocument/2006/relationships" xmlns:p="http://schemas.openxmlformats.org/presentationml/2006/main" type="twoObjAndObj" preserve="1">
   <p:cSld name="Title, 2 Content and Content">
     <p:spTree>
       <p:nvGrpSpPr>
@@ -2933,11 +3348,12 @@
           </a:ln>
         </p:spPr>
         <p:txBody>
-          <a:bodyPr lIns="0" rIns="0" tIns="0" bIns="0" anchor="ctr">
+          <a:bodyPr lIns="0" tIns="0" rIns="0" bIns="0" anchor="ctr">
             <a:noAutofit/>
           </a:bodyPr>
-          <a:p>
-            <a:endParaRPr b="0" lang="pt-BR" sz="1800" spc="-1" strike="noStrike">
+          <a:lstStyle/>
+          <a:p>
+            <a:endParaRPr lang="pt-BR" sz="1800" b="0" strike="noStrike" spc="-1">
               <a:solidFill>
                 <a:srgbClr val="465562"/>
               </a:solidFill>
@@ -2970,9 +3386,10 @@
           </a:ln>
         </p:spPr>
         <p:txBody>
-          <a:bodyPr lIns="0" rIns="0" tIns="0" bIns="0" anchor="t">
+          <a:bodyPr lIns="0" tIns="0" rIns="0" bIns="0" anchor="t">
             <a:normAutofit/>
           </a:bodyPr>
+          <a:lstStyle/>
           <a:p>
             <a:pPr>
               <a:lnSpc>
@@ -2983,7 +3400,7 @@
               </a:spcBef>
               <a:buNone/>
             </a:pPr>
-            <a:endParaRPr b="0" lang="pt-BR" sz="2800" spc="-1" strike="noStrike">
+            <a:endParaRPr lang="pt-BR" sz="2800" b="0" strike="noStrike" spc="-1">
               <a:solidFill>
                 <a:srgbClr val="465562"/>
               </a:solidFill>
@@ -3016,9 +3433,10 @@
           </a:ln>
         </p:spPr>
         <p:txBody>
-          <a:bodyPr lIns="0" rIns="0" tIns="0" bIns="0" anchor="t">
+          <a:bodyPr lIns="0" tIns="0" rIns="0" bIns="0" anchor="t">
             <a:normAutofit/>
           </a:bodyPr>
+          <a:lstStyle/>
           <a:p>
             <a:pPr>
               <a:lnSpc>
@@ -3029,7 +3447,7 @@
               </a:spcBef>
               <a:buNone/>
             </a:pPr>
-            <a:endParaRPr b="0" lang="pt-BR" sz="2800" spc="-1" strike="noStrike">
+            <a:endParaRPr lang="pt-BR" sz="2800" b="0" strike="noStrike" spc="-1">
               <a:solidFill>
                 <a:srgbClr val="465562"/>
               </a:solidFill>
@@ -3062,9 +3480,10 @@
           </a:ln>
         </p:spPr>
         <p:txBody>
-          <a:bodyPr lIns="0" rIns="0" tIns="0" bIns="0" anchor="t">
+          <a:bodyPr lIns="0" tIns="0" rIns="0" bIns="0" anchor="t">
             <a:normAutofit/>
           </a:bodyPr>
+          <a:lstStyle/>
           <a:p>
             <a:pPr>
               <a:lnSpc>
@@ -3075,7 +3494,7 @@
               </a:spcBef>
               <a:buNone/>
             </a:pPr>
-            <a:endParaRPr b="0" lang="pt-BR" sz="2800" spc="-1" strike="noStrike">
+            <a:endParaRPr lang="pt-BR" sz="2800" b="0" strike="noStrike" spc="-1">
               <a:solidFill>
                 <a:srgbClr val="465562"/>
               </a:solidFill>
@@ -3097,6 +3516,7 @@
         <p:spPr/>
         <p:txBody>
           <a:bodyPr/>
+          <a:lstStyle/>
           <a:p>
             <a:r>
               <a:t>Footer</a:t>
@@ -3117,10 +3537,12 @@
         <p:spPr/>
         <p:txBody>
           <a:bodyPr/>
+          <a:lstStyle/>
           <a:p>
             <a:fld id="{3EB1B113-CE3A-49E2-9EB4-5A03FDA92137}" type="slidenum">
-              <a:t>&lt;#&gt;</a:t>
+              <a:t>‹#›</a:t>
             </a:fld>
+            <a:endParaRPr/>
           </a:p>
         </p:txBody>
       </p:sp>
@@ -3137,21 +3559,22 @@
         <p:spPr/>
         <p:txBody>
           <a:bodyPr/>
-          <a:p>
-            <a:r>
-              <a:rPr lang="pt-BR"/>
-              <a:t/>
-            </a:r>
+          <a:lstStyle/>
+          <a:p>
+            <a:endParaRPr/>
           </a:p>
         </p:txBody>
       </p:sp>
     </p:spTree>
   </p:cSld>
+  <p:clrMapOvr>
+    <a:masterClrMapping/>
+  </p:clrMapOvr>
 </p:sldLayout>
 </file>
 
 <file path=ppt/slideLayouts/slideLayout2.xml><?xml version="1.0" encoding="utf-8"?>
-<p:sldLayout xmlns:a="http://schemas.openxmlformats.org/drawingml/2006/main" xmlns:p="http://schemas.openxmlformats.org/presentationml/2006/main" xmlns:r="http://schemas.openxmlformats.org/officeDocument/2006/relationships" xmlns:p14="http://schemas.microsoft.com/office/powerpoint/2010/main" xmlns:p15="http://schemas.microsoft.com/office/powerpoint/2012/main" xmlns:mc="http://schemas.openxmlformats.org/markup-compatibility/2006" type="tx" preserve="1">
+<p:sldLayout xmlns:a="http://schemas.openxmlformats.org/drawingml/2006/main" xmlns:r="http://schemas.openxmlformats.org/officeDocument/2006/relationships" xmlns:p="http://schemas.openxmlformats.org/presentationml/2006/main" type="tx" preserve="1">
   <p:cSld name="Title Slide">
     <p:spTree>
       <p:nvGrpSpPr>
@@ -3191,11 +3614,12 @@
           </a:ln>
         </p:spPr>
         <p:txBody>
-          <a:bodyPr lIns="0" rIns="0" tIns="0" bIns="0" anchor="ctr">
+          <a:bodyPr lIns="0" tIns="0" rIns="0" bIns="0" anchor="ctr">
             <a:noAutofit/>
           </a:bodyPr>
-          <a:p>
-            <a:endParaRPr b="0" lang="pt-BR" sz="1800" spc="-1" strike="noStrike">
+          <a:lstStyle/>
+          <a:p>
+            <a:endParaRPr lang="pt-BR" sz="1800" b="0" strike="noStrike" spc="-1">
               <a:solidFill>
                 <a:srgbClr val="465562"/>
               </a:solidFill>
@@ -3228,14 +3652,15 @@
           </a:ln>
         </p:spPr>
         <p:txBody>
-          <a:bodyPr lIns="0" rIns="0" tIns="0" bIns="0" anchor="ctr">
+          <a:bodyPr lIns="0" tIns="0" rIns="0" bIns="0" anchor="ctr">
             <a:noAutofit/>
           </a:bodyPr>
+          <a:lstStyle/>
           <a:p>
             <a:pPr algn="ctr">
               <a:buNone/>
             </a:pPr>
-            <a:endParaRPr b="0" lang="pt-BR" sz="3200" spc="-1" strike="noStrike">
+            <a:endParaRPr lang="pt-BR" sz="3200" b="0" strike="noStrike" spc="-1">
               <a:latin typeface="Arial"/>
             </a:endParaRPr>
           </a:p>
@@ -3254,6 +3679,7 @@
         <p:spPr/>
         <p:txBody>
           <a:bodyPr/>
+          <a:lstStyle/>
           <a:p>
             <a:r>
               <a:t>Footer</a:t>
@@ -3274,10 +3700,12 @@
         <p:spPr/>
         <p:txBody>
           <a:bodyPr/>
+          <a:lstStyle/>
           <a:p>
             <a:fld id="{E9A24CE5-A75A-48DB-90B0-69F767EA49C2}" type="slidenum">
-              <a:t>&lt;#&gt;</a:t>
+              <a:t>‹#›</a:t>
             </a:fld>
+            <a:endParaRPr/>
           </a:p>
         </p:txBody>
       </p:sp>
@@ -3294,21 +3722,22 @@
         <p:spPr/>
         <p:txBody>
           <a:bodyPr/>
-          <a:p>
-            <a:r>
-              <a:rPr lang="pt-BR"/>
-              <a:t/>
-            </a:r>
+          <a:lstStyle/>
+          <a:p>
+            <a:endParaRPr/>
           </a:p>
         </p:txBody>
       </p:sp>
     </p:spTree>
   </p:cSld>
+  <p:clrMapOvr>
+    <a:masterClrMapping/>
+  </p:clrMapOvr>
 </p:sldLayout>
 </file>
 
 <file path=ppt/slideLayouts/slideLayout20.xml><?xml version="1.0" encoding="utf-8"?>
-<p:sldLayout xmlns:a="http://schemas.openxmlformats.org/drawingml/2006/main" xmlns:p="http://schemas.openxmlformats.org/presentationml/2006/main" xmlns:r="http://schemas.openxmlformats.org/officeDocument/2006/relationships" xmlns:p14="http://schemas.microsoft.com/office/powerpoint/2010/main" xmlns:p15="http://schemas.microsoft.com/office/powerpoint/2012/main" xmlns:mc="http://schemas.openxmlformats.org/markup-compatibility/2006" type="objAndTwoObj" preserve="1">
+<p:sldLayout xmlns:a="http://schemas.openxmlformats.org/drawingml/2006/main" xmlns:r="http://schemas.openxmlformats.org/officeDocument/2006/relationships" xmlns:p="http://schemas.openxmlformats.org/presentationml/2006/main" type="objAndTwoObj" preserve="1">
   <p:cSld name="Title Content and 2 Content">
     <p:spTree>
       <p:nvGrpSpPr>
@@ -3348,11 +3777,12 @@
           </a:ln>
         </p:spPr>
         <p:txBody>
-          <a:bodyPr lIns="0" rIns="0" tIns="0" bIns="0" anchor="ctr">
+          <a:bodyPr lIns="0" tIns="0" rIns="0" bIns="0" anchor="ctr">
             <a:noAutofit/>
           </a:bodyPr>
-          <a:p>
-            <a:endParaRPr b="0" lang="pt-BR" sz="1800" spc="-1" strike="noStrike">
+          <a:lstStyle/>
+          <a:p>
+            <a:endParaRPr lang="pt-BR" sz="1800" b="0" strike="noStrike" spc="-1">
               <a:solidFill>
                 <a:srgbClr val="465562"/>
               </a:solidFill>
@@ -3385,9 +3815,10 @@
           </a:ln>
         </p:spPr>
         <p:txBody>
-          <a:bodyPr lIns="0" rIns="0" tIns="0" bIns="0" anchor="t">
+          <a:bodyPr lIns="0" tIns="0" rIns="0" bIns="0" anchor="t">
             <a:normAutofit/>
           </a:bodyPr>
+          <a:lstStyle/>
           <a:p>
             <a:pPr>
               <a:lnSpc>
@@ -3398,7 +3829,7 @@
               </a:spcBef>
               <a:buNone/>
             </a:pPr>
-            <a:endParaRPr b="0" lang="pt-BR" sz="2800" spc="-1" strike="noStrike">
+            <a:endParaRPr lang="pt-BR" sz="2800" b="0" strike="noStrike" spc="-1">
               <a:solidFill>
                 <a:srgbClr val="465562"/>
               </a:solidFill>
@@ -3431,9 +3862,10 @@
           </a:ln>
         </p:spPr>
         <p:txBody>
-          <a:bodyPr lIns="0" rIns="0" tIns="0" bIns="0" anchor="t">
+          <a:bodyPr lIns="0" tIns="0" rIns="0" bIns="0" anchor="t">
             <a:normAutofit/>
           </a:bodyPr>
+          <a:lstStyle/>
           <a:p>
             <a:pPr>
               <a:lnSpc>
@@ -3444,7 +3876,7 @@
               </a:spcBef>
               <a:buNone/>
             </a:pPr>
-            <a:endParaRPr b="0" lang="pt-BR" sz="2800" spc="-1" strike="noStrike">
+            <a:endParaRPr lang="pt-BR" sz="2800" b="0" strike="noStrike" spc="-1">
               <a:solidFill>
                 <a:srgbClr val="465562"/>
               </a:solidFill>
@@ -3477,9 +3909,10 @@
           </a:ln>
         </p:spPr>
         <p:txBody>
-          <a:bodyPr lIns="0" rIns="0" tIns="0" bIns="0" anchor="t">
+          <a:bodyPr lIns="0" tIns="0" rIns="0" bIns="0" anchor="t">
             <a:normAutofit/>
           </a:bodyPr>
+          <a:lstStyle/>
           <a:p>
             <a:pPr>
               <a:lnSpc>
@@ -3490,7 +3923,7 @@
               </a:spcBef>
               <a:buNone/>
             </a:pPr>
-            <a:endParaRPr b="0" lang="pt-BR" sz="2800" spc="-1" strike="noStrike">
+            <a:endParaRPr lang="pt-BR" sz="2800" b="0" strike="noStrike" spc="-1">
               <a:solidFill>
                 <a:srgbClr val="465562"/>
               </a:solidFill>
@@ -3512,6 +3945,7 @@
         <p:spPr/>
         <p:txBody>
           <a:bodyPr/>
+          <a:lstStyle/>
           <a:p>
             <a:r>
               <a:t>Footer</a:t>
@@ -3532,10 +3966,12 @@
         <p:spPr/>
         <p:txBody>
           <a:bodyPr/>
+          <a:lstStyle/>
           <a:p>
             <a:fld id="{058845B5-A81F-4B77-B8E7-8D280C47E7B9}" type="slidenum">
-              <a:t>&lt;#&gt;</a:t>
+              <a:t>‹#›</a:t>
             </a:fld>
+            <a:endParaRPr/>
           </a:p>
         </p:txBody>
       </p:sp>
@@ -3552,21 +3988,22 @@
         <p:spPr/>
         <p:txBody>
           <a:bodyPr/>
-          <a:p>
-            <a:r>
-              <a:rPr lang="pt-BR"/>
-              <a:t/>
-            </a:r>
+          <a:lstStyle/>
+          <a:p>
+            <a:endParaRPr/>
           </a:p>
         </p:txBody>
       </p:sp>
     </p:spTree>
   </p:cSld>
+  <p:clrMapOvr>
+    <a:masterClrMapping/>
+  </p:clrMapOvr>
 </p:sldLayout>
 </file>
 
 <file path=ppt/slideLayouts/slideLayout21.xml><?xml version="1.0" encoding="utf-8"?>
-<p:sldLayout xmlns:a="http://schemas.openxmlformats.org/drawingml/2006/main" xmlns:p="http://schemas.openxmlformats.org/presentationml/2006/main" xmlns:r="http://schemas.openxmlformats.org/officeDocument/2006/relationships" xmlns:p14="http://schemas.microsoft.com/office/powerpoint/2010/main" xmlns:p15="http://schemas.microsoft.com/office/powerpoint/2012/main" xmlns:mc="http://schemas.openxmlformats.org/markup-compatibility/2006" type="twoObjOverTx" preserve="1">
+<p:sldLayout xmlns:a="http://schemas.openxmlformats.org/drawingml/2006/main" xmlns:r="http://schemas.openxmlformats.org/officeDocument/2006/relationships" xmlns:p="http://schemas.openxmlformats.org/presentationml/2006/main" type="twoObjOverTx" preserve="1">
   <p:cSld name="Title, 2 Content over Content">
     <p:spTree>
       <p:nvGrpSpPr>
@@ -3606,11 +4043,12 @@
           </a:ln>
         </p:spPr>
         <p:txBody>
-          <a:bodyPr lIns="0" rIns="0" tIns="0" bIns="0" anchor="ctr">
+          <a:bodyPr lIns="0" tIns="0" rIns="0" bIns="0" anchor="ctr">
             <a:noAutofit/>
           </a:bodyPr>
-          <a:p>
-            <a:endParaRPr b="0" lang="pt-BR" sz="1800" spc="-1" strike="noStrike">
+          <a:lstStyle/>
+          <a:p>
+            <a:endParaRPr lang="pt-BR" sz="1800" b="0" strike="noStrike" spc="-1">
               <a:solidFill>
                 <a:srgbClr val="465562"/>
               </a:solidFill>
@@ -3643,9 +4081,10 @@
           </a:ln>
         </p:spPr>
         <p:txBody>
-          <a:bodyPr lIns="0" rIns="0" tIns="0" bIns="0" anchor="t">
+          <a:bodyPr lIns="0" tIns="0" rIns="0" bIns="0" anchor="t">
             <a:normAutofit/>
           </a:bodyPr>
+          <a:lstStyle/>
           <a:p>
             <a:pPr>
               <a:lnSpc>
@@ -3656,7 +4095,7 @@
               </a:spcBef>
               <a:buNone/>
             </a:pPr>
-            <a:endParaRPr b="0" lang="pt-BR" sz="2800" spc="-1" strike="noStrike">
+            <a:endParaRPr lang="pt-BR" sz="2800" b="0" strike="noStrike" spc="-1">
               <a:solidFill>
                 <a:srgbClr val="465562"/>
               </a:solidFill>
@@ -3689,9 +4128,10 @@
           </a:ln>
         </p:spPr>
         <p:txBody>
-          <a:bodyPr lIns="0" rIns="0" tIns="0" bIns="0" anchor="t">
+          <a:bodyPr lIns="0" tIns="0" rIns="0" bIns="0" anchor="t">
             <a:normAutofit/>
           </a:bodyPr>
+          <a:lstStyle/>
           <a:p>
             <a:pPr>
               <a:lnSpc>
@@ -3702,7 +4142,7 @@
               </a:spcBef>
               <a:buNone/>
             </a:pPr>
-            <a:endParaRPr b="0" lang="pt-BR" sz="2800" spc="-1" strike="noStrike">
+            <a:endParaRPr lang="pt-BR" sz="2800" b="0" strike="noStrike" spc="-1">
               <a:solidFill>
                 <a:srgbClr val="465562"/>
               </a:solidFill>
@@ -3735,9 +4175,10 @@
           </a:ln>
         </p:spPr>
         <p:txBody>
-          <a:bodyPr lIns="0" rIns="0" tIns="0" bIns="0" anchor="t">
+          <a:bodyPr lIns="0" tIns="0" rIns="0" bIns="0" anchor="t">
             <a:normAutofit/>
           </a:bodyPr>
+          <a:lstStyle/>
           <a:p>
             <a:pPr>
               <a:lnSpc>
@@ -3748,7 +4189,7 @@
               </a:spcBef>
               <a:buNone/>
             </a:pPr>
-            <a:endParaRPr b="0" lang="pt-BR" sz="2800" spc="-1" strike="noStrike">
+            <a:endParaRPr lang="pt-BR" sz="2800" b="0" strike="noStrike" spc="-1">
               <a:solidFill>
                 <a:srgbClr val="465562"/>
               </a:solidFill>
@@ -3770,6 +4211,7 @@
         <p:spPr/>
         <p:txBody>
           <a:bodyPr/>
+          <a:lstStyle/>
           <a:p>
             <a:r>
               <a:t>Footer</a:t>
@@ -3790,10 +4232,12 @@
         <p:spPr/>
         <p:txBody>
           <a:bodyPr/>
+          <a:lstStyle/>
           <a:p>
             <a:fld id="{D9755143-93A2-49ED-A3A6-749516B69573}" type="slidenum">
-              <a:t>&lt;#&gt;</a:t>
+              <a:t>‹#›</a:t>
             </a:fld>
+            <a:endParaRPr/>
           </a:p>
         </p:txBody>
       </p:sp>
@@ -3810,21 +4254,22 @@
         <p:spPr/>
         <p:txBody>
           <a:bodyPr/>
-          <a:p>
-            <a:r>
-              <a:rPr lang="pt-BR"/>
-              <a:t/>
-            </a:r>
+          <a:lstStyle/>
+          <a:p>
+            <a:endParaRPr/>
           </a:p>
         </p:txBody>
       </p:sp>
     </p:spTree>
   </p:cSld>
+  <p:clrMapOvr>
+    <a:masterClrMapping/>
+  </p:clrMapOvr>
 </p:sldLayout>
 </file>
 
 <file path=ppt/slideLayouts/slideLayout22.xml><?xml version="1.0" encoding="utf-8"?>
-<p:sldLayout xmlns:a="http://schemas.openxmlformats.org/drawingml/2006/main" xmlns:p="http://schemas.openxmlformats.org/presentationml/2006/main" xmlns:r="http://schemas.openxmlformats.org/officeDocument/2006/relationships" xmlns:p14="http://schemas.microsoft.com/office/powerpoint/2010/main" xmlns:p15="http://schemas.microsoft.com/office/powerpoint/2012/main" xmlns:mc="http://schemas.openxmlformats.org/markup-compatibility/2006" type="objOverTx" preserve="1">
+<p:sldLayout xmlns:a="http://schemas.openxmlformats.org/drawingml/2006/main" xmlns:r="http://schemas.openxmlformats.org/officeDocument/2006/relationships" xmlns:p="http://schemas.openxmlformats.org/presentationml/2006/main" type="objOverTx" preserve="1">
   <p:cSld name="Title, Content over Content">
     <p:spTree>
       <p:nvGrpSpPr>
@@ -3864,11 +4309,12 @@
           </a:ln>
         </p:spPr>
         <p:txBody>
-          <a:bodyPr lIns="0" rIns="0" tIns="0" bIns="0" anchor="ctr">
+          <a:bodyPr lIns="0" tIns="0" rIns="0" bIns="0" anchor="ctr">
             <a:noAutofit/>
           </a:bodyPr>
-          <a:p>
-            <a:endParaRPr b="0" lang="pt-BR" sz="1800" spc="-1" strike="noStrike">
+          <a:lstStyle/>
+          <a:p>
+            <a:endParaRPr lang="pt-BR" sz="1800" b="0" strike="noStrike" spc="-1">
               <a:solidFill>
                 <a:srgbClr val="465562"/>
               </a:solidFill>
@@ -3901,9 +4347,10 @@
           </a:ln>
         </p:spPr>
         <p:txBody>
-          <a:bodyPr lIns="0" rIns="0" tIns="0" bIns="0" anchor="t">
+          <a:bodyPr lIns="0" tIns="0" rIns="0" bIns="0" anchor="t">
             <a:normAutofit/>
           </a:bodyPr>
+          <a:lstStyle/>
           <a:p>
             <a:pPr>
               <a:lnSpc>
@@ -3914,7 +4361,7 @@
               </a:spcBef>
               <a:buNone/>
             </a:pPr>
-            <a:endParaRPr b="0" lang="pt-BR" sz="2800" spc="-1" strike="noStrike">
+            <a:endParaRPr lang="pt-BR" sz="2800" b="0" strike="noStrike" spc="-1">
               <a:solidFill>
                 <a:srgbClr val="465562"/>
               </a:solidFill>
@@ -3947,9 +4394,10 @@
           </a:ln>
         </p:spPr>
         <p:txBody>
-          <a:bodyPr lIns="0" rIns="0" tIns="0" bIns="0" anchor="t">
+          <a:bodyPr lIns="0" tIns="0" rIns="0" bIns="0" anchor="t">
             <a:normAutofit/>
           </a:bodyPr>
+          <a:lstStyle/>
           <a:p>
             <a:pPr>
               <a:lnSpc>
@@ -3960,7 +4408,7 @@
               </a:spcBef>
               <a:buNone/>
             </a:pPr>
-            <a:endParaRPr b="0" lang="pt-BR" sz="2800" spc="-1" strike="noStrike">
+            <a:endParaRPr lang="pt-BR" sz="2800" b="0" strike="noStrike" spc="-1">
               <a:solidFill>
                 <a:srgbClr val="465562"/>
               </a:solidFill>
@@ -3982,6 +4430,7 @@
         <p:spPr/>
         <p:txBody>
           <a:bodyPr/>
+          <a:lstStyle/>
           <a:p>
             <a:r>
               <a:t>Footer</a:t>
@@ -4002,10 +4451,12 @@
         <p:spPr/>
         <p:txBody>
           <a:bodyPr/>
+          <a:lstStyle/>
           <a:p>
             <a:fld id="{89AD2A54-8E28-409D-9A1A-5E47D783F8E9}" type="slidenum">
-              <a:t>&lt;#&gt;</a:t>
+              <a:t>‹#›</a:t>
             </a:fld>
+            <a:endParaRPr/>
           </a:p>
         </p:txBody>
       </p:sp>
@@ -4022,21 +4473,22 @@
         <p:spPr/>
         <p:txBody>
           <a:bodyPr/>
-          <a:p>
-            <a:r>
-              <a:rPr lang="pt-BR"/>
-              <a:t/>
-            </a:r>
+          <a:lstStyle/>
+          <a:p>
+            <a:endParaRPr/>
           </a:p>
         </p:txBody>
       </p:sp>
     </p:spTree>
   </p:cSld>
+  <p:clrMapOvr>
+    <a:masterClrMapping/>
+  </p:clrMapOvr>
 </p:sldLayout>
 </file>
 
 <file path=ppt/slideLayouts/slideLayout23.xml><?xml version="1.0" encoding="utf-8"?>
-<p:sldLayout xmlns:a="http://schemas.openxmlformats.org/drawingml/2006/main" xmlns:p="http://schemas.openxmlformats.org/presentationml/2006/main" xmlns:r="http://schemas.openxmlformats.org/officeDocument/2006/relationships" xmlns:p14="http://schemas.microsoft.com/office/powerpoint/2010/main" xmlns:p15="http://schemas.microsoft.com/office/powerpoint/2012/main" xmlns:mc="http://schemas.openxmlformats.org/markup-compatibility/2006" type="fourObj" preserve="1">
+<p:sldLayout xmlns:a="http://schemas.openxmlformats.org/drawingml/2006/main" xmlns:r="http://schemas.openxmlformats.org/officeDocument/2006/relationships" xmlns:p="http://schemas.openxmlformats.org/presentationml/2006/main" type="fourObj" preserve="1">
   <p:cSld name="Title, 4 Content">
     <p:spTree>
       <p:nvGrpSpPr>
@@ -4076,11 +4528,12 @@
           </a:ln>
         </p:spPr>
         <p:txBody>
-          <a:bodyPr lIns="0" rIns="0" tIns="0" bIns="0" anchor="ctr">
+          <a:bodyPr lIns="0" tIns="0" rIns="0" bIns="0" anchor="ctr">
             <a:noAutofit/>
           </a:bodyPr>
-          <a:p>
-            <a:endParaRPr b="0" lang="pt-BR" sz="1800" spc="-1" strike="noStrike">
+          <a:lstStyle/>
+          <a:p>
+            <a:endParaRPr lang="pt-BR" sz="1800" b="0" strike="noStrike" spc="-1">
               <a:solidFill>
                 <a:srgbClr val="465562"/>
               </a:solidFill>
@@ -4113,9 +4566,10 @@
           </a:ln>
         </p:spPr>
         <p:txBody>
-          <a:bodyPr lIns="0" rIns="0" tIns="0" bIns="0" anchor="t">
+          <a:bodyPr lIns="0" tIns="0" rIns="0" bIns="0" anchor="t">
             <a:normAutofit/>
           </a:bodyPr>
+          <a:lstStyle/>
           <a:p>
             <a:pPr>
               <a:lnSpc>
@@ -4126,7 +4580,7 @@
               </a:spcBef>
               <a:buNone/>
             </a:pPr>
-            <a:endParaRPr b="0" lang="pt-BR" sz="2800" spc="-1" strike="noStrike">
+            <a:endParaRPr lang="pt-BR" sz="2800" b="0" strike="noStrike" spc="-1">
               <a:solidFill>
                 <a:srgbClr val="465562"/>
               </a:solidFill>
@@ -4159,9 +4613,10 @@
           </a:ln>
         </p:spPr>
         <p:txBody>
-          <a:bodyPr lIns="0" rIns="0" tIns="0" bIns="0" anchor="t">
+          <a:bodyPr lIns="0" tIns="0" rIns="0" bIns="0" anchor="t">
             <a:normAutofit/>
           </a:bodyPr>
+          <a:lstStyle/>
           <a:p>
             <a:pPr>
               <a:lnSpc>
@@ -4172,7 +4627,7 @@
               </a:spcBef>
               <a:buNone/>
             </a:pPr>
-            <a:endParaRPr b="0" lang="pt-BR" sz="2800" spc="-1" strike="noStrike">
+            <a:endParaRPr lang="pt-BR" sz="2800" b="0" strike="noStrike" spc="-1">
               <a:solidFill>
                 <a:srgbClr val="465562"/>
               </a:solidFill>
@@ -4205,9 +4660,10 @@
           </a:ln>
         </p:spPr>
         <p:txBody>
-          <a:bodyPr lIns="0" rIns="0" tIns="0" bIns="0" anchor="t">
+          <a:bodyPr lIns="0" tIns="0" rIns="0" bIns="0" anchor="t">
             <a:normAutofit/>
           </a:bodyPr>
+          <a:lstStyle/>
           <a:p>
             <a:pPr>
               <a:lnSpc>
@@ -4218,7 +4674,7 @@
               </a:spcBef>
               <a:buNone/>
             </a:pPr>
-            <a:endParaRPr b="0" lang="pt-BR" sz="2800" spc="-1" strike="noStrike">
+            <a:endParaRPr lang="pt-BR" sz="2800" b="0" strike="noStrike" spc="-1">
               <a:solidFill>
                 <a:srgbClr val="465562"/>
               </a:solidFill>
@@ -4251,9 +4707,10 @@
           </a:ln>
         </p:spPr>
         <p:txBody>
-          <a:bodyPr lIns="0" rIns="0" tIns="0" bIns="0" anchor="t">
+          <a:bodyPr lIns="0" tIns="0" rIns="0" bIns="0" anchor="t">
             <a:normAutofit/>
           </a:bodyPr>
+          <a:lstStyle/>
           <a:p>
             <a:pPr>
               <a:lnSpc>
@@ -4264,7 +4721,7 @@
               </a:spcBef>
               <a:buNone/>
             </a:pPr>
-            <a:endParaRPr b="0" lang="pt-BR" sz="2800" spc="-1" strike="noStrike">
+            <a:endParaRPr lang="pt-BR" sz="2800" b="0" strike="noStrike" spc="-1">
               <a:solidFill>
                 <a:srgbClr val="465562"/>
               </a:solidFill>
@@ -4286,6 +4743,7 @@
         <p:spPr/>
         <p:txBody>
           <a:bodyPr/>
+          <a:lstStyle/>
           <a:p>
             <a:r>
               <a:t>Footer</a:t>
@@ -4306,10 +4764,12 @@
         <p:spPr/>
         <p:txBody>
           <a:bodyPr/>
+          <a:lstStyle/>
           <a:p>
             <a:fld id="{F3CDB529-9F35-4A87-8171-E2B8CDBA7944}" type="slidenum">
-              <a:t>&lt;#&gt;</a:t>
+              <a:t>‹#›</a:t>
             </a:fld>
+            <a:endParaRPr/>
           </a:p>
         </p:txBody>
       </p:sp>
@@ -4326,21 +4786,22 @@
         <p:spPr/>
         <p:txBody>
           <a:bodyPr/>
-          <a:p>
-            <a:r>
-              <a:rPr lang="pt-BR"/>
-              <a:t/>
-            </a:r>
+          <a:lstStyle/>
+          <a:p>
+            <a:endParaRPr/>
           </a:p>
         </p:txBody>
       </p:sp>
     </p:spTree>
   </p:cSld>
+  <p:clrMapOvr>
+    <a:masterClrMapping/>
+  </p:clrMapOvr>
 </p:sldLayout>
 </file>
 
 <file path=ppt/slideLayouts/slideLayout24.xml><?xml version="1.0" encoding="utf-8"?>
-<p:sldLayout xmlns:a="http://schemas.openxmlformats.org/drawingml/2006/main" xmlns:p="http://schemas.openxmlformats.org/presentationml/2006/main" xmlns:r="http://schemas.openxmlformats.org/officeDocument/2006/relationships" xmlns:p14="http://schemas.microsoft.com/office/powerpoint/2010/main" xmlns:p15="http://schemas.microsoft.com/office/powerpoint/2012/main" xmlns:mc="http://schemas.openxmlformats.org/markup-compatibility/2006" type="blank" preserve="1">
+<p:sldLayout xmlns:a="http://schemas.openxmlformats.org/drawingml/2006/main" xmlns:r="http://schemas.openxmlformats.org/officeDocument/2006/relationships" xmlns:p="http://schemas.openxmlformats.org/presentationml/2006/main" type="blank" preserve="1">
   <p:cSld name="Title, 6 Content">
     <p:spTree>
       <p:nvGrpSpPr>
@@ -4380,11 +4841,12 @@
           </a:ln>
         </p:spPr>
         <p:txBody>
-          <a:bodyPr lIns="0" rIns="0" tIns="0" bIns="0" anchor="ctr">
+          <a:bodyPr lIns="0" tIns="0" rIns="0" bIns="0" anchor="ctr">
             <a:noAutofit/>
           </a:bodyPr>
-          <a:p>
-            <a:endParaRPr b="0" lang="pt-BR" sz="1800" spc="-1" strike="noStrike">
+          <a:lstStyle/>
+          <a:p>
+            <a:endParaRPr lang="pt-BR" sz="1800" b="0" strike="noStrike" spc="-1">
               <a:solidFill>
                 <a:srgbClr val="465562"/>
               </a:solidFill>
@@ -4417,9 +4879,10 @@
           </a:ln>
         </p:spPr>
         <p:txBody>
-          <a:bodyPr lIns="0" rIns="0" tIns="0" bIns="0" anchor="t">
+          <a:bodyPr lIns="0" tIns="0" rIns="0" bIns="0" anchor="t">
             <a:normAutofit/>
           </a:bodyPr>
+          <a:lstStyle/>
           <a:p>
             <a:pPr>
               <a:lnSpc>
@@ -4430,7 +4893,7 @@
               </a:spcBef>
               <a:buNone/>
             </a:pPr>
-            <a:endParaRPr b="0" lang="pt-BR" sz="2800" spc="-1" strike="noStrike">
+            <a:endParaRPr lang="pt-BR" sz="2800" b="0" strike="noStrike" spc="-1">
               <a:solidFill>
                 <a:srgbClr val="465562"/>
               </a:solidFill>
@@ -4463,9 +4926,10 @@
           </a:ln>
         </p:spPr>
         <p:txBody>
-          <a:bodyPr lIns="0" rIns="0" tIns="0" bIns="0" anchor="t">
+          <a:bodyPr lIns="0" tIns="0" rIns="0" bIns="0" anchor="t">
             <a:normAutofit/>
           </a:bodyPr>
+          <a:lstStyle/>
           <a:p>
             <a:pPr>
               <a:lnSpc>
@@ -4476,7 +4940,7 @@
               </a:spcBef>
               <a:buNone/>
             </a:pPr>
-            <a:endParaRPr b="0" lang="pt-BR" sz="2800" spc="-1" strike="noStrike">
+            <a:endParaRPr lang="pt-BR" sz="2800" b="0" strike="noStrike" spc="-1">
               <a:solidFill>
                 <a:srgbClr val="465562"/>
               </a:solidFill>
@@ -4509,9 +4973,10 @@
           </a:ln>
         </p:spPr>
         <p:txBody>
-          <a:bodyPr lIns="0" rIns="0" tIns="0" bIns="0" anchor="t">
+          <a:bodyPr lIns="0" tIns="0" rIns="0" bIns="0" anchor="t">
             <a:normAutofit/>
           </a:bodyPr>
+          <a:lstStyle/>
           <a:p>
             <a:pPr>
               <a:lnSpc>
@@ -4522,7 +4987,7 @@
               </a:spcBef>
               <a:buNone/>
             </a:pPr>
-            <a:endParaRPr b="0" lang="pt-BR" sz="2800" spc="-1" strike="noStrike">
+            <a:endParaRPr lang="pt-BR" sz="2800" b="0" strike="noStrike" spc="-1">
               <a:solidFill>
                 <a:srgbClr val="465562"/>
               </a:solidFill>
@@ -4555,9 +5020,10 @@
           </a:ln>
         </p:spPr>
         <p:txBody>
-          <a:bodyPr lIns="0" rIns="0" tIns="0" bIns="0" anchor="t">
+          <a:bodyPr lIns="0" tIns="0" rIns="0" bIns="0" anchor="t">
             <a:normAutofit/>
           </a:bodyPr>
+          <a:lstStyle/>
           <a:p>
             <a:pPr>
               <a:lnSpc>
@@ -4568,7 +5034,7 @@
               </a:spcBef>
               <a:buNone/>
             </a:pPr>
-            <a:endParaRPr b="0" lang="pt-BR" sz="2800" spc="-1" strike="noStrike">
+            <a:endParaRPr lang="pt-BR" sz="2800" b="0" strike="noStrike" spc="-1">
               <a:solidFill>
                 <a:srgbClr val="465562"/>
               </a:solidFill>
@@ -4601,9 +5067,10 @@
           </a:ln>
         </p:spPr>
         <p:txBody>
-          <a:bodyPr lIns="0" rIns="0" tIns="0" bIns="0" anchor="t">
+          <a:bodyPr lIns="0" tIns="0" rIns="0" bIns="0" anchor="t">
             <a:normAutofit/>
           </a:bodyPr>
+          <a:lstStyle/>
           <a:p>
             <a:pPr>
               <a:lnSpc>
@@ -4614,7 +5081,7 @@
               </a:spcBef>
               <a:buNone/>
             </a:pPr>
-            <a:endParaRPr b="0" lang="pt-BR" sz="2800" spc="-1" strike="noStrike">
+            <a:endParaRPr lang="pt-BR" sz="2800" b="0" strike="noStrike" spc="-1">
               <a:solidFill>
                 <a:srgbClr val="465562"/>
               </a:solidFill>
@@ -4647,9 +5114,10 @@
           </a:ln>
         </p:spPr>
         <p:txBody>
-          <a:bodyPr lIns="0" rIns="0" tIns="0" bIns="0" anchor="t">
+          <a:bodyPr lIns="0" tIns="0" rIns="0" bIns="0" anchor="t">
             <a:normAutofit/>
           </a:bodyPr>
+          <a:lstStyle/>
           <a:p>
             <a:pPr>
               <a:lnSpc>
@@ -4660,7 +5128,7 @@
               </a:spcBef>
               <a:buNone/>
             </a:pPr>
-            <a:endParaRPr b="0" lang="pt-BR" sz="2800" spc="-1" strike="noStrike">
+            <a:endParaRPr lang="pt-BR" sz="2800" b="0" strike="noStrike" spc="-1">
               <a:solidFill>
                 <a:srgbClr val="465562"/>
               </a:solidFill>
@@ -4682,6 +5150,7 @@
         <p:spPr/>
         <p:txBody>
           <a:bodyPr/>
+          <a:lstStyle/>
           <a:p>
             <a:r>
               <a:t>Footer</a:t>
@@ -4702,10 +5171,12 @@
         <p:spPr/>
         <p:txBody>
           <a:bodyPr/>
+          <a:lstStyle/>
           <a:p>
             <a:fld id="{D1522164-640B-4D41-8CC5-7928789BD1FF}" type="slidenum">
-              <a:t>&lt;#&gt;</a:t>
+              <a:t>‹#›</a:t>
             </a:fld>
+            <a:endParaRPr/>
           </a:p>
         </p:txBody>
       </p:sp>
@@ -4722,21 +5193,22 @@
         <p:spPr/>
         <p:txBody>
           <a:bodyPr/>
-          <a:p>
-            <a:r>
-              <a:rPr lang="pt-BR"/>
-              <a:t/>
-            </a:r>
+          <a:lstStyle/>
+          <a:p>
+            <a:endParaRPr/>
           </a:p>
         </p:txBody>
       </p:sp>
     </p:spTree>
   </p:cSld>
+  <p:clrMapOvr>
+    <a:masterClrMapping/>
+  </p:clrMapOvr>
 </p:sldLayout>
 </file>
 
 <file path=ppt/slideLayouts/slideLayout25.xml><?xml version="1.0" encoding="utf-8"?>
-<p:sldLayout xmlns:a="http://schemas.openxmlformats.org/drawingml/2006/main" xmlns:p="http://schemas.openxmlformats.org/presentationml/2006/main" xmlns:r="http://schemas.openxmlformats.org/officeDocument/2006/relationships" xmlns:p14="http://schemas.microsoft.com/office/powerpoint/2010/main" xmlns:p15="http://schemas.microsoft.com/office/powerpoint/2012/main" xmlns:mc="http://schemas.openxmlformats.org/markup-compatibility/2006" type="blank" preserve="1">
+<p:sldLayout xmlns:a="http://schemas.openxmlformats.org/drawingml/2006/main" xmlns:r="http://schemas.openxmlformats.org/officeDocument/2006/relationships" xmlns:p="http://schemas.openxmlformats.org/presentationml/2006/main" type="blank" preserve="1">
   <p:cSld name="Blank Slide">
     <p:spTree>
       <p:nvGrpSpPr>
@@ -4765,6 +5237,7 @@
         <p:spPr/>
         <p:txBody>
           <a:bodyPr/>
+          <a:lstStyle/>
           <a:p>
             <a:r>
               <a:t>Footer</a:t>
@@ -4785,10 +5258,12 @@
         <p:spPr/>
         <p:txBody>
           <a:bodyPr/>
+          <a:lstStyle/>
           <a:p>
             <a:fld id="{B33C61AD-A1EE-4117-865B-CB9E377624BF}" type="slidenum">
-              <a:t>&lt;#&gt;</a:t>
+              <a:t>‹#›</a:t>
             </a:fld>
+            <a:endParaRPr/>
           </a:p>
         </p:txBody>
       </p:sp>
@@ -4805,21 +5280,22 @@
         <p:spPr/>
         <p:txBody>
           <a:bodyPr/>
-          <a:p>
-            <a:r>
-              <a:rPr lang="pt-BR"/>
-              <a:t/>
-            </a:r>
+          <a:lstStyle/>
+          <a:p>
+            <a:endParaRPr/>
           </a:p>
         </p:txBody>
       </p:sp>
     </p:spTree>
   </p:cSld>
+  <p:clrMapOvr>
+    <a:masterClrMapping/>
+  </p:clrMapOvr>
 </p:sldLayout>
 </file>
 
 <file path=ppt/slideLayouts/slideLayout26.xml><?xml version="1.0" encoding="utf-8"?>
-<p:sldLayout xmlns:a="http://schemas.openxmlformats.org/drawingml/2006/main" xmlns:p="http://schemas.openxmlformats.org/presentationml/2006/main" xmlns:r="http://schemas.openxmlformats.org/officeDocument/2006/relationships" xmlns:p14="http://schemas.microsoft.com/office/powerpoint/2010/main" xmlns:p15="http://schemas.microsoft.com/office/powerpoint/2012/main" xmlns:mc="http://schemas.openxmlformats.org/markup-compatibility/2006" type="tx" preserve="1">
+<p:sldLayout xmlns:a="http://schemas.openxmlformats.org/drawingml/2006/main" xmlns:r="http://schemas.openxmlformats.org/officeDocument/2006/relationships" xmlns:p="http://schemas.openxmlformats.org/presentationml/2006/main" type="tx" preserve="1">
   <p:cSld name="Title Slide">
     <p:spTree>
       <p:nvGrpSpPr>
@@ -4859,11 +5335,12 @@
           </a:ln>
         </p:spPr>
         <p:txBody>
-          <a:bodyPr lIns="0" rIns="0" tIns="0" bIns="0" anchor="ctr">
+          <a:bodyPr lIns="0" tIns="0" rIns="0" bIns="0" anchor="ctr">
             <a:noAutofit/>
           </a:bodyPr>
-          <a:p>
-            <a:endParaRPr b="0" lang="pt-BR" sz="1800" spc="-1" strike="noStrike">
+          <a:lstStyle/>
+          <a:p>
+            <a:endParaRPr lang="pt-BR" sz="1800" b="0" strike="noStrike" spc="-1">
               <a:solidFill>
                 <a:srgbClr val="465562"/>
               </a:solidFill>
@@ -4896,14 +5373,15 @@
           </a:ln>
         </p:spPr>
         <p:txBody>
-          <a:bodyPr lIns="0" rIns="0" tIns="0" bIns="0" anchor="ctr">
+          <a:bodyPr lIns="0" tIns="0" rIns="0" bIns="0" anchor="ctr">
             <a:noAutofit/>
           </a:bodyPr>
+          <a:lstStyle/>
           <a:p>
             <a:pPr algn="ctr">
               <a:buNone/>
             </a:pPr>
-            <a:endParaRPr b="0" lang="pt-BR" sz="3200" spc="-1" strike="noStrike">
+            <a:endParaRPr lang="pt-BR" sz="3200" b="0" strike="noStrike" spc="-1">
               <a:latin typeface="Arial"/>
             </a:endParaRPr>
           </a:p>
@@ -4922,6 +5400,7 @@
         <p:spPr/>
         <p:txBody>
           <a:bodyPr/>
+          <a:lstStyle/>
           <a:p>
             <a:r>
               <a:t>Footer</a:t>
@@ -4942,10 +5421,12 @@
         <p:spPr/>
         <p:txBody>
           <a:bodyPr/>
+          <a:lstStyle/>
           <a:p>
             <a:fld id="{A3A904CC-977A-4BFA-88BD-8978148CB9B3}" type="slidenum">
-              <a:t>&lt;#&gt;</a:t>
+              <a:t>‹#›</a:t>
             </a:fld>
+            <a:endParaRPr/>
           </a:p>
         </p:txBody>
       </p:sp>
@@ -4962,21 +5443,22 @@
         <p:spPr/>
         <p:txBody>
           <a:bodyPr/>
-          <a:p>
-            <a:r>
-              <a:rPr lang="pt-BR"/>
-              <a:t/>
-            </a:r>
+          <a:lstStyle/>
+          <a:p>
+            <a:endParaRPr/>
           </a:p>
         </p:txBody>
       </p:sp>
     </p:spTree>
   </p:cSld>
+  <p:clrMapOvr>
+    <a:masterClrMapping/>
+  </p:clrMapOvr>
 </p:sldLayout>
 </file>
 
 <file path=ppt/slideLayouts/slideLayout27.xml><?xml version="1.0" encoding="utf-8"?>
-<p:sldLayout xmlns:a="http://schemas.openxmlformats.org/drawingml/2006/main" xmlns:p="http://schemas.openxmlformats.org/presentationml/2006/main" xmlns:r="http://schemas.openxmlformats.org/officeDocument/2006/relationships" xmlns:p14="http://schemas.microsoft.com/office/powerpoint/2010/main" xmlns:p15="http://schemas.microsoft.com/office/powerpoint/2012/main" xmlns:mc="http://schemas.openxmlformats.org/markup-compatibility/2006" type="obj" preserve="1">
+<p:sldLayout xmlns:a="http://schemas.openxmlformats.org/drawingml/2006/main" xmlns:r="http://schemas.openxmlformats.org/officeDocument/2006/relationships" xmlns:p="http://schemas.openxmlformats.org/presentationml/2006/main" type="obj" preserve="1">
   <p:cSld name="Title, Content">
     <p:spTree>
       <p:nvGrpSpPr>
@@ -5016,11 +5498,12 @@
           </a:ln>
         </p:spPr>
         <p:txBody>
-          <a:bodyPr lIns="0" rIns="0" tIns="0" bIns="0" anchor="ctr">
+          <a:bodyPr lIns="0" tIns="0" rIns="0" bIns="0" anchor="ctr">
             <a:noAutofit/>
           </a:bodyPr>
-          <a:p>
-            <a:endParaRPr b="0" lang="pt-BR" sz="1800" spc="-1" strike="noStrike">
+          <a:lstStyle/>
+          <a:p>
+            <a:endParaRPr lang="pt-BR" sz="1800" b="0" strike="noStrike" spc="-1">
               <a:solidFill>
                 <a:srgbClr val="465562"/>
               </a:solidFill>
@@ -5053,9 +5536,10 @@
           </a:ln>
         </p:spPr>
         <p:txBody>
-          <a:bodyPr lIns="0" rIns="0" tIns="0" bIns="0" anchor="t">
+          <a:bodyPr lIns="0" tIns="0" rIns="0" bIns="0" anchor="t">
             <a:normAutofit/>
           </a:bodyPr>
+          <a:lstStyle/>
           <a:p>
             <a:pPr>
               <a:lnSpc>
@@ -5066,7 +5550,7 @@
               </a:spcBef>
               <a:buNone/>
             </a:pPr>
-            <a:endParaRPr b="0" lang="pt-BR" sz="2800" spc="-1" strike="noStrike">
+            <a:endParaRPr lang="pt-BR" sz="2800" b="0" strike="noStrike" spc="-1">
               <a:solidFill>
                 <a:srgbClr val="465562"/>
               </a:solidFill>
@@ -5088,6 +5572,7 @@
         <p:spPr/>
         <p:txBody>
           <a:bodyPr/>
+          <a:lstStyle/>
           <a:p>
             <a:r>
               <a:t>Footer</a:t>
@@ -5108,10 +5593,12 @@
         <p:spPr/>
         <p:txBody>
           <a:bodyPr/>
+          <a:lstStyle/>
           <a:p>
             <a:fld id="{72B71C61-893F-416C-8224-6F8C69F6B946}" type="slidenum">
-              <a:t>&lt;#&gt;</a:t>
+              <a:t>‹#›</a:t>
             </a:fld>
+            <a:endParaRPr/>
           </a:p>
         </p:txBody>
       </p:sp>
@@ -5128,21 +5615,22 @@
         <p:spPr/>
         <p:txBody>
           <a:bodyPr/>
-          <a:p>
-            <a:r>
-              <a:rPr lang="pt-BR"/>
-              <a:t/>
-            </a:r>
+          <a:lstStyle/>
+          <a:p>
+            <a:endParaRPr/>
           </a:p>
         </p:txBody>
       </p:sp>
     </p:spTree>
   </p:cSld>
+  <p:clrMapOvr>
+    <a:masterClrMapping/>
+  </p:clrMapOvr>
 </p:sldLayout>
 </file>
 
 <file path=ppt/slideLayouts/slideLayout28.xml><?xml version="1.0" encoding="utf-8"?>
-<p:sldLayout xmlns:a="http://schemas.openxmlformats.org/drawingml/2006/main" xmlns:p="http://schemas.openxmlformats.org/presentationml/2006/main" xmlns:r="http://schemas.openxmlformats.org/officeDocument/2006/relationships" xmlns:p14="http://schemas.microsoft.com/office/powerpoint/2010/main" xmlns:p15="http://schemas.microsoft.com/office/powerpoint/2012/main" xmlns:mc="http://schemas.openxmlformats.org/markup-compatibility/2006" type="twoObj" preserve="1">
+<p:sldLayout xmlns:a="http://schemas.openxmlformats.org/drawingml/2006/main" xmlns:r="http://schemas.openxmlformats.org/officeDocument/2006/relationships" xmlns:p="http://schemas.openxmlformats.org/presentationml/2006/main" type="twoObj" preserve="1">
   <p:cSld name="Title, 2 Content">
     <p:spTree>
       <p:nvGrpSpPr>
@@ -5182,11 +5670,12 @@
           </a:ln>
         </p:spPr>
         <p:txBody>
-          <a:bodyPr lIns="0" rIns="0" tIns="0" bIns="0" anchor="ctr">
+          <a:bodyPr lIns="0" tIns="0" rIns="0" bIns="0" anchor="ctr">
             <a:noAutofit/>
           </a:bodyPr>
-          <a:p>
-            <a:endParaRPr b="0" lang="pt-BR" sz="1800" spc="-1" strike="noStrike">
+          <a:lstStyle/>
+          <a:p>
+            <a:endParaRPr lang="pt-BR" sz="1800" b="0" strike="noStrike" spc="-1">
               <a:solidFill>
                 <a:srgbClr val="465562"/>
               </a:solidFill>
@@ -5219,9 +5708,10 @@
           </a:ln>
         </p:spPr>
         <p:txBody>
-          <a:bodyPr lIns="0" rIns="0" tIns="0" bIns="0" anchor="t">
+          <a:bodyPr lIns="0" tIns="0" rIns="0" bIns="0" anchor="t">
             <a:normAutofit/>
           </a:bodyPr>
+          <a:lstStyle/>
           <a:p>
             <a:pPr>
               <a:lnSpc>
@@ -5232,7 +5722,7 @@
               </a:spcBef>
               <a:buNone/>
             </a:pPr>
-            <a:endParaRPr b="0" lang="pt-BR" sz="2800" spc="-1" strike="noStrike">
+            <a:endParaRPr lang="pt-BR" sz="2800" b="0" strike="noStrike" spc="-1">
               <a:solidFill>
                 <a:srgbClr val="465562"/>
               </a:solidFill>
@@ -5265,9 +5755,10 @@
           </a:ln>
         </p:spPr>
         <p:txBody>
-          <a:bodyPr lIns="0" rIns="0" tIns="0" bIns="0" anchor="t">
+          <a:bodyPr lIns="0" tIns="0" rIns="0" bIns="0" anchor="t">
             <a:normAutofit/>
           </a:bodyPr>
+          <a:lstStyle/>
           <a:p>
             <a:pPr>
               <a:lnSpc>
@@ -5278,7 +5769,7 @@
               </a:spcBef>
               <a:buNone/>
             </a:pPr>
-            <a:endParaRPr b="0" lang="pt-BR" sz="2800" spc="-1" strike="noStrike">
+            <a:endParaRPr lang="pt-BR" sz="2800" b="0" strike="noStrike" spc="-1">
               <a:solidFill>
                 <a:srgbClr val="465562"/>
               </a:solidFill>
@@ -5300,6 +5791,7 @@
         <p:spPr/>
         <p:txBody>
           <a:bodyPr/>
+          <a:lstStyle/>
           <a:p>
             <a:r>
               <a:t>Footer</a:t>
@@ -5320,10 +5812,12 @@
         <p:spPr/>
         <p:txBody>
           <a:bodyPr/>
+          <a:lstStyle/>
           <a:p>
             <a:fld id="{D72F43F8-2892-45EC-B500-D9CCE540F1FA}" type="slidenum">
-              <a:t>&lt;#&gt;</a:t>
+              <a:t>‹#›</a:t>
             </a:fld>
+            <a:endParaRPr/>
           </a:p>
         </p:txBody>
       </p:sp>
@@ -5340,21 +5834,22 @@
         <p:spPr/>
         <p:txBody>
           <a:bodyPr/>
-          <a:p>
-            <a:r>
-              <a:rPr lang="pt-BR"/>
-              <a:t/>
-            </a:r>
+          <a:lstStyle/>
+          <a:p>
+            <a:endParaRPr/>
           </a:p>
         </p:txBody>
       </p:sp>
     </p:spTree>
   </p:cSld>
+  <p:clrMapOvr>
+    <a:masterClrMapping/>
+  </p:clrMapOvr>
 </p:sldLayout>
 </file>
 
 <file path=ppt/slideLayouts/slideLayout29.xml><?xml version="1.0" encoding="utf-8"?>
-<p:sldLayout xmlns:a="http://schemas.openxmlformats.org/drawingml/2006/main" xmlns:p="http://schemas.openxmlformats.org/presentationml/2006/main" xmlns:r="http://schemas.openxmlformats.org/officeDocument/2006/relationships" xmlns:p14="http://schemas.microsoft.com/office/powerpoint/2010/main" xmlns:p15="http://schemas.microsoft.com/office/powerpoint/2012/main" xmlns:mc="http://schemas.openxmlformats.org/markup-compatibility/2006" type="titleOnly" preserve="1">
+<p:sldLayout xmlns:a="http://schemas.openxmlformats.org/drawingml/2006/main" xmlns:r="http://schemas.openxmlformats.org/officeDocument/2006/relationships" xmlns:p="http://schemas.openxmlformats.org/presentationml/2006/main" type="titleOnly" preserve="1">
   <p:cSld name="Title Only">
     <p:spTree>
       <p:nvGrpSpPr>
@@ -5394,11 +5889,12 @@
           </a:ln>
         </p:spPr>
         <p:txBody>
-          <a:bodyPr lIns="0" rIns="0" tIns="0" bIns="0" anchor="ctr">
+          <a:bodyPr lIns="0" tIns="0" rIns="0" bIns="0" anchor="ctr">
             <a:noAutofit/>
           </a:bodyPr>
-          <a:p>
-            <a:endParaRPr b="0" lang="pt-BR" sz="1800" spc="-1" strike="noStrike">
+          <a:lstStyle/>
+          <a:p>
+            <a:endParaRPr lang="pt-BR" sz="1800" b="0" strike="noStrike" spc="-1">
               <a:solidFill>
                 <a:srgbClr val="465562"/>
               </a:solidFill>
@@ -5420,6 +5916,7 @@
         <p:spPr/>
         <p:txBody>
           <a:bodyPr/>
+          <a:lstStyle/>
           <a:p>
             <a:r>
               <a:t>Footer</a:t>
@@ -5440,10 +5937,12 @@
         <p:spPr/>
         <p:txBody>
           <a:bodyPr/>
+          <a:lstStyle/>
           <a:p>
             <a:fld id="{0989E8DB-9408-4574-A3D2-893253750E0B}" type="slidenum">
-              <a:t>&lt;#&gt;</a:t>
+              <a:t>‹#›</a:t>
             </a:fld>
+            <a:endParaRPr/>
           </a:p>
         </p:txBody>
       </p:sp>
@@ -5460,21 +5959,22 @@
         <p:spPr/>
         <p:txBody>
           <a:bodyPr/>
-          <a:p>
-            <a:r>
-              <a:rPr lang="pt-BR"/>
-              <a:t/>
-            </a:r>
+          <a:lstStyle/>
+          <a:p>
+            <a:endParaRPr/>
           </a:p>
         </p:txBody>
       </p:sp>
     </p:spTree>
   </p:cSld>
+  <p:clrMapOvr>
+    <a:masterClrMapping/>
+  </p:clrMapOvr>
 </p:sldLayout>
 </file>
 
 <file path=ppt/slideLayouts/slideLayout3.xml><?xml version="1.0" encoding="utf-8"?>
-<p:sldLayout xmlns:a="http://schemas.openxmlformats.org/drawingml/2006/main" xmlns:p="http://schemas.openxmlformats.org/presentationml/2006/main" xmlns:r="http://schemas.openxmlformats.org/officeDocument/2006/relationships" xmlns:p14="http://schemas.microsoft.com/office/powerpoint/2010/main" xmlns:p15="http://schemas.microsoft.com/office/powerpoint/2012/main" xmlns:mc="http://schemas.openxmlformats.org/markup-compatibility/2006" type="obj" preserve="1">
+<p:sldLayout xmlns:a="http://schemas.openxmlformats.org/drawingml/2006/main" xmlns:r="http://schemas.openxmlformats.org/officeDocument/2006/relationships" xmlns:p="http://schemas.openxmlformats.org/presentationml/2006/main" type="obj" preserve="1">
   <p:cSld name="Title, Content">
     <p:spTree>
       <p:nvGrpSpPr>
@@ -5514,11 +6014,12 @@
           </a:ln>
         </p:spPr>
         <p:txBody>
-          <a:bodyPr lIns="0" rIns="0" tIns="0" bIns="0" anchor="ctr">
+          <a:bodyPr lIns="0" tIns="0" rIns="0" bIns="0" anchor="ctr">
             <a:noAutofit/>
           </a:bodyPr>
-          <a:p>
-            <a:endParaRPr b="0" lang="pt-BR" sz="1800" spc="-1" strike="noStrike">
+          <a:lstStyle/>
+          <a:p>
+            <a:endParaRPr lang="pt-BR" sz="1800" b="0" strike="noStrike" spc="-1">
               <a:solidFill>
                 <a:srgbClr val="465562"/>
               </a:solidFill>
@@ -5551,9 +6052,10 @@
           </a:ln>
         </p:spPr>
         <p:txBody>
-          <a:bodyPr lIns="0" rIns="0" tIns="0" bIns="0" anchor="t">
+          <a:bodyPr lIns="0" tIns="0" rIns="0" bIns="0" anchor="t">
             <a:normAutofit/>
           </a:bodyPr>
+          <a:lstStyle/>
           <a:p>
             <a:pPr>
               <a:lnSpc>
@@ -5564,7 +6066,7 @@
               </a:spcBef>
               <a:buNone/>
             </a:pPr>
-            <a:endParaRPr b="0" lang="pt-BR" sz="2800" spc="-1" strike="noStrike">
+            <a:endParaRPr lang="pt-BR" sz="2800" b="0" strike="noStrike" spc="-1">
               <a:solidFill>
                 <a:srgbClr val="465562"/>
               </a:solidFill>
@@ -5586,6 +6088,7 @@
         <p:spPr/>
         <p:txBody>
           <a:bodyPr/>
+          <a:lstStyle/>
           <a:p>
             <a:r>
               <a:t>Footer</a:t>
@@ -5606,10 +6109,12 @@
         <p:spPr/>
         <p:txBody>
           <a:bodyPr/>
+          <a:lstStyle/>
           <a:p>
             <a:fld id="{439E95DA-0A97-412D-AA2E-273007887A72}" type="slidenum">
-              <a:t>&lt;#&gt;</a:t>
+              <a:t>‹#›</a:t>
             </a:fld>
+            <a:endParaRPr/>
           </a:p>
         </p:txBody>
       </p:sp>
@@ -5626,21 +6131,22 @@
         <p:spPr/>
         <p:txBody>
           <a:bodyPr/>
-          <a:p>
-            <a:r>
-              <a:rPr lang="pt-BR"/>
-              <a:t/>
-            </a:r>
+          <a:lstStyle/>
+          <a:p>
+            <a:endParaRPr/>
           </a:p>
         </p:txBody>
       </p:sp>
     </p:spTree>
   </p:cSld>
+  <p:clrMapOvr>
+    <a:masterClrMapping/>
+  </p:clrMapOvr>
 </p:sldLayout>
 </file>
 
 <file path=ppt/slideLayouts/slideLayout30.xml><?xml version="1.0" encoding="utf-8"?>
-<p:sldLayout xmlns:a="http://schemas.openxmlformats.org/drawingml/2006/main" xmlns:p="http://schemas.openxmlformats.org/presentationml/2006/main" xmlns:r="http://schemas.openxmlformats.org/officeDocument/2006/relationships" xmlns:p14="http://schemas.microsoft.com/office/powerpoint/2010/main" xmlns:p15="http://schemas.microsoft.com/office/powerpoint/2012/main" xmlns:mc="http://schemas.openxmlformats.org/markup-compatibility/2006" type="objOnly" preserve="1">
+<p:sldLayout xmlns:a="http://schemas.openxmlformats.org/drawingml/2006/main" xmlns:r="http://schemas.openxmlformats.org/officeDocument/2006/relationships" xmlns:p="http://schemas.openxmlformats.org/presentationml/2006/main" type="objOnly" preserve="1">
   <p:cSld name="Centered Text">
     <p:spTree>
       <p:nvGrpSpPr>
@@ -5680,14 +6186,15 @@
           </a:ln>
         </p:spPr>
         <p:txBody>
-          <a:bodyPr lIns="0" rIns="0" tIns="0" bIns="0" anchor="ctr">
+          <a:bodyPr lIns="0" tIns="0" rIns="0" bIns="0" anchor="ctr">
             <a:noAutofit/>
           </a:bodyPr>
+          <a:lstStyle/>
           <a:p>
             <a:pPr algn="ctr">
               <a:buNone/>
             </a:pPr>
-            <a:endParaRPr b="0" lang="pt-BR" sz="3200" spc="-1" strike="noStrike">
+            <a:endParaRPr lang="pt-BR" sz="3200" b="0" strike="noStrike" spc="-1">
               <a:latin typeface="Arial"/>
             </a:endParaRPr>
           </a:p>
@@ -5706,6 +6213,7 @@
         <p:spPr/>
         <p:txBody>
           <a:bodyPr/>
+          <a:lstStyle/>
           <a:p>
             <a:r>
               <a:t>Footer</a:t>
@@ -5726,10 +6234,12 @@
         <p:spPr/>
         <p:txBody>
           <a:bodyPr/>
+          <a:lstStyle/>
           <a:p>
             <a:fld id="{C4C5A57B-7CA8-41B2-8A86-09BAD1CF0C9A}" type="slidenum">
-              <a:t>&lt;#&gt;</a:t>
+              <a:t>‹#›</a:t>
             </a:fld>
+            <a:endParaRPr/>
           </a:p>
         </p:txBody>
       </p:sp>
@@ -5746,21 +6256,22 @@
         <p:spPr/>
         <p:txBody>
           <a:bodyPr/>
-          <a:p>
-            <a:r>
-              <a:rPr lang="pt-BR"/>
-              <a:t/>
-            </a:r>
+          <a:lstStyle/>
+          <a:p>
+            <a:endParaRPr/>
           </a:p>
         </p:txBody>
       </p:sp>
     </p:spTree>
   </p:cSld>
+  <p:clrMapOvr>
+    <a:masterClrMapping/>
+  </p:clrMapOvr>
 </p:sldLayout>
 </file>
 
 <file path=ppt/slideLayouts/slideLayout31.xml><?xml version="1.0" encoding="utf-8"?>
-<p:sldLayout xmlns:a="http://schemas.openxmlformats.org/drawingml/2006/main" xmlns:p="http://schemas.openxmlformats.org/presentationml/2006/main" xmlns:r="http://schemas.openxmlformats.org/officeDocument/2006/relationships" xmlns:p14="http://schemas.microsoft.com/office/powerpoint/2010/main" xmlns:p15="http://schemas.microsoft.com/office/powerpoint/2012/main" xmlns:mc="http://schemas.openxmlformats.org/markup-compatibility/2006" type="twoObjAndObj" preserve="1">
+<p:sldLayout xmlns:a="http://schemas.openxmlformats.org/drawingml/2006/main" xmlns:r="http://schemas.openxmlformats.org/officeDocument/2006/relationships" xmlns:p="http://schemas.openxmlformats.org/presentationml/2006/main" type="twoObjAndObj" preserve="1">
   <p:cSld name="Title, 2 Content and Content">
     <p:spTree>
       <p:nvGrpSpPr>
@@ -5800,11 +6311,12 @@
           </a:ln>
         </p:spPr>
         <p:txBody>
-          <a:bodyPr lIns="0" rIns="0" tIns="0" bIns="0" anchor="ctr">
+          <a:bodyPr lIns="0" tIns="0" rIns="0" bIns="0" anchor="ctr">
             <a:noAutofit/>
           </a:bodyPr>
-          <a:p>
-            <a:endParaRPr b="0" lang="pt-BR" sz="1800" spc="-1" strike="noStrike">
+          <a:lstStyle/>
+          <a:p>
+            <a:endParaRPr lang="pt-BR" sz="1800" b="0" strike="noStrike" spc="-1">
               <a:solidFill>
                 <a:srgbClr val="465562"/>
               </a:solidFill>
@@ -5837,9 +6349,10 @@
           </a:ln>
         </p:spPr>
         <p:txBody>
-          <a:bodyPr lIns="0" rIns="0" tIns="0" bIns="0" anchor="t">
+          <a:bodyPr lIns="0" tIns="0" rIns="0" bIns="0" anchor="t">
             <a:normAutofit/>
           </a:bodyPr>
+          <a:lstStyle/>
           <a:p>
             <a:pPr>
               <a:lnSpc>
@@ -5850,7 +6363,7 @@
               </a:spcBef>
               <a:buNone/>
             </a:pPr>
-            <a:endParaRPr b="0" lang="pt-BR" sz="2800" spc="-1" strike="noStrike">
+            <a:endParaRPr lang="pt-BR" sz="2800" b="0" strike="noStrike" spc="-1">
               <a:solidFill>
                 <a:srgbClr val="465562"/>
               </a:solidFill>
@@ -5883,9 +6396,10 @@
           </a:ln>
         </p:spPr>
         <p:txBody>
-          <a:bodyPr lIns="0" rIns="0" tIns="0" bIns="0" anchor="t">
+          <a:bodyPr lIns="0" tIns="0" rIns="0" bIns="0" anchor="t">
             <a:normAutofit/>
           </a:bodyPr>
+          <a:lstStyle/>
           <a:p>
             <a:pPr>
               <a:lnSpc>
@@ -5896,7 +6410,7 @@
               </a:spcBef>
               <a:buNone/>
             </a:pPr>
-            <a:endParaRPr b="0" lang="pt-BR" sz="2800" spc="-1" strike="noStrike">
+            <a:endParaRPr lang="pt-BR" sz="2800" b="0" strike="noStrike" spc="-1">
               <a:solidFill>
                 <a:srgbClr val="465562"/>
               </a:solidFill>
@@ -5929,9 +6443,10 @@
           </a:ln>
         </p:spPr>
         <p:txBody>
-          <a:bodyPr lIns="0" rIns="0" tIns="0" bIns="0" anchor="t">
+          <a:bodyPr lIns="0" tIns="0" rIns="0" bIns="0" anchor="t">
             <a:normAutofit/>
           </a:bodyPr>
+          <a:lstStyle/>
           <a:p>
             <a:pPr>
               <a:lnSpc>
@@ -5942,7 +6457,7 @@
               </a:spcBef>
               <a:buNone/>
             </a:pPr>
-            <a:endParaRPr b="0" lang="pt-BR" sz="2800" spc="-1" strike="noStrike">
+            <a:endParaRPr lang="pt-BR" sz="2800" b="0" strike="noStrike" spc="-1">
               <a:solidFill>
                 <a:srgbClr val="465562"/>
               </a:solidFill>
@@ -5964,6 +6479,7 @@
         <p:spPr/>
         <p:txBody>
           <a:bodyPr/>
+          <a:lstStyle/>
           <a:p>
             <a:r>
               <a:t>Footer</a:t>
@@ -5984,10 +6500,12 @@
         <p:spPr/>
         <p:txBody>
           <a:bodyPr/>
+          <a:lstStyle/>
           <a:p>
             <a:fld id="{2ACCE96A-DB6B-41F3-8D9B-32BDAF64286E}" type="slidenum">
-              <a:t>&lt;#&gt;</a:t>
+              <a:t>‹#›</a:t>
             </a:fld>
+            <a:endParaRPr/>
           </a:p>
         </p:txBody>
       </p:sp>
@@ -6004,21 +6522,22 @@
         <p:spPr/>
         <p:txBody>
           <a:bodyPr/>
-          <a:p>
-            <a:r>
-              <a:rPr lang="pt-BR"/>
-              <a:t/>
-            </a:r>
+          <a:lstStyle/>
+          <a:p>
+            <a:endParaRPr/>
           </a:p>
         </p:txBody>
       </p:sp>
     </p:spTree>
   </p:cSld>
+  <p:clrMapOvr>
+    <a:masterClrMapping/>
+  </p:clrMapOvr>
 </p:sldLayout>
 </file>
 
 <file path=ppt/slideLayouts/slideLayout32.xml><?xml version="1.0" encoding="utf-8"?>
-<p:sldLayout xmlns:a="http://schemas.openxmlformats.org/drawingml/2006/main" xmlns:p="http://schemas.openxmlformats.org/presentationml/2006/main" xmlns:r="http://schemas.openxmlformats.org/officeDocument/2006/relationships" xmlns:p14="http://schemas.microsoft.com/office/powerpoint/2010/main" xmlns:p15="http://schemas.microsoft.com/office/powerpoint/2012/main" xmlns:mc="http://schemas.openxmlformats.org/markup-compatibility/2006" type="objAndTwoObj" preserve="1">
+<p:sldLayout xmlns:a="http://schemas.openxmlformats.org/drawingml/2006/main" xmlns:r="http://schemas.openxmlformats.org/officeDocument/2006/relationships" xmlns:p="http://schemas.openxmlformats.org/presentationml/2006/main" type="objAndTwoObj" preserve="1">
   <p:cSld name="Title Content and 2 Content">
     <p:spTree>
       <p:nvGrpSpPr>
@@ -6058,11 +6577,12 @@
           </a:ln>
         </p:spPr>
         <p:txBody>
-          <a:bodyPr lIns="0" rIns="0" tIns="0" bIns="0" anchor="ctr">
+          <a:bodyPr lIns="0" tIns="0" rIns="0" bIns="0" anchor="ctr">
             <a:noAutofit/>
           </a:bodyPr>
-          <a:p>
-            <a:endParaRPr b="0" lang="pt-BR" sz="1800" spc="-1" strike="noStrike">
+          <a:lstStyle/>
+          <a:p>
+            <a:endParaRPr lang="pt-BR" sz="1800" b="0" strike="noStrike" spc="-1">
               <a:solidFill>
                 <a:srgbClr val="465562"/>
               </a:solidFill>
@@ -6095,9 +6615,10 @@
           </a:ln>
         </p:spPr>
         <p:txBody>
-          <a:bodyPr lIns="0" rIns="0" tIns="0" bIns="0" anchor="t">
+          <a:bodyPr lIns="0" tIns="0" rIns="0" bIns="0" anchor="t">
             <a:normAutofit/>
           </a:bodyPr>
+          <a:lstStyle/>
           <a:p>
             <a:pPr>
               <a:lnSpc>
@@ -6108,7 +6629,7 @@
               </a:spcBef>
               <a:buNone/>
             </a:pPr>
-            <a:endParaRPr b="0" lang="pt-BR" sz="2800" spc="-1" strike="noStrike">
+            <a:endParaRPr lang="pt-BR" sz="2800" b="0" strike="noStrike" spc="-1">
               <a:solidFill>
                 <a:srgbClr val="465562"/>
               </a:solidFill>
@@ -6141,9 +6662,10 @@
           </a:ln>
         </p:spPr>
         <p:txBody>
-          <a:bodyPr lIns="0" rIns="0" tIns="0" bIns="0" anchor="t">
+          <a:bodyPr lIns="0" tIns="0" rIns="0" bIns="0" anchor="t">
             <a:normAutofit/>
           </a:bodyPr>
+          <a:lstStyle/>
           <a:p>
             <a:pPr>
               <a:lnSpc>
@@ -6154,7 +6676,7 @@
               </a:spcBef>
               <a:buNone/>
             </a:pPr>
-            <a:endParaRPr b="0" lang="pt-BR" sz="2800" spc="-1" strike="noStrike">
+            <a:endParaRPr lang="pt-BR" sz="2800" b="0" strike="noStrike" spc="-1">
               <a:solidFill>
                 <a:srgbClr val="465562"/>
               </a:solidFill>
@@ -6187,9 +6709,10 @@
           </a:ln>
         </p:spPr>
         <p:txBody>
-          <a:bodyPr lIns="0" rIns="0" tIns="0" bIns="0" anchor="t">
+          <a:bodyPr lIns="0" tIns="0" rIns="0" bIns="0" anchor="t">
             <a:normAutofit/>
           </a:bodyPr>
+          <a:lstStyle/>
           <a:p>
             <a:pPr>
               <a:lnSpc>
@@ -6200,7 +6723,7 @@
               </a:spcBef>
               <a:buNone/>
             </a:pPr>
-            <a:endParaRPr b="0" lang="pt-BR" sz="2800" spc="-1" strike="noStrike">
+            <a:endParaRPr lang="pt-BR" sz="2800" b="0" strike="noStrike" spc="-1">
               <a:solidFill>
                 <a:srgbClr val="465562"/>
               </a:solidFill>
@@ -6222,6 +6745,7 @@
         <p:spPr/>
         <p:txBody>
           <a:bodyPr/>
+          <a:lstStyle/>
           <a:p>
             <a:r>
               <a:t>Footer</a:t>
@@ -6242,10 +6766,12 @@
         <p:spPr/>
         <p:txBody>
           <a:bodyPr/>
+          <a:lstStyle/>
           <a:p>
             <a:fld id="{FF90686C-FB41-42EE-BFDC-59CEFBB89529}" type="slidenum">
-              <a:t>&lt;#&gt;</a:t>
+              <a:t>‹#›</a:t>
             </a:fld>
+            <a:endParaRPr/>
           </a:p>
         </p:txBody>
       </p:sp>
@@ -6262,21 +6788,22 @@
         <p:spPr/>
         <p:txBody>
           <a:bodyPr/>
-          <a:p>
-            <a:r>
-              <a:rPr lang="pt-BR"/>
-              <a:t/>
-            </a:r>
+          <a:lstStyle/>
+          <a:p>
+            <a:endParaRPr/>
           </a:p>
         </p:txBody>
       </p:sp>
     </p:spTree>
   </p:cSld>
+  <p:clrMapOvr>
+    <a:masterClrMapping/>
+  </p:clrMapOvr>
 </p:sldLayout>
 </file>
 
 <file path=ppt/slideLayouts/slideLayout33.xml><?xml version="1.0" encoding="utf-8"?>
-<p:sldLayout xmlns:a="http://schemas.openxmlformats.org/drawingml/2006/main" xmlns:p="http://schemas.openxmlformats.org/presentationml/2006/main" xmlns:r="http://schemas.openxmlformats.org/officeDocument/2006/relationships" xmlns:p14="http://schemas.microsoft.com/office/powerpoint/2010/main" xmlns:p15="http://schemas.microsoft.com/office/powerpoint/2012/main" xmlns:mc="http://schemas.openxmlformats.org/markup-compatibility/2006" type="twoObjOverTx" preserve="1">
+<p:sldLayout xmlns:a="http://schemas.openxmlformats.org/drawingml/2006/main" xmlns:r="http://schemas.openxmlformats.org/officeDocument/2006/relationships" xmlns:p="http://schemas.openxmlformats.org/presentationml/2006/main" type="twoObjOverTx" preserve="1">
   <p:cSld name="Title, 2 Content over Content">
     <p:spTree>
       <p:nvGrpSpPr>
@@ -6316,11 +6843,12 @@
           </a:ln>
         </p:spPr>
         <p:txBody>
-          <a:bodyPr lIns="0" rIns="0" tIns="0" bIns="0" anchor="ctr">
+          <a:bodyPr lIns="0" tIns="0" rIns="0" bIns="0" anchor="ctr">
             <a:noAutofit/>
           </a:bodyPr>
-          <a:p>
-            <a:endParaRPr b="0" lang="pt-BR" sz="1800" spc="-1" strike="noStrike">
+          <a:lstStyle/>
+          <a:p>
+            <a:endParaRPr lang="pt-BR" sz="1800" b="0" strike="noStrike" spc="-1">
               <a:solidFill>
                 <a:srgbClr val="465562"/>
               </a:solidFill>
@@ -6353,9 +6881,10 @@
           </a:ln>
         </p:spPr>
         <p:txBody>
-          <a:bodyPr lIns="0" rIns="0" tIns="0" bIns="0" anchor="t">
+          <a:bodyPr lIns="0" tIns="0" rIns="0" bIns="0" anchor="t">
             <a:normAutofit/>
           </a:bodyPr>
+          <a:lstStyle/>
           <a:p>
             <a:pPr>
               <a:lnSpc>
@@ -6366,7 +6895,7 @@
               </a:spcBef>
               <a:buNone/>
             </a:pPr>
-            <a:endParaRPr b="0" lang="pt-BR" sz="2800" spc="-1" strike="noStrike">
+            <a:endParaRPr lang="pt-BR" sz="2800" b="0" strike="noStrike" spc="-1">
               <a:solidFill>
                 <a:srgbClr val="465562"/>
               </a:solidFill>
@@ -6399,9 +6928,10 @@
           </a:ln>
         </p:spPr>
         <p:txBody>
-          <a:bodyPr lIns="0" rIns="0" tIns="0" bIns="0" anchor="t">
+          <a:bodyPr lIns="0" tIns="0" rIns="0" bIns="0" anchor="t">
             <a:normAutofit/>
           </a:bodyPr>
+          <a:lstStyle/>
           <a:p>
             <a:pPr>
               <a:lnSpc>
@@ -6412,7 +6942,7 @@
               </a:spcBef>
               <a:buNone/>
             </a:pPr>
-            <a:endParaRPr b="0" lang="pt-BR" sz="2800" spc="-1" strike="noStrike">
+            <a:endParaRPr lang="pt-BR" sz="2800" b="0" strike="noStrike" spc="-1">
               <a:solidFill>
                 <a:srgbClr val="465562"/>
               </a:solidFill>
@@ -6445,9 +6975,10 @@
           </a:ln>
         </p:spPr>
         <p:txBody>
-          <a:bodyPr lIns="0" rIns="0" tIns="0" bIns="0" anchor="t">
+          <a:bodyPr lIns="0" tIns="0" rIns="0" bIns="0" anchor="t">
             <a:normAutofit/>
           </a:bodyPr>
+          <a:lstStyle/>
           <a:p>
             <a:pPr>
               <a:lnSpc>
@@ -6458,7 +6989,7 @@
               </a:spcBef>
               <a:buNone/>
             </a:pPr>
-            <a:endParaRPr b="0" lang="pt-BR" sz="2800" spc="-1" strike="noStrike">
+            <a:endParaRPr lang="pt-BR" sz="2800" b="0" strike="noStrike" spc="-1">
               <a:solidFill>
                 <a:srgbClr val="465562"/>
               </a:solidFill>
@@ -6480,6 +7011,7 @@
         <p:spPr/>
         <p:txBody>
           <a:bodyPr/>
+          <a:lstStyle/>
           <a:p>
             <a:r>
               <a:t>Footer</a:t>
@@ -6500,10 +7032,12 @@
         <p:spPr/>
         <p:txBody>
           <a:bodyPr/>
+          <a:lstStyle/>
           <a:p>
             <a:fld id="{106DBA59-BBFA-45E4-AD61-F8270FF1F579}" type="slidenum">
-              <a:t>&lt;#&gt;</a:t>
+              <a:t>‹#›</a:t>
             </a:fld>
+            <a:endParaRPr/>
           </a:p>
         </p:txBody>
       </p:sp>
@@ -6520,21 +7054,22 @@
         <p:spPr/>
         <p:txBody>
           <a:bodyPr/>
-          <a:p>
-            <a:r>
-              <a:rPr lang="pt-BR"/>
-              <a:t/>
-            </a:r>
+          <a:lstStyle/>
+          <a:p>
+            <a:endParaRPr/>
           </a:p>
         </p:txBody>
       </p:sp>
     </p:spTree>
   </p:cSld>
+  <p:clrMapOvr>
+    <a:masterClrMapping/>
+  </p:clrMapOvr>
 </p:sldLayout>
 </file>
 
 <file path=ppt/slideLayouts/slideLayout34.xml><?xml version="1.0" encoding="utf-8"?>
-<p:sldLayout xmlns:a="http://schemas.openxmlformats.org/drawingml/2006/main" xmlns:p="http://schemas.openxmlformats.org/presentationml/2006/main" xmlns:r="http://schemas.openxmlformats.org/officeDocument/2006/relationships" xmlns:p14="http://schemas.microsoft.com/office/powerpoint/2010/main" xmlns:p15="http://schemas.microsoft.com/office/powerpoint/2012/main" xmlns:mc="http://schemas.openxmlformats.org/markup-compatibility/2006" type="objOverTx" preserve="1">
+<p:sldLayout xmlns:a="http://schemas.openxmlformats.org/drawingml/2006/main" xmlns:r="http://schemas.openxmlformats.org/officeDocument/2006/relationships" xmlns:p="http://schemas.openxmlformats.org/presentationml/2006/main" type="objOverTx" preserve="1">
   <p:cSld name="Title, Content over Content">
     <p:spTree>
       <p:nvGrpSpPr>
@@ -6574,11 +7109,12 @@
           </a:ln>
         </p:spPr>
         <p:txBody>
-          <a:bodyPr lIns="0" rIns="0" tIns="0" bIns="0" anchor="ctr">
+          <a:bodyPr lIns="0" tIns="0" rIns="0" bIns="0" anchor="ctr">
             <a:noAutofit/>
           </a:bodyPr>
-          <a:p>
-            <a:endParaRPr b="0" lang="pt-BR" sz="1800" spc="-1" strike="noStrike">
+          <a:lstStyle/>
+          <a:p>
+            <a:endParaRPr lang="pt-BR" sz="1800" b="0" strike="noStrike" spc="-1">
               <a:solidFill>
                 <a:srgbClr val="465562"/>
               </a:solidFill>
@@ -6611,9 +7147,10 @@
           </a:ln>
         </p:spPr>
         <p:txBody>
-          <a:bodyPr lIns="0" rIns="0" tIns="0" bIns="0" anchor="t">
+          <a:bodyPr lIns="0" tIns="0" rIns="0" bIns="0" anchor="t">
             <a:normAutofit/>
           </a:bodyPr>
+          <a:lstStyle/>
           <a:p>
             <a:pPr>
               <a:lnSpc>
@@ -6624,7 +7161,7 @@
               </a:spcBef>
               <a:buNone/>
             </a:pPr>
-            <a:endParaRPr b="0" lang="pt-BR" sz="2800" spc="-1" strike="noStrike">
+            <a:endParaRPr lang="pt-BR" sz="2800" b="0" strike="noStrike" spc="-1">
               <a:solidFill>
                 <a:srgbClr val="465562"/>
               </a:solidFill>
@@ -6657,9 +7194,10 @@
           </a:ln>
         </p:spPr>
         <p:txBody>
-          <a:bodyPr lIns="0" rIns="0" tIns="0" bIns="0" anchor="t">
+          <a:bodyPr lIns="0" tIns="0" rIns="0" bIns="0" anchor="t">
             <a:normAutofit/>
           </a:bodyPr>
+          <a:lstStyle/>
           <a:p>
             <a:pPr>
               <a:lnSpc>
@@ -6670,7 +7208,7 @@
               </a:spcBef>
               <a:buNone/>
             </a:pPr>
-            <a:endParaRPr b="0" lang="pt-BR" sz="2800" spc="-1" strike="noStrike">
+            <a:endParaRPr lang="pt-BR" sz="2800" b="0" strike="noStrike" spc="-1">
               <a:solidFill>
                 <a:srgbClr val="465562"/>
               </a:solidFill>
@@ -6692,6 +7230,7 @@
         <p:spPr/>
         <p:txBody>
           <a:bodyPr/>
+          <a:lstStyle/>
           <a:p>
             <a:r>
               <a:t>Footer</a:t>
@@ -6712,10 +7251,12 @@
         <p:spPr/>
         <p:txBody>
           <a:bodyPr/>
+          <a:lstStyle/>
           <a:p>
             <a:fld id="{7FB53049-F096-4B7E-A619-8968CF806ED9}" type="slidenum">
-              <a:t>&lt;#&gt;</a:t>
+              <a:t>‹#›</a:t>
             </a:fld>
+            <a:endParaRPr/>
           </a:p>
         </p:txBody>
       </p:sp>
@@ -6732,21 +7273,22 @@
         <p:spPr/>
         <p:txBody>
           <a:bodyPr/>
-          <a:p>
-            <a:r>
-              <a:rPr lang="pt-BR"/>
-              <a:t/>
-            </a:r>
+          <a:lstStyle/>
+          <a:p>
+            <a:endParaRPr/>
           </a:p>
         </p:txBody>
       </p:sp>
     </p:spTree>
   </p:cSld>
+  <p:clrMapOvr>
+    <a:masterClrMapping/>
+  </p:clrMapOvr>
 </p:sldLayout>
 </file>
 
 <file path=ppt/slideLayouts/slideLayout35.xml><?xml version="1.0" encoding="utf-8"?>
-<p:sldLayout xmlns:a="http://schemas.openxmlformats.org/drawingml/2006/main" xmlns:p="http://schemas.openxmlformats.org/presentationml/2006/main" xmlns:r="http://schemas.openxmlformats.org/officeDocument/2006/relationships" xmlns:p14="http://schemas.microsoft.com/office/powerpoint/2010/main" xmlns:p15="http://schemas.microsoft.com/office/powerpoint/2012/main" xmlns:mc="http://schemas.openxmlformats.org/markup-compatibility/2006" type="fourObj" preserve="1">
+<p:sldLayout xmlns:a="http://schemas.openxmlformats.org/drawingml/2006/main" xmlns:r="http://schemas.openxmlformats.org/officeDocument/2006/relationships" xmlns:p="http://schemas.openxmlformats.org/presentationml/2006/main" type="fourObj" preserve="1">
   <p:cSld name="Title, 4 Content">
     <p:spTree>
       <p:nvGrpSpPr>
@@ -6786,11 +7328,12 @@
           </a:ln>
         </p:spPr>
         <p:txBody>
-          <a:bodyPr lIns="0" rIns="0" tIns="0" bIns="0" anchor="ctr">
+          <a:bodyPr lIns="0" tIns="0" rIns="0" bIns="0" anchor="ctr">
             <a:noAutofit/>
           </a:bodyPr>
-          <a:p>
-            <a:endParaRPr b="0" lang="pt-BR" sz="1800" spc="-1" strike="noStrike">
+          <a:lstStyle/>
+          <a:p>
+            <a:endParaRPr lang="pt-BR" sz="1800" b="0" strike="noStrike" spc="-1">
               <a:solidFill>
                 <a:srgbClr val="465562"/>
               </a:solidFill>
@@ -6823,9 +7366,10 @@
           </a:ln>
         </p:spPr>
         <p:txBody>
-          <a:bodyPr lIns="0" rIns="0" tIns="0" bIns="0" anchor="t">
+          <a:bodyPr lIns="0" tIns="0" rIns="0" bIns="0" anchor="t">
             <a:normAutofit/>
           </a:bodyPr>
+          <a:lstStyle/>
           <a:p>
             <a:pPr>
               <a:lnSpc>
@@ -6836,7 +7380,7 @@
               </a:spcBef>
               <a:buNone/>
             </a:pPr>
-            <a:endParaRPr b="0" lang="pt-BR" sz="2800" spc="-1" strike="noStrike">
+            <a:endParaRPr lang="pt-BR" sz="2800" b="0" strike="noStrike" spc="-1">
               <a:solidFill>
                 <a:srgbClr val="465562"/>
               </a:solidFill>
@@ -6869,9 +7413,10 @@
           </a:ln>
         </p:spPr>
         <p:txBody>
-          <a:bodyPr lIns="0" rIns="0" tIns="0" bIns="0" anchor="t">
+          <a:bodyPr lIns="0" tIns="0" rIns="0" bIns="0" anchor="t">
             <a:normAutofit/>
           </a:bodyPr>
+          <a:lstStyle/>
           <a:p>
             <a:pPr>
               <a:lnSpc>
@@ -6882,7 +7427,7 @@
               </a:spcBef>
               <a:buNone/>
             </a:pPr>
-            <a:endParaRPr b="0" lang="pt-BR" sz="2800" spc="-1" strike="noStrike">
+            <a:endParaRPr lang="pt-BR" sz="2800" b="0" strike="noStrike" spc="-1">
               <a:solidFill>
                 <a:srgbClr val="465562"/>
               </a:solidFill>
@@ -6915,9 +7460,10 @@
           </a:ln>
         </p:spPr>
         <p:txBody>
-          <a:bodyPr lIns="0" rIns="0" tIns="0" bIns="0" anchor="t">
+          <a:bodyPr lIns="0" tIns="0" rIns="0" bIns="0" anchor="t">
             <a:normAutofit/>
           </a:bodyPr>
+          <a:lstStyle/>
           <a:p>
             <a:pPr>
               <a:lnSpc>
@@ -6928,7 +7474,7 @@
               </a:spcBef>
               <a:buNone/>
             </a:pPr>
-            <a:endParaRPr b="0" lang="pt-BR" sz="2800" spc="-1" strike="noStrike">
+            <a:endParaRPr lang="pt-BR" sz="2800" b="0" strike="noStrike" spc="-1">
               <a:solidFill>
                 <a:srgbClr val="465562"/>
               </a:solidFill>
@@ -6961,9 +7507,10 @@
           </a:ln>
         </p:spPr>
         <p:txBody>
-          <a:bodyPr lIns="0" rIns="0" tIns="0" bIns="0" anchor="t">
+          <a:bodyPr lIns="0" tIns="0" rIns="0" bIns="0" anchor="t">
             <a:normAutofit/>
           </a:bodyPr>
+          <a:lstStyle/>
           <a:p>
             <a:pPr>
               <a:lnSpc>
@@ -6974,7 +7521,7 @@
               </a:spcBef>
               <a:buNone/>
             </a:pPr>
-            <a:endParaRPr b="0" lang="pt-BR" sz="2800" spc="-1" strike="noStrike">
+            <a:endParaRPr lang="pt-BR" sz="2800" b="0" strike="noStrike" spc="-1">
               <a:solidFill>
                 <a:srgbClr val="465562"/>
               </a:solidFill>
@@ -6996,6 +7543,7 @@
         <p:spPr/>
         <p:txBody>
           <a:bodyPr/>
+          <a:lstStyle/>
           <a:p>
             <a:r>
               <a:t>Footer</a:t>
@@ -7016,10 +7564,12 @@
         <p:spPr/>
         <p:txBody>
           <a:bodyPr/>
+          <a:lstStyle/>
           <a:p>
             <a:fld id="{37B3A546-36C4-4B36-B2BA-DED22683D71C}" type="slidenum">
-              <a:t>&lt;#&gt;</a:t>
+              <a:t>‹#›</a:t>
             </a:fld>
+            <a:endParaRPr/>
           </a:p>
         </p:txBody>
       </p:sp>
@@ -7036,21 +7586,22 @@
         <p:spPr/>
         <p:txBody>
           <a:bodyPr/>
-          <a:p>
-            <a:r>
-              <a:rPr lang="pt-BR"/>
-              <a:t/>
-            </a:r>
+          <a:lstStyle/>
+          <a:p>
+            <a:endParaRPr/>
           </a:p>
         </p:txBody>
       </p:sp>
     </p:spTree>
   </p:cSld>
+  <p:clrMapOvr>
+    <a:masterClrMapping/>
+  </p:clrMapOvr>
 </p:sldLayout>
 </file>
 
 <file path=ppt/slideLayouts/slideLayout36.xml><?xml version="1.0" encoding="utf-8"?>
-<p:sldLayout xmlns:a="http://schemas.openxmlformats.org/drawingml/2006/main" xmlns:p="http://schemas.openxmlformats.org/presentationml/2006/main" xmlns:r="http://schemas.openxmlformats.org/officeDocument/2006/relationships" xmlns:p14="http://schemas.microsoft.com/office/powerpoint/2010/main" xmlns:p15="http://schemas.microsoft.com/office/powerpoint/2012/main" xmlns:mc="http://schemas.openxmlformats.org/markup-compatibility/2006" type="blank" preserve="1">
+<p:sldLayout xmlns:a="http://schemas.openxmlformats.org/drawingml/2006/main" xmlns:r="http://schemas.openxmlformats.org/officeDocument/2006/relationships" xmlns:p="http://schemas.openxmlformats.org/presentationml/2006/main" type="blank" preserve="1">
   <p:cSld name="Title, 6 Content">
     <p:spTree>
       <p:nvGrpSpPr>
@@ -7090,11 +7641,12 @@
           </a:ln>
         </p:spPr>
         <p:txBody>
-          <a:bodyPr lIns="0" rIns="0" tIns="0" bIns="0" anchor="ctr">
+          <a:bodyPr lIns="0" tIns="0" rIns="0" bIns="0" anchor="ctr">
             <a:noAutofit/>
           </a:bodyPr>
-          <a:p>
-            <a:endParaRPr b="0" lang="pt-BR" sz="1800" spc="-1" strike="noStrike">
+          <a:lstStyle/>
+          <a:p>
+            <a:endParaRPr lang="pt-BR" sz="1800" b="0" strike="noStrike" spc="-1">
               <a:solidFill>
                 <a:srgbClr val="465562"/>
               </a:solidFill>
@@ -7127,9 +7679,10 @@
           </a:ln>
         </p:spPr>
         <p:txBody>
-          <a:bodyPr lIns="0" rIns="0" tIns="0" bIns="0" anchor="t">
+          <a:bodyPr lIns="0" tIns="0" rIns="0" bIns="0" anchor="t">
             <a:normAutofit/>
           </a:bodyPr>
+          <a:lstStyle/>
           <a:p>
             <a:pPr>
               <a:lnSpc>
@@ -7140,7 +7693,7 @@
               </a:spcBef>
               <a:buNone/>
             </a:pPr>
-            <a:endParaRPr b="0" lang="pt-BR" sz="2800" spc="-1" strike="noStrike">
+            <a:endParaRPr lang="pt-BR" sz="2800" b="0" strike="noStrike" spc="-1">
               <a:solidFill>
                 <a:srgbClr val="465562"/>
               </a:solidFill>
@@ -7173,9 +7726,10 @@
           </a:ln>
         </p:spPr>
         <p:txBody>
-          <a:bodyPr lIns="0" rIns="0" tIns="0" bIns="0" anchor="t">
+          <a:bodyPr lIns="0" tIns="0" rIns="0" bIns="0" anchor="t">
             <a:normAutofit/>
           </a:bodyPr>
+          <a:lstStyle/>
           <a:p>
             <a:pPr>
               <a:lnSpc>
@@ -7186,7 +7740,7 @@
               </a:spcBef>
               <a:buNone/>
             </a:pPr>
-            <a:endParaRPr b="0" lang="pt-BR" sz="2800" spc="-1" strike="noStrike">
+            <a:endParaRPr lang="pt-BR" sz="2800" b="0" strike="noStrike" spc="-1">
               <a:solidFill>
                 <a:srgbClr val="465562"/>
               </a:solidFill>
@@ -7219,9 +7773,10 @@
           </a:ln>
         </p:spPr>
         <p:txBody>
-          <a:bodyPr lIns="0" rIns="0" tIns="0" bIns="0" anchor="t">
+          <a:bodyPr lIns="0" tIns="0" rIns="0" bIns="0" anchor="t">
             <a:normAutofit/>
           </a:bodyPr>
+          <a:lstStyle/>
           <a:p>
             <a:pPr>
               <a:lnSpc>
@@ -7232,7 +7787,7 @@
               </a:spcBef>
               <a:buNone/>
             </a:pPr>
-            <a:endParaRPr b="0" lang="pt-BR" sz="2800" spc="-1" strike="noStrike">
+            <a:endParaRPr lang="pt-BR" sz="2800" b="0" strike="noStrike" spc="-1">
               <a:solidFill>
                 <a:srgbClr val="465562"/>
               </a:solidFill>
@@ -7265,9 +7820,10 @@
           </a:ln>
         </p:spPr>
         <p:txBody>
-          <a:bodyPr lIns="0" rIns="0" tIns="0" bIns="0" anchor="t">
+          <a:bodyPr lIns="0" tIns="0" rIns="0" bIns="0" anchor="t">
             <a:normAutofit/>
           </a:bodyPr>
+          <a:lstStyle/>
           <a:p>
             <a:pPr>
               <a:lnSpc>
@@ -7278,7 +7834,7 @@
               </a:spcBef>
               <a:buNone/>
             </a:pPr>
-            <a:endParaRPr b="0" lang="pt-BR" sz="2800" spc="-1" strike="noStrike">
+            <a:endParaRPr lang="pt-BR" sz="2800" b="0" strike="noStrike" spc="-1">
               <a:solidFill>
                 <a:srgbClr val="465562"/>
               </a:solidFill>
@@ -7311,9 +7867,10 @@
           </a:ln>
         </p:spPr>
         <p:txBody>
-          <a:bodyPr lIns="0" rIns="0" tIns="0" bIns="0" anchor="t">
+          <a:bodyPr lIns="0" tIns="0" rIns="0" bIns="0" anchor="t">
             <a:normAutofit/>
           </a:bodyPr>
+          <a:lstStyle/>
           <a:p>
             <a:pPr>
               <a:lnSpc>
@@ -7324,7 +7881,7 @@
               </a:spcBef>
               <a:buNone/>
             </a:pPr>
-            <a:endParaRPr b="0" lang="pt-BR" sz="2800" spc="-1" strike="noStrike">
+            <a:endParaRPr lang="pt-BR" sz="2800" b="0" strike="noStrike" spc="-1">
               <a:solidFill>
                 <a:srgbClr val="465562"/>
               </a:solidFill>
@@ -7357,9 +7914,10 @@
           </a:ln>
         </p:spPr>
         <p:txBody>
-          <a:bodyPr lIns="0" rIns="0" tIns="0" bIns="0" anchor="t">
+          <a:bodyPr lIns="0" tIns="0" rIns="0" bIns="0" anchor="t">
             <a:normAutofit/>
           </a:bodyPr>
+          <a:lstStyle/>
           <a:p>
             <a:pPr>
               <a:lnSpc>
@@ -7370,7 +7928,7 @@
               </a:spcBef>
               <a:buNone/>
             </a:pPr>
-            <a:endParaRPr b="0" lang="pt-BR" sz="2800" spc="-1" strike="noStrike">
+            <a:endParaRPr lang="pt-BR" sz="2800" b="0" strike="noStrike" spc="-1">
               <a:solidFill>
                 <a:srgbClr val="465562"/>
               </a:solidFill>
@@ -7392,6 +7950,7 @@
         <p:spPr/>
         <p:txBody>
           <a:bodyPr/>
+          <a:lstStyle/>
           <a:p>
             <a:r>
               <a:t>Footer</a:t>
@@ -7412,10 +7971,12 @@
         <p:spPr/>
         <p:txBody>
           <a:bodyPr/>
+          <a:lstStyle/>
           <a:p>
             <a:fld id="{8DFCE283-17DB-4BED-A1E5-CE4BEAF5BDEC}" type="slidenum">
-              <a:t>&lt;#&gt;</a:t>
+              <a:t>‹#›</a:t>
             </a:fld>
+            <a:endParaRPr/>
           </a:p>
         </p:txBody>
       </p:sp>
@@ -7432,21 +7993,22 @@
         <p:spPr/>
         <p:txBody>
           <a:bodyPr/>
-          <a:p>
-            <a:r>
-              <a:rPr lang="pt-BR"/>
-              <a:t/>
-            </a:r>
+          <a:lstStyle/>
+          <a:p>
+            <a:endParaRPr/>
           </a:p>
         </p:txBody>
       </p:sp>
     </p:spTree>
   </p:cSld>
+  <p:clrMapOvr>
+    <a:masterClrMapping/>
+  </p:clrMapOvr>
 </p:sldLayout>
 </file>
 
 <file path=ppt/slideLayouts/slideLayout4.xml><?xml version="1.0" encoding="utf-8"?>
-<p:sldLayout xmlns:a="http://schemas.openxmlformats.org/drawingml/2006/main" xmlns:p="http://schemas.openxmlformats.org/presentationml/2006/main" xmlns:r="http://schemas.openxmlformats.org/officeDocument/2006/relationships" xmlns:p14="http://schemas.microsoft.com/office/powerpoint/2010/main" xmlns:p15="http://schemas.microsoft.com/office/powerpoint/2012/main" xmlns:mc="http://schemas.openxmlformats.org/markup-compatibility/2006" type="twoObj" preserve="1">
+<p:sldLayout xmlns:a="http://schemas.openxmlformats.org/drawingml/2006/main" xmlns:r="http://schemas.openxmlformats.org/officeDocument/2006/relationships" xmlns:p="http://schemas.openxmlformats.org/presentationml/2006/main" type="twoObj" preserve="1">
   <p:cSld name="Title, 2 Content">
     <p:spTree>
       <p:nvGrpSpPr>
@@ -7486,11 +8048,12 @@
           </a:ln>
         </p:spPr>
         <p:txBody>
-          <a:bodyPr lIns="0" rIns="0" tIns="0" bIns="0" anchor="ctr">
+          <a:bodyPr lIns="0" tIns="0" rIns="0" bIns="0" anchor="ctr">
             <a:noAutofit/>
           </a:bodyPr>
-          <a:p>
-            <a:endParaRPr b="0" lang="pt-BR" sz="1800" spc="-1" strike="noStrike">
+          <a:lstStyle/>
+          <a:p>
+            <a:endParaRPr lang="pt-BR" sz="1800" b="0" strike="noStrike" spc="-1">
               <a:solidFill>
                 <a:srgbClr val="465562"/>
               </a:solidFill>
@@ -7523,9 +8086,10 @@
           </a:ln>
         </p:spPr>
         <p:txBody>
-          <a:bodyPr lIns="0" rIns="0" tIns="0" bIns="0" anchor="t">
+          <a:bodyPr lIns="0" tIns="0" rIns="0" bIns="0" anchor="t">
             <a:normAutofit/>
           </a:bodyPr>
+          <a:lstStyle/>
           <a:p>
             <a:pPr>
               <a:lnSpc>
@@ -7536,7 +8100,7 @@
               </a:spcBef>
               <a:buNone/>
             </a:pPr>
-            <a:endParaRPr b="0" lang="pt-BR" sz="2800" spc="-1" strike="noStrike">
+            <a:endParaRPr lang="pt-BR" sz="2800" b="0" strike="noStrike" spc="-1">
               <a:solidFill>
                 <a:srgbClr val="465562"/>
               </a:solidFill>
@@ -7569,9 +8133,10 @@
           </a:ln>
         </p:spPr>
         <p:txBody>
-          <a:bodyPr lIns="0" rIns="0" tIns="0" bIns="0" anchor="t">
+          <a:bodyPr lIns="0" tIns="0" rIns="0" bIns="0" anchor="t">
             <a:normAutofit/>
           </a:bodyPr>
+          <a:lstStyle/>
           <a:p>
             <a:pPr>
               <a:lnSpc>
@@ -7582,7 +8147,7 @@
               </a:spcBef>
               <a:buNone/>
             </a:pPr>
-            <a:endParaRPr b="0" lang="pt-BR" sz="2800" spc="-1" strike="noStrike">
+            <a:endParaRPr lang="pt-BR" sz="2800" b="0" strike="noStrike" spc="-1">
               <a:solidFill>
                 <a:srgbClr val="465562"/>
               </a:solidFill>
@@ -7604,6 +8169,7 @@
         <p:spPr/>
         <p:txBody>
           <a:bodyPr/>
+          <a:lstStyle/>
           <a:p>
             <a:r>
               <a:t>Footer</a:t>
@@ -7624,10 +8190,12 @@
         <p:spPr/>
         <p:txBody>
           <a:bodyPr/>
+          <a:lstStyle/>
           <a:p>
             <a:fld id="{E230341A-3CAB-4418-B99C-3DC645CA6670}" type="slidenum">
-              <a:t>&lt;#&gt;</a:t>
+              <a:t>‹#›</a:t>
             </a:fld>
+            <a:endParaRPr/>
           </a:p>
         </p:txBody>
       </p:sp>
@@ -7644,21 +8212,22 @@
         <p:spPr/>
         <p:txBody>
           <a:bodyPr/>
-          <a:p>
-            <a:r>
-              <a:rPr lang="pt-BR"/>
-              <a:t/>
-            </a:r>
+          <a:lstStyle/>
+          <a:p>
+            <a:endParaRPr/>
           </a:p>
         </p:txBody>
       </p:sp>
     </p:spTree>
   </p:cSld>
+  <p:clrMapOvr>
+    <a:masterClrMapping/>
+  </p:clrMapOvr>
 </p:sldLayout>
 </file>
 
 <file path=ppt/slideLayouts/slideLayout5.xml><?xml version="1.0" encoding="utf-8"?>
-<p:sldLayout xmlns:a="http://schemas.openxmlformats.org/drawingml/2006/main" xmlns:p="http://schemas.openxmlformats.org/presentationml/2006/main" xmlns:r="http://schemas.openxmlformats.org/officeDocument/2006/relationships" xmlns:p14="http://schemas.microsoft.com/office/powerpoint/2010/main" xmlns:p15="http://schemas.microsoft.com/office/powerpoint/2012/main" xmlns:mc="http://schemas.openxmlformats.org/markup-compatibility/2006" type="titleOnly" preserve="1">
+<p:sldLayout xmlns:a="http://schemas.openxmlformats.org/drawingml/2006/main" xmlns:r="http://schemas.openxmlformats.org/officeDocument/2006/relationships" xmlns:p="http://schemas.openxmlformats.org/presentationml/2006/main" type="titleOnly" preserve="1">
   <p:cSld name="Title Only">
     <p:spTree>
       <p:nvGrpSpPr>
@@ -7698,11 +8267,12 @@
           </a:ln>
         </p:spPr>
         <p:txBody>
-          <a:bodyPr lIns="0" rIns="0" tIns="0" bIns="0" anchor="ctr">
+          <a:bodyPr lIns="0" tIns="0" rIns="0" bIns="0" anchor="ctr">
             <a:noAutofit/>
           </a:bodyPr>
-          <a:p>
-            <a:endParaRPr b="0" lang="pt-BR" sz="1800" spc="-1" strike="noStrike">
+          <a:lstStyle/>
+          <a:p>
+            <a:endParaRPr lang="pt-BR" sz="1800" b="0" strike="noStrike" spc="-1">
               <a:solidFill>
                 <a:srgbClr val="465562"/>
               </a:solidFill>
@@ -7724,6 +8294,7 @@
         <p:spPr/>
         <p:txBody>
           <a:bodyPr/>
+          <a:lstStyle/>
           <a:p>
             <a:r>
               <a:t>Footer</a:t>
@@ -7744,10 +8315,12 @@
         <p:spPr/>
         <p:txBody>
           <a:bodyPr/>
+          <a:lstStyle/>
           <a:p>
             <a:fld id="{573FCC2D-19D2-4890-B3AF-D27034E14C1C}" type="slidenum">
-              <a:t>&lt;#&gt;</a:t>
+              <a:t>‹#›</a:t>
             </a:fld>
+            <a:endParaRPr/>
           </a:p>
         </p:txBody>
       </p:sp>
@@ -7764,21 +8337,22 @@
         <p:spPr/>
         <p:txBody>
           <a:bodyPr/>
-          <a:p>
-            <a:r>
-              <a:rPr lang="pt-BR"/>
-              <a:t/>
-            </a:r>
+          <a:lstStyle/>
+          <a:p>
+            <a:endParaRPr/>
           </a:p>
         </p:txBody>
       </p:sp>
     </p:spTree>
   </p:cSld>
+  <p:clrMapOvr>
+    <a:masterClrMapping/>
+  </p:clrMapOvr>
 </p:sldLayout>
 </file>
 
 <file path=ppt/slideLayouts/slideLayout6.xml><?xml version="1.0" encoding="utf-8"?>
-<p:sldLayout xmlns:a="http://schemas.openxmlformats.org/drawingml/2006/main" xmlns:p="http://schemas.openxmlformats.org/presentationml/2006/main" xmlns:r="http://schemas.openxmlformats.org/officeDocument/2006/relationships" xmlns:p14="http://schemas.microsoft.com/office/powerpoint/2010/main" xmlns:p15="http://schemas.microsoft.com/office/powerpoint/2012/main" xmlns:mc="http://schemas.openxmlformats.org/markup-compatibility/2006" type="objOnly" preserve="1">
+<p:sldLayout xmlns:a="http://schemas.openxmlformats.org/drawingml/2006/main" xmlns:r="http://schemas.openxmlformats.org/officeDocument/2006/relationships" xmlns:p="http://schemas.openxmlformats.org/presentationml/2006/main" type="objOnly" preserve="1">
   <p:cSld name="Centered Text">
     <p:spTree>
       <p:nvGrpSpPr>
@@ -7818,14 +8392,15 @@
           </a:ln>
         </p:spPr>
         <p:txBody>
-          <a:bodyPr lIns="0" rIns="0" tIns="0" bIns="0" anchor="ctr">
+          <a:bodyPr lIns="0" tIns="0" rIns="0" bIns="0" anchor="ctr">
             <a:noAutofit/>
           </a:bodyPr>
+          <a:lstStyle/>
           <a:p>
             <a:pPr algn="ctr">
               <a:buNone/>
             </a:pPr>
-            <a:endParaRPr b="0" lang="pt-BR" sz="3200" spc="-1" strike="noStrike">
+            <a:endParaRPr lang="pt-BR" sz="3200" b="0" strike="noStrike" spc="-1">
               <a:latin typeface="Arial"/>
             </a:endParaRPr>
           </a:p>
@@ -7844,6 +8419,7 @@
         <p:spPr/>
         <p:txBody>
           <a:bodyPr/>
+          <a:lstStyle/>
           <a:p>
             <a:r>
               <a:t>Footer</a:t>
@@ -7864,10 +8440,12 @@
         <p:spPr/>
         <p:txBody>
           <a:bodyPr/>
+          <a:lstStyle/>
           <a:p>
             <a:fld id="{3B3BDA8A-549F-44C7-B53F-4F88CD85925A}" type="slidenum">
-              <a:t>&lt;#&gt;</a:t>
+              <a:t>‹#›</a:t>
             </a:fld>
+            <a:endParaRPr/>
           </a:p>
         </p:txBody>
       </p:sp>
@@ -7884,21 +8462,22 @@
         <p:spPr/>
         <p:txBody>
           <a:bodyPr/>
-          <a:p>
-            <a:r>
-              <a:rPr lang="pt-BR"/>
-              <a:t/>
-            </a:r>
+          <a:lstStyle/>
+          <a:p>
+            <a:endParaRPr/>
           </a:p>
         </p:txBody>
       </p:sp>
     </p:spTree>
   </p:cSld>
+  <p:clrMapOvr>
+    <a:masterClrMapping/>
+  </p:clrMapOvr>
 </p:sldLayout>
 </file>
 
 <file path=ppt/slideLayouts/slideLayout7.xml><?xml version="1.0" encoding="utf-8"?>
-<p:sldLayout xmlns:a="http://schemas.openxmlformats.org/drawingml/2006/main" xmlns:p="http://schemas.openxmlformats.org/presentationml/2006/main" xmlns:r="http://schemas.openxmlformats.org/officeDocument/2006/relationships" xmlns:p14="http://schemas.microsoft.com/office/powerpoint/2010/main" xmlns:p15="http://schemas.microsoft.com/office/powerpoint/2012/main" xmlns:mc="http://schemas.openxmlformats.org/markup-compatibility/2006" type="twoObjAndObj" preserve="1">
+<p:sldLayout xmlns:a="http://schemas.openxmlformats.org/drawingml/2006/main" xmlns:r="http://schemas.openxmlformats.org/officeDocument/2006/relationships" xmlns:p="http://schemas.openxmlformats.org/presentationml/2006/main" type="twoObjAndObj" preserve="1">
   <p:cSld name="Title, 2 Content and Content">
     <p:spTree>
       <p:nvGrpSpPr>
@@ -7938,11 +8517,12 @@
           </a:ln>
         </p:spPr>
         <p:txBody>
-          <a:bodyPr lIns="0" rIns="0" tIns="0" bIns="0" anchor="ctr">
+          <a:bodyPr lIns="0" tIns="0" rIns="0" bIns="0" anchor="ctr">
             <a:noAutofit/>
           </a:bodyPr>
-          <a:p>
-            <a:endParaRPr b="0" lang="pt-BR" sz="1800" spc="-1" strike="noStrike">
+          <a:lstStyle/>
+          <a:p>
+            <a:endParaRPr lang="pt-BR" sz="1800" b="0" strike="noStrike" spc="-1">
               <a:solidFill>
                 <a:srgbClr val="465562"/>
               </a:solidFill>
@@ -7975,9 +8555,10 @@
           </a:ln>
         </p:spPr>
         <p:txBody>
-          <a:bodyPr lIns="0" rIns="0" tIns="0" bIns="0" anchor="t">
+          <a:bodyPr lIns="0" tIns="0" rIns="0" bIns="0" anchor="t">
             <a:normAutofit/>
           </a:bodyPr>
+          <a:lstStyle/>
           <a:p>
             <a:pPr>
               <a:lnSpc>
@@ -7988,7 +8569,7 @@
               </a:spcBef>
               <a:buNone/>
             </a:pPr>
-            <a:endParaRPr b="0" lang="pt-BR" sz="2800" spc="-1" strike="noStrike">
+            <a:endParaRPr lang="pt-BR" sz="2800" b="0" strike="noStrike" spc="-1">
               <a:solidFill>
                 <a:srgbClr val="465562"/>
               </a:solidFill>
@@ -8021,9 +8602,10 @@
           </a:ln>
         </p:spPr>
         <p:txBody>
-          <a:bodyPr lIns="0" rIns="0" tIns="0" bIns="0" anchor="t">
+          <a:bodyPr lIns="0" tIns="0" rIns="0" bIns="0" anchor="t">
             <a:normAutofit/>
           </a:bodyPr>
+          <a:lstStyle/>
           <a:p>
             <a:pPr>
               <a:lnSpc>
@@ -8034,7 +8616,7 @@
               </a:spcBef>
               <a:buNone/>
             </a:pPr>
-            <a:endParaRPr b="0" lang="pt-BR" sz="2800" spc="-1" strike="noStrike">
+            <a:endParaRPr lang="pt-BR" sz="2800" b="0" strike="noStrike" spc="-1">
               <a:solidFill>
                 <a:srgbClr val="465562"/>
               </a:solidFill>
@@ -8067,9 +8649,10 @@
           </a:ln>
         </p:spPr>
         <p:txBody>
-          <a:bodyPr lIns="0" rIns="0" tIns="0" bIns="0" anchor="t">
+          <a:bodyPr lIns="0" tIns="0" rIns="0" bIns="0" anchor="t">
             <a:normAutofit/>
           </a:bodyPr>
+          <a:lstStyle/>
           <a:p>
             <a:pPr>
               <a:lnSpc>
@@ -8080,7 +8663,7 @@
               </a:spcBef>
               <a:buNone/>
             </a:pPr>
-            <a:endParaRPr b="0" lang="pt-BR" sz="2800" spc="-1" strike="noStrike">
+            <a:endParaRPr lang="pt-BR" sz="2800" b="0" strike="noStrike" spc="-1">
               <a:solidFill>
                 <a:srgbClr val="465562"/>
               </a:solidFill>
@@ -8102,6 +8685,7 @@
         <p:spPr/>
         <p:txBody>
           <a:bodyPr/>
+          <a:lstStyle/>
           <a:p>
             <a:r>
               <a:t>Footer</a:t>
@@ -8122,10 +8706,12 @@
         <p:spPr/>
         <p:txBody>
           <a:bodyPr/>
+          <a:lstStyle/>
           <a:p>
             <a:fld id="{D17CE397-B7B5-4830-8435-CFC0889990D2}" type="slidenum">
-              <a:t>&lt;#&gt;</a:t>
+              <a:t>‹#›</a:t>
             </a:fld>
+            <a:endParaRPr/>
           </a:p>
         </p:txBody>
       </p:sp>
@@ -8142,21 +8728,22 @@
         <p:spPr/>
         <p:txBody>
           <a:bodyPr/>
-          <a:p>
-            <a:r>
-              <a:rPr lang="pt-BR"/>
-              <a:t/>
-            </a:r>
+          <a:lstStyle/>
+          <a:p>
+            <a:endParaRPr/>
           </a:p>
         </p:txBody>
       </p:sp>
     </p:spTree>
   </p:cSld>
+  <p:clrMapOvr>
+    <a:masterClrMapping/>
+  </p:clrMapOvr>
 </p:sldLayout>
 </file>
 
 <file path=ppt/slideLayouts/slideLayout8.xml><?xml version="1.0" encoding="utf-8"?>
-<p:sldLayout xmlns:a="http://schemas.openxmlformats.org/drawingml/2006/main" xmlns:p="http://schemas.openxmlformats.org/presentationml/2006/main" xmlns:r="http://schemas.openxmlformats.org/officeDocument/2006/relationships" xmlns:p14="http://schemas.microsoft.com/office/powerpoint/2010/main" xmlns:p15="http://schemas.microsoft.com/office/powerpoint/2012/main" xmlns:mc="http://schemas.openxmlformats.org/markup-compatibility/2006" type="objAndTwoObj" preserve="1">
+<p:sldLayout xmlns:a="http://schemas.openxmlformats.org/drawingml/2006/main" xmlns:r="http://schemas.openxmlformats.org/officeDocument/2006/relationships" xmlns:p="http://schemas.openxmlformats.org/presentationml/2006/main" type="objAndTwoObj" preserve="1">
   <p:cSld name="Title Content and 2 Content">
     <p:spTree>
       <p:nvGrpSpPr>
@@ -8196,11 +8783,12 @@
           </a:ln>
         </p:spPr>
         <p:txBody>
-          <a:bodyPr lIns="0" rIns="0" tIns="0" bIns="0" anchor="ctr">
+          <a:bodyPr lIns="0" tIns="0" rIns="0" bIns="0" anchor="ctr">
             <a:noAutofit/>
           </a:bodyPr>
-          <a:p>
-            <a:endParaRPr b="0" lang="pt-BR" sz="1800" spc="-1" strike="noStrike">
+          <a:lstStyle/>
+          <a:p>
+            <a:endParaRPr lang="pt-BR" sz="1800" b="0" strike="noStrike" spc="-1">
               <a:solidFill>
                 <a:srgbClr val="465562"/>
               </a:solidFill>
@@ -8233,9 +8821,10 @@
           </a:ln>
         </p:spPr>
         <p:txBody>
-          <a:bodyPr lIns="0" rIns="0" tIns="0" bIns="0" anchor="t">
+          <a:bodyPr lIns="0" tIns="0" rIns="0" bIns="0" anchor="t">
             <a:normAutofit/>
           </a:bodyPr>
+          <a:lstStyle/>
           <a:p>
             <a:pPr>
               <a:lnSpc>
@@ -8246,7 +8835,7 @@
               </a:spcBef>
               <a:buNone/>
             </a:pPr>
-            <a:endParaRPr b="0" lang="pt-BR" sz="2800" spc="-1" strike="noStrike">
+            <a:endParaRPr lang="pt-BR" sz="2800" b="0" strike="noStrike" spc="-1">
               <a:solidFill>
                 <a:srgbClr val="465562"/>
               </a:solidFill>
@@ -8279,9 +8868,10 @@
           </a:ln>
         </p:spPr>
         <p:txBody>
-          <a:bodyPr lIns="0" rIns="0" tIns="0" bIns="0" anchor="t">
+          <a:bodyPr lIns="0" tIns="0" rIns="0" bIns="0" anchor="t">
             <a:normAutofit/>
           </a:bodyPr>
+          <a:lstStyle/>
           <a:p>
             <a:pPr>
               <a:lnSpc>
@@ -8292,7 +8882,7 @@
               </a:spcBef>
               <a:buNone/>
             </a:pPr>
-            <a:endParaRPr b="0" lang="pt-BR" sz="2800" spc="-1" strike="noStrike">
+            <a:endParaRPr lang="pt-BR" sz="2800" b="0" strike="noStrike" spc="-1">
               <a:solidFill>
                 <a:srgbClr val="465562"/>
               </a:solidFill>
@@ -8325,9 +8915,10 @@
           </a:ln>
         </p:spPr>
         <p:txBody>
-          <a:bodyPr lIns="0" rIns="0" tIns="0" bIns="0" anchor="t">
+          <a:bodyPr lIns="0" tIns="0" rIns="0" bIns="0" anchor="t">
             <a:normAutofit/>
           </a:bodyPr>
+          <a:lstStyle/>
           <a:p>
             <a:pPr>
               <a:lnSpc>
@@ -8338,7 +8929,7 @@
               </a:spcBef>
               <a:buNone/>
             </a:pPr>
-            <a:endParaRPr b="0" lang="pt-BR" sz="2800" spc="-1" strike="noStrike">
+            <a:endParaRPr lang="pt-BR" sz="2800" b="0" strike="noStrike" spc="-1">
               <a:solidFill>
                 <a:srgbClr val="465562"/>
               </a:solidFill>
@@ -8360,6 +8951,7 @@
         <p:spPr/>
         <p:txBody>
           <a:bodyPr/>
+          <a:lstStyle/>
           <a:p>
             <a:r>
               <a:t>Footer</a:t>
@@ -8380,10 +8972,12 @@
         <p:spPr/>
         <p:txBody>
           <a:bodyPr/>
+          <a:lstStyle/>
           <a:p>
             <a:fld id="{3E33475E-85E7-4971-B5DC-615C8E886271}" type="slidenum">
-              <a:t>&lt;#&gt;</a:t>
+              <a:t>‹#›</a:t>
             </a:fld>
+            <a:endParaRPr/>
           </a:p>
         </p:txBody>
       </p:sp>
@@ -8400,21 +8994,22 @@
         <p:spPr/>
         <p:txBody>
           <a:bodyPr/>
-          <a:p>
-            <a:r>
-              <a:rPr lang="pt-BR"/>
-              <a:t/>
-            </a:r>
+          <a:lstStyle/>
+          <a:p>
+            <a:endParaRPr/>
           </a:p>
         </p:txBody>
       </p:sp>
     </p:spTree>
   </p:cSld>
+  <p:clrMapOvr>
+    <a:masterClrMapping/>
+  </p:clrMapOvr>
 </p:sldLayout>
 </file>
 
 <file path=ppt/slideLayouts/slideLayout9.xml><?xml version="1.0" encoding="utf-8"?>
-<p:sldLayout xmlns:a="http://schemas.openxmlformats.org/drawingml/2006/main" xmlns:p="http://schemas.openxmlformats.org/presentationml/2006/main" xmlns:r="http://schemas.openxmlformats.org/officeDocument/2006/relationships" xmlns:p14="http://schemas.microsoft.com/office/powerpoint/2010/main" xmlns:p15="http://schemas.microsoft.com/office/powerpoint/2012/main" xmlns:mc="http://schemas.openxmlformats.org/markup-compatibility/2006" type="twoObjOverTx" preserve="1">
+<p:sldLayout xmlns:a="http://schemas.openxmlformats.org/drawingml/2006/main" xmlns:r="http://schemas.openxmlformats.org/officeDocument/2006/relationships" xmlns:p="http://schemas.openxmlformats.org/presentationml/2006/main" type="twoObjOverTx" preserve="1">
   <p:cSld name="Title, 2 Content over Content">
     <p:spTree>
       <p:nvGrpSpPr>
@@ -8454,11 +9049,12 @@
           </a:ln>
         </p:spPr>
         <p:txBody>
-          <a:bodyPr lIns="0" rIns="0" tIns="0" bIns="0" anchor="ctr">
+          <a:bodyPr lIns="0" tIns="0" rIns="0" bIns="0" anchor="ctr">
             <a:noAutofit/>
           </a:bodyPr>
-          <a:p>
-            <a:endParaRPr b="0" lang="pt-BR" sz="1800" spc="-1" strike="noStrike">
+          <a:lstStyle/>
+          <a:p>
+            <a:endParaRPr lang="pt-BR" sz="1800" b="0" strike="noStrike" spc="-1">
               <a:solidFill>
                 <a:srgbClr val="465562"/>
               </a:solidFill>
@@ -8491,9 +9087,10 @@
           </a:ln>
         </p:spPr>
         <p:txBody>
-          <a:bodyPr lIns="0" rIns="0" tIns="0" bIns="0" anchor="t">
+          <a:bodyPr lIns="0" tIns="0" rIns="0" bIns="0" anchor="t">
             <a:normAutofit/>
           </a:bodyPr>
+          <a:lstStyle/>
           <a:p>
             <a:pPr>
               <a:lnSpc>
@@ -8504,7 +9101,7 @@
               </a:spcBef>
               <a:buNone/>
             </a:pPr>
-            <a:endParaRPr b="0" lang="pt-BR" sz="2800" spc="-1" strike="noStrike">
+            <a:endParaRPr lang="pt-BR" sz="2800" b="0" strike="noStrike" spc="-1">
               <a:solidFill>
                 <a:srgbClr val="465562"/>
               </a:solidFill>
@@ -8537,9 +9134,10 @@
           </a:ln>
         </p:spPr>
         <p:txBody>
-          <a:bodyPr lIns="0" rIns="0" tIns="0" bIns="0" anchor="t">
+          <a:bodyPr lIns="0" tIns="0" rIns="0" bIns="0" anchor="t">
             <a:normAutofit/>
           </a:bodyPr>
+          <a:lstStyle/>
           <a:p>
             <a:pPr>
               <a:lnSpc>
@@ -8550,7 +9148,7 @@
               </a:spcBef>
               <a:buNone/>
             </a:pPr>
-            <a:endParaRPr b="0" lang="pt-BR" sz="2800" spc="-1" strike="noStrike">
+            <a:endParaRPr lang="pt-BR" sz="2800" b="0" strike="noStrike" spc="-1">
               <a:solidFill>
                 <a:srgbClr val="465562"/>
               </a:solidFill>
@@ -8583,9 +9181,10 @@
           </a:ln>
         </p:spPr>
         <p:txBody>
-          <a:bodyPr lIns="0" rIns="0" tIns="0" bIns="0" anchor="t">
+          <a:bodyPr lIns="0" tIns="0" rIns="0" bIns="0" anchor="t">
             <a:normAutofit/>
           </a:bodyPr>
+          <a:lstStyle/>
           <a:p>
             <a:pPr>
               <a:lnSpc>
@@ -8596,7 +9195,7 @@
               </a:spcBef>
               <a:buNone/>
             </a:pPr>
-            <a:endParaRPr b="0" lang="pt-BR" sz="2800" spc="-1" strike="noStrike">
+            <a:endParaRPr lang="pt-BR" sz="2800" b="0" strike="noStrike" spc="-1">
               <a:solidFill>
                 <a:srgbClr val="465562"/>
               </a:solidFill>
@@ -8618,6 +9217,7 @@
         <p:spPr/>
         <p:txBody>
           <a:bodyPr/>
+          <a:lstStyle/>
           <a:p>
             <a:r>
               <a:t>Footer</a:t>
@@ -8638,10 +9238,12 @@
         <p:spPr/>
         <p:txBody>
           <a:bodyPr/>
+          <a:lstStyle/>
           <a:p>
             <a:fld id="{1D711D04-6A20-4524-877D-F31F94D4E65D}" type="slidenum">
-              <a:t>&lt;#&gt;</a:t>
+              <a:t>‹#›</a:t>
             </a:fld>
+            <a:endParaRPr/>
           </a:p>
         </p:txBody>
       </p:sp>
@@ -8658,27 +9260,29 @@
         <p:spPr/>
         <p:txBody>
           <a:bodyPr/>
-          <a:p>
-            <a:r>
-              <a:rPr lang="pt-BR"/>
-              <a:t/>
-            </a:r>
+          <a:lstStyle/>
+          <a:p>
+            <a:endParaRPr/>
           </a:p>
         </p:txBody>
       </p:sp>
     </p:spTree>
   </p:cSld>
+  <p:clrMapOvr>
+    <a:masterClrMapping/>
+  </p:clrMapOvr>
 </p:sldLayout>
 </file>
 
 <file path=ppt/slideMasters/slideMaster1.xml><?xml version="1.0" encoding="utf-8"?>
-<p:sldMaster xmlns:a="http://schemas.openxmlformats.org/drawingml/2006/main" xmlns:p="http://schemas.openxmlformats.org/presentationml/2006/main" xmlns:r="http://schemas.openxmlformats.org/officeDocument/2006/relationships" xmlns:p14="http://schemas.microsoft.com/office/powerpoint/2010/main" xmlns:p15="http://schemas.microsoft.com/office/powerpoint/2012/main" xmlns:mc="http://schemas.openxmlformats.org/markup-compatibility/2006">
+<p:sldMaster xmlns:a="http://schemas.openxmlformats.org/drawingml/2006/main" xmlns:r="http://schemas.openxmlformats.org/officeDocument/2006/relationships" xmlns:p="http://schemas.openxmlformats.org/presentationml/2006/main">
   <p:cSld>
     <p:bg>
       <p:bgPr>
         <a:solidFill>
-          <a:srgbClr val="ffffff"/>
+          <a:srgbClr val="FFFFFF"/>
         </a:solidFill>
+        <a:effectLst/>
       </p:bgPr>
     </p:bg>
     <p:spTree>
@@ -8697,7 +9301,7 @@
       </p:grpSpPr>
       <p:sp>
         <p:nvSpPr>
-          <p:cNvPr id="0" name="Retângulo 6" hidden="1"/>
+          <p:cNvPr id="23" name="Retângulo 6" hidden="1"/>
           <p:cNvSpPr/>
           <p:nvPr/>
         </p:nvSpPr>
@@ -8736,7 +9340,7 @@
       </p:sp>
       <p:sp>
         <p:nvSpPr>
-          <p:cNvPr id="1" name="Retângulo 7" hidden="1"/>
+          <p:cNvPr id="24" name="Retângulo 7" hidden="1"/>
           <p:cNvSpPr/>
           <p:nvPr/>
         </p:nvSpPr>
@@ -8864,7 +9468,7 @@
           </a:prstGeom>
           <a:ln w="19050">
             <a:solidFill>
-              <a:srgbClr val="ffffff"/>
+              <a:srgbClr val="FFFFFF"/>
             </a:solidFill>
           </a:ln>
         </p:spPr>
@@ -8897,7 +9501,7 @@
           </a:prstGeom>
           <a:ln w="19050">
             <a:solidFill>
-              <a:srgbClr val="ffffff"/>
+              <a:srgbClr val="FFFFFF"/>
             </a:solidFill>
           </a:ln>
         </p:spPr>
@@ -8929,6 +9533,7 @@
             <a:avLst/>
             <a:gdLst/>
             <a:ahLst/>
+            <a:cxnLst/>
             <a:rect l="l" t="t" r="r" b="b"/>
             <a:pathLst>
               <a:path w="426" h="372">
@@ -9082,9 +9687,15 @@
           </a:ln>
         </p:spPr>
         <p:style>
-          <a:lnRef idx="0"/>
-          <a:fillRef idx="0"/>
-          <a:effectRef idx="0"/>
+          <a:lnRef idx="0">
+            <a:scrgbClr r="0" g="0" b="0"/>
+          </a:lnRef>
+          <a:fillRef idx="0">
+            <a:scrgbClr r="0" g="0" b="0"/>
+          </a:fillRef>
+          <a:effectRef idx="0">
+            <a:scrgbClr r="0" g="0" b="0"/>
+          </a:effectRef>
           <a:fontRef idx="minor"/>
         </p:style>
       </p:sp>
@@ -9104,7 +9715,7 @@
           </a:prstGeom>
           <a:ln w="19050">
             <a:solidFill>
-              <a:srgbClr val="ffffff"/>
+              <a:srgbClr val="FFFFFF"/>
             </a:solidFill>
           </a:ln>
         </p:spPr>
@@ -9324,7 +9935,7 @@
           </a:prstGeom>
           <a:ln w="19050">
             <a:solidFill>
-              <a:srgbClr val="ffffff"/>
+              <a:srgbClr val="FFFFFF"/>
             </a:solidFill>
           </a:ln>
         </p:spPr>
@@ -9396,7 +10007,7 @@
           </a:prstGeom>
           <a:ln w="19050">
             <a:solidFill>
-              <a:srgbClr val="ffffff"/>
+              <a:srgbClr val="FFFFFF"/>
             </a:solidFill>
           </a:ln>
         </p:spPr>
@@ -9429,7 +10040,7 @@
           </a:prstGeom>
           <a:ln w="19050">
             <a:solidFill>
-              <a:srgbClr val="ffffff"/>
+              <a:srgbClr val="FFFFFF"/>
             </a:solidFill>
           </a:ln>
         </p:spPr>
@@ -9461,6 +10072,7 @@
             <a:avLst/>
             <a:gdLst/>
             <a:ahLst/>
+            <a:cxnLst/>
             <a:rect l="l" t="t" r="r" b="b"/>
             <a:pathLst>
               <a:path w="426" h="372">
@@ -9611,14 +10223,20 @@
           </a:solidFill>
           <a:ln w="0">
             <a:solidFill>
-              <a:srgbClr val="ffffff"/>
+              <a:srgbClr val="FFFFFF"/>
             </a:solidFill>
           </a:ln>
         </p:spPr>
         <p:style>
-          <a:lnRef idx="0"/>
-          <a:fillRef idx="0"/>
-          <a:effectRef idx="0"/>
+          <a:lnRef idx="0">
+            <a:scrgbClr r="0" g="0" b="0"/>
+          </a:lnRef>
+          <a:fillRef idx="0">
+            <a:scrgbClr r="0" g="0" b="0"/>
+          </a:fillRef>
+          <a:effectRef idx="0">
+            <a:scrgbClr r="0" g="0" b="0"/>
+          </a:effectRef>
           <a:fontRef idx="minor"/>
         </p:style>
       </p:sp>
@@ -9649,6 +10267,7 @@
           <a:bodyPr anchor="b">
             <a:noAutofit/>
           </a:bodyPr>
+          <a:lstStyle/>
           <a:p>
             <a:pPr>
               <a:lnSpc>
@@ -9657,7 +10276,7 @@
               <a:buNone/>
             </a:pPr>
             <a:r>
-              <a:rPr b="0" lang="pt-BR" sz="5400" spc="-1" strike="noStrike">
+              <a:rPr lang="pt-BR" sz="5400" b="0" strike="noStrike" spc="-1">
                 <a:solidFill>
                   <a:srgbClr val="344049"/>
                 </a:solidFill>
@@ -9665,7 +10284,7 @@
               </a:rPr>
               <a:t>Clique para editar o título Mestre</a:t>
             </a:r>
-            <a:endParaRPr b="0" lang="pt-BR" sz="5400" spc="-1" strike="noStrike">
+            <a:endParaRPr lang="pt-BR" sz="5400" b="0" strike="noStrike" spc="-1">
               <a:solidFill>
                 <a:srgbClr val="465562"/>
               </a:solidFill>
@@ -9707,7 +10326,7 @@
                 <a:spcPct val="100000"/>
               </a:lnSpc>
               <a:buNone/>
-              <a:defRPr b="0" lang="pt-BR" sz="1200" spc="-1" strike="noStrike" cap="all">
+              <a:defRPr lang="pt-BR" sz="1200" b="0" strike="noStrike" cap="all" spc="-1">
                 <a:solidFill>
                   <a:srgbClr val="000000"/>
                 </a:solidFill>
@@ -9723,7 +10342,7 @@
               <a:buNone/>
             </a:pPr>
             <a:r>
-              <a:rPr b="0" lang="pt-BR" sz="1200" spc="-1" strike="noStrike" cap="all">
+              <a:rPr lang="pt-BR" sz="1200" b="0" strike="noStrike" cap="all" spc="-1">
                 <a:solidFill>
                   <a:srgbClr val="000000"/>
                 </a:solidFill>
@@ -9731,7 +10350,7 @@
               </a:rPr>
               <a:t>&lt;date/time&gt;</a:t>
             </a:r>
-            <a:endParaRPr b="0" lang="pt-BR" sz="1200" spc="-1" strike="noStrike">
+            <a:endParaRPr lang="pt-BR" sz="1200" b="0" strike="noStrike" spc="-1">
               <a:latin typeface="Times New Roman"/>
             </a:endParaRPr>
           </a:p>
@@ -9770,7 +10389,7 @@
                 <a:spcPct val="100000"/>
               </a:lnSpc>
               <a:buNone/>
-              <a:defRPr b="0" lang="pt-BR" sz="1200" spc="-1" strike="noStrike" cap="all">
+              <a:defRPr lang="pt-BR" sz="1200" b="0" strike="noStrike" cap="all" spc="-1">
                 <a:solidFill>
                   <a:srgbClr val="000000"/>
                 </a:solidFill>
@@ -9786,7 +10405,7 @@
               <a:buNone/>
             </a:pPr>
             <a:r>
-              <a:rPr b="0" lang="pt-BR" sz="1200" spc="-1" strike="noStrike" cap="all">
+              <a:rPr lang="pt-BR" sz="1200" b="0" strike="noStrike" cap="all" spc="-1">
                 <a:solidFill>
                   <a:srgbClr val="000000"/>
                 </a:solidFill>
@@ -9794,7 +10413,7 @@
               </a:rPr>
               <a:t>&lt;footer&gt;</a:t>
             </a:r>
-            <a:endParaRPr b="0" lang="pt-BR" sz="1200" spc="-1" strike="noStrike">
+            <a:endParaRPr lang="pt-BR" sz="1200" b="0" strike="noStrike" spc="-1">
               <a:latin typeface="Times New Roman"/>
             </a:endParaRPr>
           </a:p>
@@ -9833,7 +10452,7 @@
                 <a:spcPct val="100000"/>
               </a:lnSpc>
               <a:buNone/>
-              <a:defRPr b="0" lang="pt-BR" sz="1200" spc="-1" strike="noStrike" cap="all">
+              <a:defRPr lang="pt-BR" sz="1200" b="0" strike="noStrike" cap="all" spc="-1">
                 <a:solidFill>
                   <a:srgbClr val="000000"/>
                 </a:solidFill>
@@ -9849,15 +10468,15 @@
               <a:buNone/>
             </a:pPr>
             <a:fld id="{0E6D867D-3488-49D6-B8AD-21B503B7A0B6}" type="slidenum">
-              <a:rPr b="0" lang="pt-BR" sz="1200" spc="-1" strike="noStrike" cap="all">
+              <a:rPr lang="pt-BR" sz="1200" b="0" strike="noStrike" cap="all" spc="-1">
                 <a:solidFill>
                   <a:srgbClr val="000000"/>
                 </a:solidFill>
                 <a:latin typeface="Euphemia"/>
               </a:rPr>
-              <a:t>&lt;number&gt;</a:t>
+              <a:t>‹#›</a:t>
             </a:fld>
-            <a:endParaRPr b="0" lang="pt-BR" sz="1200" spc="-1" strike="noStrike">
+            <a:endParaRPr lang="pt-BR" sz="1200" b="0" strike="noStrike" spc="-1">
               <a:latin typeface="Times New Roman"/>
             </a:endParaRPr>
           </a:p>
@@ -9887,9 +10506,10 @@
           </a:ln>
         </p:spPr>
         <p:txBody>
-          <a:bodyPr lIns="0" rIns="0" tIns="0" bIns="0" anchor="t">
+          <a:bodyPr lIns="0" tIns="0" rIns="0" bIns="0" anchor="t">
             <a:normAutofit/>
           </a:bodyPr>
+          <a:lstStyle/>
           <a:p>
             <a:pPr marL="432000" indent="-324000">
               <a:lnSpc>
@@ -9906,7 +10526,7 @@
               <a:buChar char=""/>
             </a:pPr>
             <a:r>
-              <a:rPr b="0" lang="pt-BR" sz="2800" spc="-1" strike="noStrike">
+              <a:rPr lang="pt-BR" sz="2800" b="0" strike="noStrike" spc="-1">
                 <a:solidFill>
                   <a:srgbClr val="465562"/>
                 </a:solidFill>
@@ -9914,15 +10534,9 @@
               </a:rPr>
               <a:t>Click to edit the outline text format</a:t>
             </a:r>
-            <a:endParaRPr b="0" lang="pt-BR" sz="2800" spc="-1" strike="noStrike">
-              <a:solidFill>
-                <a:srgbClr val="465562"/>
-              </a:solidFill>
-              <a:latin typeface="Euphemia"/>
-            </a:endParaRPr>
-          </a:p>
-          <a:p>
-            <a:pPr lvl="1" marL="864000" indent="-324000">
+          </a:p>
+          <a:p>
+            <a:pPr marL="864000" lvl="1" indent="-324000">
               <a:lnSpc>
                 <a:spcPct val="90000"/>
               </a:lnSpc>
@@ -9937,7 +10551,7 @@
               <a:buChar char=""/>
             </a:pPr>
             <a:r>
-              <a:rPr b="0" lang="pt-BR" sz="2000" spc="-1" strike="noStrike">
+              <a:rPr lang="pt-BR" sz="2000" b="0" strike="noStrike" spc="-1">
                 <a:solidFill>
                   <a:srgbClr val="465562"/>
                 </a:solidFill>
@@ -9945,15 +10559,9 @@
               </a:rPr>
               <a:t>Second Outline Level</a:t>
             </a:r>
-            <a:endParaRPr b="0" lang="pt-BR" sz="2000" spc="-1" strike="noStrike">
-              <a:solidFill>
-                <a:srgbClr val="465562"/>
-              </a:solidFill>
-              <a:latin typeface="Euphemia"/>
-            </a:endParaRPr>
-          </a:p>
-          <a:p>
-            <a:pPr lvl="2" marL="1296000" indent="-288000">
+          </a:p>
+          <a:p>
+            <a:pPr marL="1296000" lvl="2" indent="-288000">
               <a:lnSpc>
                 <a:spcPct val="90000"/>
               </a:lnSpc>
@@ -9968,7 +10576,7 @@
               <a:buChar char=""/>
             </a:pPr>
             <a:r>
-              <a:rPr b="0" lang="pt-BR" sz="1800" spc="-1" strike="noStrike">
+              <a:rPr lang="pt-BR" sz="1800" b="0" strike="noStrike" spc="-1">
                 <a:solidFill>
                   <a:srgbClr val="465562"/>
                 </a:solidFill>
@@ -9976,15 +10584,9 @@
               </a:rPr>
               <a:t>Third Outline Level</a:t>
             </a:r>
-            <a:endParaRPr b="0" lang="pt-BR" sz="1800" spc="-1" strike="noStrike">
-              <a:solidFill>
-                <a:srgbClr val="465562"/>
-              </a:solidFill>
-              <a:latin typeface="Euphemia"/>
-            </a:endParaRPr>
-          </a:p>
-          <a:p>
-            <a:pPr lvl="3" marL="1728000" indent="-216000">
+          </a:p>
+          <a:p>
+            <a:pPr marL="1728000" lvl="3" indent="-216000">
               <a:lnSpc>
                 <a:spcPct val="90000"/>
               </a:lnSpc>
@@ -9999,7 +10601,7 @@
               <a:buChar char=""/>
             </a:pPr>
             <a:r>
-              <a:rPr b="0" lang="pt-BR" sz="1800" spc="-1" strike="noStrike">
+              <a:rPr lang="pt-BR" sz="1800" b="0" strike="noStrike" spc="-1">
                 <a:solidFill>
                   <a:srgbClr val="465562"/>
                 </a:solidFill>
@@ -10007,15 +10609,9 @@
               </a:rPr>
               <a:t>Fourth Outline Level</a:t>
             </a:r>
-            <a:endParaRPr b="0" lang="pt-BR" sz="1800" spc="-1" strike="noStrike">
-              <a:solidFill>
-                <a:srgbClr val="465562"/>
-              </a:solidFill>
-              <a:latin typeface="Euphemia"/>
-            </a:endParaRPr>
-          </a:p>
-          <a:p>
-            <a:pPr lvl="4" marL="2160000" indent="-216000">
+          </a:p>
+          <a:p>
+            <a:pPr marL="2160000" lvl="4" indent="-216000">
               <a:lnSpc>
                 <a:spcPct val="90000"/>
               </a:lnSpc>
@@ -10030,7 +10626,7 @@
               <a:buChar char=""/>
             </a:pPr>
             <a:r>
-              <a:rPr b="0" lang="pt-BR" sz="2000" spc="-1" strike="noStrike">
+              <a:rPr lang="pt-BR" sz="2000" b="0" strike="noStrike" spc="-1">
                 <a:solidFill>
                   <a:srgbClr val="465562"/>
                 </a:solidFill>
@@ -10038,15 +10634,9 @@
               </a:rPr>
               <a:t>Fifth Outline Level</a:t>
             </a:r>
-            <a:endParaRPr b="0" lang="pt-BR" sz="2000" spc="-1" strike="noStrike">
-              <a:solidFill>
-                <a:srgbClr val="465562"/>
-              </a:solidFill>
-              <a:latin typeface="Euphemia"/>
-            </a:endParaRPr>
-          </a:p>
-          <a:p>
-            <a:pPr lvl="5" marL="2592000" indent="-216000">
+          </a:p>
+          <a:p>
+            <a:pPr marL="2592000" lvl="5" indent="-216000">
               <a:lnSpc>
                 <a:spcPct val="90000"/>
               </a:lnSpc>
@@ -10061,7 +10651,7 @@
               <a:buChar char=""/>
             </a:pPr>
             <a:r>
-              <a:rPr b="0" lang="pt-BR" sz="2000" spc="-1" strike="noStrike">
+              <a:rPr lang="pt-BR" sz="2000" b="0" strike="noStrike" spc="-1">
                 <a:solidFill>
                   <a:srgbClr val="465562"/>
                 </a:solidFill>
@@ -10069,15 +10659,9 @@
               </a:rPr>
               <a:t>Sixth Outline Level</a:t>
             </a:r>
-            <a:endParaRPr b="0" lang="pt-BR" sz="2000" spc="-1" strike="noStrike">
-              <a:solidFill>
-                <a:srgbClr val="465562"/>
-              </a:solidFill>
-              <a:latin typeface="Euphemia"/>
-            </a:endParaRPr>
-          </a:p>
-          <a:p>
-            <a:pPr lvl="6" marL="3024000" indent="-216000">
+          </a:p>
+          <a:p>
+            <a:pPr marL="3024000" lvl="6" indent="-216000">
               <a:lnSpc>
                 <a:spcPct val="90000"/>
               </a:lnSpc>
@@ -10092,7 +10676,7 @@
               <a:buChar char=""/>
             </a:pPr>
             <a:r>
-              <a:rPr b="0" lang="pt-BR" sz="2000" spc="-1" strike="noStrike">
+              <a:rPr lang="pt-BR" sz="2000" b="0" strike="noStrike" spc="-1">
                 <a:solidFill>
                   <a:srgbClr val="465562"/>
                 </a:solidFill>
@@ -10100,43 +10684,318 @@
               </a:rPr>
               <a:t>Seventh Outline Level</a:t>
             </a:r>
-            <a:endParaRPr b="0" lang="pt-BR" sz="2000" spc="-1" strike="noStrike">
-              <a:solidFill>
-                <a:srgbClr val="465562"/>
-              </a:solidFill>
-              <a:latin typeface="Euphemia"/>
-            </a:endParaRPr>
           </a:p>
         </p:txBody>
       </p:sp>
     </p:spTree>
   </p:cSld>
-  <p:clrMap bg1="lt1" bg2="lt2" tx1="dk1" tx2="dk2" accent1="accent1" accent2="accent2" accent3="accent3" accent4="accent4" accent5="accent5" accent6="accent6" hlink="hlink" folHlink="folHlink"/>
+  <p:clrMap bg1="lt1" tx1="dk1" bg2="lt2" tx2="dk2" accent1="accent1" accent2="accent2" accent3="accent3" accent4="accent4" accent5="accent5" accent6="accent6" hlink="hlink" folHlink="folHlink"/>
   <p:sldLayoutIdLst>
-    <p:sldLayoutId id="2147483649" r:id="rId2"/>
-    <p:sldLayoutId id="2147483650" r:id="rId3"/>
-    <p:sldLayoutId id="2147483651" r:id="rId4"/>
-    <p:sldLayoutId id="2147483652" r:id="rId5"/>
-    <p:sldLayoutId id="2147483653" r:id="rId6"/>
-    <p:sldLayoutId id="2147483654" r:id="rId7"/>
-    <p:sldLayoutId id="2147483655" r:id="rId8"/>
-    <p:sldLayoutId id="2147483656" r:id="rId9"/>
-    <p:sldLayoutId id="2147483657" r:id="rId10"/>
-    <p:sldLayoutId id="2147483658" r:id="rId11"/>
-    <p:sldLayoutId id="2147483659" r:id="rId12"/>
-    <p:sldLayoutId id="2147483660" r:id="rId13"/>
+    <p:sldLayoutId id="2147483649" r:id="rId1"/>
+    <p:sldLayoutId id="2147483650" r:id="rId2"/>
+    <p:sldLayoutId id="2147483651" r:id="rId3"/>
+    <p:sldLayoutId id="2147483652" r:id="rId4"/>
+    <p:sldLayoutId id="2147483653" r:id="rId5"/>
+    <p:sldLayoutId id="2147483654" r:id="rId6"/>
+    <p:sldLayoutId id="2147483655" r:id="rId7"/>
+    <p:sldLayoutId id="2147483656" r:id="rId8"/>
+    <p:sldLayoutId id="2147483657" r:id="rId9"/>
+    <p:sldLayoutId id="2147483658" r:id="rId10"/>
+    <p:sldLayoutId id="2147483659" r:id="rId11"/>
+    <p:sldLayoutId id="2147483660" r:id="rId12"/>
   </p:sldLayoutIdLst>
+  <p:txStyles>
+    <p:titleStyle>
+      <a:lvl1pPr algn="l" defTabSz="914400" rtl="0" eaLnBrk="1" latinLnBrk="0" hangingPunct="1">
+        <a:lnSpc>
+          <a:spcPct val="90000"/>
+        </a:lnSpc>
+        <a:spcBef>
+          <a:spcPct val="0"/>
+        </a:spcBef>
+        <a:buNone/>
+        <a:defRPr sz="4400" kern="1200">
+          <a:solidFill>
+            <a:schemeClr val="tx1"/>
+          </a:solidFill>
+          <a:latin typeface="+mj-lt"/>
+          <a:ea typeface="+mj-ea"/>
+          <a:cs typeface="+mj-cs"/>
+        </a:defRPr>
+      </a:lvl1pPr>
+    </p:titleStyle>
+    <p:bodyStyle>
+      <a:lvl1pPr marL="228600" indent="-228600" algn="l" defTabSz="914400" rtl="0" eaLnBrk="1" latinLnBrk="0" hangingPunct="1">
+        <a:lnSpc>
+          <a:spcPct val="90000"/>
+        </a:lnSpc>
+        <a:spcBef>
+          <a:spcPts val="1000"/>
+        </a:spcBef>
+        <a:buFont typeface="Arial" panose="020B0604020202020204" pitchFamily="34" charset="0"/>
+        <a:buChar char="•"/>
+        <a:defRPr sz="2800" kern="1200">
+          <a:solidFill>
+            <a:schemeClr val="tx1"/>
+          </a:solidFill>
+          <a:latin typeface="+mn-lt"/>
+          <a:ea typeface="+mn-ea"/>
+          <a:cs typeface="+mn-cs"/>
+        </a:defRPr>
+      </a:lvl1pPr>
+      <a:lvl2pPr marL="685800" indent="-228600" algn="l" defTabSz="914400" rtl="0" eaLnBrk="1" latinLnBrk="0" hangingPunct="1">
+        <a:lnSpc>
+          <a:spcPct val="90000"/>
+        </a:lnSpc>
+        <a:spcBef>
+          <a:spcPts val="500"/>
+        </a:spcBef>
+        <a:buFont typeface="Arial" panose="020B0604020202020204" pitchFamily="34" charset="0"/>
+        <a:buChar char="•"/>
+        <a:defRPr sz="2400" kern="1200">
+          <a:solidFill>
+            <a:schemeClr val="tx1"/>
+          </a:solidFill>
+          <a:latin typeface="+mn-lt"/>
+          <a:ea typeface="+mn-ea"/>
+          <a:cs typeface="+mn-cs"/>
+        </a:defRPr>
+      </a:lvl2pPr>
+      <a:lvl3pPr marL="1143000" indent="-228600" algn="l" defTabSz="914400" rtl="0" eaLnBrk="1" latinLnBrk="0" hangingPunct="1">
+        <a:lnSpc>
+          <a:spcPct val="90000"/>
+        </a:lnSpc>
+        <a:spcBef>
+          <a:spcPts val="500"/>
+        </a:spcBef>
+        <a:buFont typeface="Arial" panose="020B0604020202020204" pitchFamily="34" charset="0"/>
+        <a:buChar char="•"/>
+        <a:defRPr sz="2000" kern="1200">
+          <a:solidFill>
+            <a:schemeClr val="tx1"/>
+          </a:solidFill>
+          <a:latin typeface="+mn-lt"/>
+          <a:ea typeface="+mn-ea"/>
+          <a:cs typeface="+mn-cs"/>
+        </a:defRPr>
+      </a:lvl3pPr>
+      <a:lvl4pPr marL="1600200" indent="-228600" algn="l" defTabSz="914400" rtl="0" eaLnBrk="1" latinLnBrk="0" hangingPunct="1">
+        <a:lnSpc>
+          <a:spcPct val="90000"/>
+        </a:lnSpc>
+        <a:spcBef>
+          <a:spcPts val="500"/>
+        </a:spcBef>
+        <a:buFont typeface="Arial" panose="020B0604020202020204" pitchFamily="34" charset="0"/>
+        <a:buChar char="•"/>
+        <a:defRPr sz="1800" kern="1200">
+          <a:solidFill>
+            <a:schemeClr val="tx1"/>
+          </a:solidFill>
+          <a:latin typeface="+mn-lt"/>
+          <a:ea typeface="+mn-ea"/>
+          <a:cs typeface="+mn-cs"/>
+        </a:defRPr>
+      </a:lvl4pPr>
+      <a:lvl5pPr marL="2057400" indent="-228600" algn="l" defTabSz="914400" rtl="0" eaLnBrk="1" latinLnBrk="0" hangingPunct="1">
+        <a:lnSpc>
+          <a:spcPct val="90000"/>
+        </a:lnSpc>
+        <a:spcBef>
+          <a:spcPts val="500"/>
+        </a:spcBef>
+        <a:buFont typeface="Arial" panose="020B0604020202020204" pitchFamily="34" charset="0"/>
+        <a:buChar char="•"/>
+        <a:defRPr sz="1800" kern="1200">
+          <a:solidFill>
+            <a:schemeClr val="tx1"/>
+          </a:solidFill>
+          <a:latin typeface="+mn-lt"/>
+          <a:ea typeface="+mn-ea"/>
+          <a:cs typeface="+mn-cs"/>
+        </a:defRPr>
+      </a:lvl5pPr>
+      <a:lvl6pPr marL="2514600" indent="-228600" algn="l" defTabSz="914400" rtl="0" eaLnBrk="1" latinLnBrk="0" hangingPunct="1">
+        <a:lnSpc>
+          <a:spcPct val="90000"/>
+        </a:lnSpc>
+        <a:spcBef>
+          <a:spcPts val="500"/>
+        </a:spcBef>
+        <a:buFont typeface="Arial" panose="020B0604020202020204" pitchFamily="34" charset="0"/>
+        <a:buChar char="•"/>
+        <a:defRPr sz="1800" kern="1200">
+          <a:solidFill>
+            <a:schemeClr val="tx1"/>
+          </a:solidFill>
+          <a:latin typeface="+mn-lt"/>
+          <a:ea typeface="+mn-ea"/>
+          <a:cs typeface="+mn-cs"/>
+        </a:defRPr>
+      </a:lvl6pPr>
+      <a:lvl7pPr marL="2971800" indent="-228600" algn="l" defTabSz="914400" rtl="0" eaLnBrk="1" latinLnBrk="0" hangingPunct="1">
+        <a:lnSpc>
+          <a:spcPct val="90000"/>
+        </a:lnSpc>
+        <a:spcBef>
+          <a:spcPts val="500"/>
+        </a:spcBef>
+        <a:buFont typeface="Arial" panose="020B0604020202020204" pitchFamily="34" charset="0"/>
+        <a:buChar char="•"/>
+        <a:defRPr sz="1800" kern="1200">
+          <a:solidFill>
+            <a:schemeClr val="tx1"/>
+          </a:solidFill>
+          <a:latin typeface="+mn-lt"/>
+          <a:ea typeface="+mn-ea"/>
+          <a:cs typeface="+mn-cs"/>
+        </a:defRPr>
+      </a:lvl7pPr>
+      <a:lvl8pPr marL="3429000" indent="-228600" algn="l" defTabSz="914400" rtl="0" eaLnBrk="1" latinLnBrk="0" hangingPunct="1">
+        <a:lnSpc>
+          <a:spcPct val="90000"/>
+        </a:lnSpc>
+        <a:spcBef>
+          <a:spcPts val="500"/>
+        </a:spcBef>
+        <a:buFont typeface="Arial" panose="020B0604020202020204" pitchFamily="34" charset="0"/>
+        <a:buChar char="•"/>
+        <a:defRPr sz="1800" kern="1200">
+          <a:solidFill>
+            <a:schemeClr val="tx1"/>
+          </a:solidFill>
+          <a:latin typeface="+mn-lt"/>
+          <a:ea typeface="+mn-ea"/>
+          <a:cs typeface="+mn-cs"/>
+        </a:defRPr>
+      </a:lvl8pPr>
+      <a:lvl9pPr marL="3886200" indent="-228600" algn="l" defTabSz="914400" rtl="0" eaLnBrk="1" latinLnBrk="0" hangingPunct="1">
+        <a:lnSpc>
+          <a:spcPct val="90000"/>
+        </a:lnSpc>
+        <a:spcBef>
+          <a:spcPts val="500"/>
+        </a:spcBef>
+        <a:buFont typeface="Arial" panose="020B0604020202020204" pitchFamily="34" charset="0"/>
+        <a:buChar char="•"/>
+        <a:defRPr sz="1800" kern="1200">
+          <a:solidFill>
+            <a:schemeClr val="tx1"/>
+          </a:solidFill>
+          <a:latin typeface="+mn-lt"/>
+          <a:ea typeface="+mn-ea"/>
+          <a:cs typeface="+mn-cs"/>
+        </a:defRPr>
+      </a:lvl9pPr>
+    </p:bodyStyle>
+    <p:otherStyle>
+      <a:defPPr>
+        <a:defRPr lang="pt-BR"/>
+      </a:defPPr>
+      <a:lvl1pPr marL="0" algn="l" defTabSz="914400" rtl="0" eaLnBrk="1" latinLnBrk="0" hangingPunct="1">
+        <a:defRPr sz="1800" kern="1200">
+          <a:solidFill>
+            <a:schemeClr val="tx1"/>
+          </a:solidFill>
+          <a:latin typeface="+mn-lt"/>
+          <a:ea typeface="+mn-ea"/>
+          <a:cs typeface="+mn-cs"/>
+        </a:defRPr>
+      </a:lvl1pPr>
+      <a:lvl2pPr marL="457200" algn="l" defTabSz="914400" rtl="0" eaLnBrk="1" latinLnBrk="0" hangingPunct="1">
+        <a:defRPr sz="1800" kern="1200">
+          <a:solidFill>
+            <a:schemeClr val="tx1"/>
+          </a:solidFill>
+          <a:latin typeface="+mn-lt"/>
+          <a:ea typeface="+mn-ea"/>
+          <a:cs typeface="+mn-cs"/>
+        </a:defRPr>
+      </a:lvl2pPr>
+      <a:lvl3pPr marL="914400" algn="l" defTabSz="914400" rtl="0" eaLnBrk="1" latinLnBrk="0" hangingPunct="1">
+        <a:defRPr sz="1800" kern="1200">
+          <a:solidFill>
+            <a:schemeClr val="tx1"/>
+          </a:solidFill>
+          <a:latin typeface="+mn-lt"/>
+          <a:ea typeface="+mn-ea"/>
+          <a:cs typeface="+mn-cs"/>
+        </a:defRPr>
+      </a:lvl3pPr>
+      <a:lvl4pPr marL="1371600" algn="l" defTabSz="914400" rtl="0" eaLnBrk="1" latinLnBrk="0" hangingPunct="1">
+        <a:defRPr sz="1800" kern="1200">
+          <a:solidFill>
+            <a:schemeClr val="tx1"/>
+          </a:solidFill>
+          <a:latin typeface="+mn-lt"/>
+          <a:ea typeface="+mn-ea"/>
+          <a:cs typeface="+mn-cs"/>
+        </a:defRPr>
+      </a:lvl4pPr>
+      <a:lvl5pPr marL="1828800" algn="l" defTabSz="914400" rtl="0" eaLnBrk="1" latinLnBrk="0" hangingPunct="1">
+        <a:defRPr sz="1800" kern="1200">
+          <a:solidFill>
+            <a:schemeClr val="tx1"/>
+          </a:solidFill>
+          <a:latin typeface="+mn-lt"/>
+          <a:ea typeface="+mn-ea"/>
+          <a:cs typeface="+mn-cs"/>
+        </a:defRPr>
+      </a:lvl5pPr>
+      <a:lvl6pPr marL="2286000" algn="l" defTabSz="914400" rtl="0" eaLnBrk="1" latinLnBrk="0" hangingPunct="1">
+        <a:defRPr sz="1800" kern="1200">
+          <a:solidFill>
+            <a:schemeClr val="tx1"/>
+          </a:solidFill>
+          <a:latin typeface="+mn-lt"/>
+          <a:ea typeface="+mn-ea"/>
+          <a:cs typeface="+mn-cs"/>
+        </a:defRPr>
+      </a:lvl6pPr>
+      <a:lvl7pPr marL="2743200" algn="l" defTabSz="914400" rtl="0" eaLnBrk="1" latinLnBrk="0" hangingPunct="1">
+        <a:defRPr sz="1800" kern="1200">
+          <a:solidFill>
+            <a:schemeClr val="tx1"/>
+          </a:solidFill>
+          <a:latin typeface="+mn-lt"/>
+          <a:ea typeface="+mn-ea"/>
+          <a:cs typeface="+mn-cs"/>
+        </a:defRPr>
+      </a:lvl7pPr>
+      <a:lvl8pPr marL="3200400" algn="l" defTabSz="914400" rtl="0" eaLnBrk="1" latinLnBrk="0" hangingPunct="1">
+        <a:defRPr sz="1800" kern="1200">
+          <a:solidFill>
+            <a:schemeClr val="tx1"/>
+          </a:solidFill>
+          <a:latin typeface="+mn-lt"/>
+          <a:ea typeface="+mn-ea"/>
+          <a:cs typeface="+mn-cs"/>
+        </a:defRPr>
+      </a:lvl8pPr>
+      <a:lvl9pPr marL="3657600" algn="l" defTabSz="914400" rtl="0" eaLnBrk="1" latinLnBrk="0" hangingPunct="1">
+        <a:defRPr sz="1800" kern="1200">
+          <a:solidFill>
+            <a:schemeClr val="tx1"/>
+          </a:solidFill>
+          <a:latin typeface="+mn-lt"/>
+          <a:ea typeface="+mn-ea"/>
+          <a:cs typeface="+mn-cs"/>
+        </a:defRPr>
+      </a:lvl9pPr>
+    </p:otherStyle>
+  </p:txStyles>
 </p:sldMaster>
 </file>
 
 <file path=ppt/slideMasters/slideMaster2.xml><?xml version="1.0" encoding="utf-8"?>
-<p:sldMaster xmlns:a="http://schemas.openxmlformats.org/drawingml/2006/main" xmlns:p="http://schemas.openxmlformats.org/presentationml/2006/main" xmlns:r="http://schemas.openxmlformats.org/officeDocument/2006/relationships" xmlns:p14="http://schemas.microsoft.com/office/powerpoint/2010/main" xmlns:p15="http://schemas.microsoft.com/office/powerpoint/2012/main" xmlns:mc="http://schemas.openxmlformats.org/markup-compatibility/2006">
+<p:sldMaster xmlns:a="http://schemas.openxmlformats.org/drawingml/2006/main" xmlns:r="http://schemas.openxmlformats.org/officeDocument/2006/relationships" xmlns:p="http://schemas.openxmlformats.org/presentationml/2006/main">
   <p:cSld>
     <p:bg>
       <p:bgPr>
         <a:solidFill>
-          <a:srgbClr val="ffffff"/>
+          <a:srgbClr val="FFFFFF"/>
         </a:solidFill>
+        <a:effectLst/>
       </p:bgPr>
     </p:bg>
     <p:spTree>
@@ -10322,7 +11181,7 @@
           </a:prstGeom>
           <a:ln w="19050">
             <a:solidFill>
-              <a:srgbClr val="ffffff"/>
+              <a:srgbClr val="FFFFFF"/>
             </a:solidFill>
           </a:ln>
         </p:spPr>
@@ -10355,7 +11214,7 @@
           </a:prstGeom>
           <a:ln w="19050">
             <a:solidFill>
-              <a:srgbClr val="ffffff"/>
+              <a:srgbClr val="FFFFFF"/>
             </a:solidFill>
           </a:ln>
         </p:spPr>
@@ -10387,6 +11246,7 @@
             <a:avLst/>
             <a:gdLst/>
             <a:ahLst/>
+            <a:cxnLst/>
             <a:rect l="l" t="t" r="r" b="b"/>
             <a:pathLst>
               <a:path w="426" h="372">
@@ -10540,9 +11400,15 @@
           </a:ln>
         </p:spPr>
         <p:style>
-          <a:lnRef idx="0"/>
-          <a:fillRef idx="0"/>
-          <a:effectRef idx="0"/>
+          <a:lnRef idx="0">
+            <a:scrgbClr r="0" g="0" b="0"/>
+          </a:lnRef>
+          <a:fillRef idx="0">
+            <a:scrgbClr r="0" g="0" b="0"/>
+          </a:fillRef>
+          <a:effectRef idx="0">
+            <a:scrgbClr r="0" g="0" b="0"/>
+          </a:effectRef>
           <a:fontRef idx="minor"/>
         </p:style>
       </p:sp>
@@ -10562,7 +11428,7 @@
           </a:prstGeom>
           <a:ln w="19050">
             <a:solidFill>
-              <a:srgbClr val="ffffff"/>
+              <a:srgbClr val="FFFFFF"/>
             </a:solidFill>
           </a:ln>
         </p:spPr>
@@ -10606,6 +11472,7 @@
           <a:bodyPr anchor="b">
             <a:noAutofit/>
           </a:bodyPr>
+          <a:lstStyle/>
           <a:p>
             <a:pPr>
               <a:lnSpc>
@@ -10614,7 +11481,7 @@
               <a:buNone/>
             </a:pPr>
             <a:r>
-              <a:rPr b="0" lang="pt-BR" sz="3600" spc="-1" strike="noStrike">
+              <a:rPr lang="pt-BR" sz="3600" b="0" strike="noStrike" spc="-1">
                 <a:solidFill>
                   <a:srgbClr val="344049"/>
                 </a:solidFill>
@@ -10622,7 +11489,7 @@
               </a:rPr>
               <a:t>Clique para editar o título Mestre</a:t>
             </a:r>
-            <a:endParaRPr b="0" lang="pt-BR" sz="3600" spc="-1" strike="noStrike">
+            <a:endParaRPr lang="pt-BR" sz="3600" b="0" strike="noStrike" spc="-1">
               <a:solidFill>
                 <a:srgbClr val="465562"/>
               </a:solidFill>
@@ -10658,6 +11525,7 @@
           <a:bodyPr anchor="t">
             <a:noAutofit/>
           </a:bodyPr>
+          <a:lstStyle/>
           <a:p>
             <a:pPr marL="246960" indent="-246960">
               <a:lnSpc>
@@ -10673,7 +11541,7 @@
               <a:buChar char="›"/>
             </a:pPr>
             <a:r>
-              <a:rPr b="0" lang="pt-BR" sz="2800" spc="-1" strike="noStrike">
+              <a:rPr lang="pt-BR" sz="2800" b="0" strike="noStrike" spc="-1">
                 <a:solidFill>
                   <a:srgbClr val="465562"/>
                 </a:solidFill>
@@ -10681,15 +11549,9 @@
               </a:rPr>
               <a:t>Clique para editar os estilos de texto Mestres</a:t>
             </a:r>
-            <a:endParaRPr b="0" lang="pt-BR" sz="2800" spc="-1" strike="noStrike">
-              <a:solidFill>
-                <a:srgbClr val="465562"/>
-              </a:solidFill>
-              <a:latin typeface="Euphemia"/>
-            </a:endParaRPr>
-          </a:p>
-          <a:p>
-            <a:pPr lvl="1" marL="612720" indent="-246960">
+          </a:p>
+          <a:p>
+            <a:pPr marL="612720" lvl="1" indent="-246960">
               <a:lnSpc>
                 <a:spcPct val="90000"/>
               </a:lnSpc>
@@ -10703,7 +11565,7 @@
               <a:buChar char="–"/>
             </a:pPr>
             <a:r>
-              <a:rPr b="0" lang="pt-BR" sz="2400" spc="-1" strike="noStrike">
+              <a:rPr lang="pt-BR" sz="2400" b="0" strike="noStrike" spc="-1">
                 <a:solidFill>
                   <a:srgbClr val="465562"/>
                 </a:solidFill>
@@ -10711,15 +11573,9 @@
               </a:rPr>
               <a:t>Segundo nível</a:t>
             </a:r>
-            <a:endParaRPr b="0" lang="pt-BR" sz="2400" spc="-1" strike="noStrike">
-              <a:solidFill>
-                <a:srgbClr val="465562"/>
-              </a:solidFill>
-              <a:latin typeface="Euphemia"/>
-            </a:endParaRPr>
-          </a:p>
-          <a:p>
-            <a:pPr lvl="2" marL="978480" indent="-246960">
+          </a:p>
+          <a:p>
+            <a:pPr marL="978480" lvl="2" indent="-246960">
               <a:lnSpc>
                 <a:spcPct val="90000"/>
               </a:lnSpc>
@@ -10733,7 +11589,7 @@
               <a:buChar char="›"/>
             </a:pPr>
             <a:r>
-              <a:rPr b="0" lang="pt-BR" sz="2000" spc="-1" strike="noStrike">
+              <a:rPr lang="pt-BR" sz="2000" b="0" strike="noStrike" spc="-1">
                 <a:solidFill>
                   <a:srgbClr val="465562"/>
                 </a:solidFill>
@@ -10741,15 +11597,9 @@
               </a:rPr>
               <a:t>Terceiro nível</a:t>
             </a:r>
-            <a:endParaRPr b="0" lang="pt-BR" sz="2000" spc="-1" strike="noStrike">
-              <a:solidFill>
-                <a:srgbClr val="465562"/>
-              </a:solidFill>
-              <a:latin typeface="Euphemia"/>
-            </a:endParaRPr>
-          </a:p>
-          <a:p>
-            <a:pPr lvl="3" marL="1344240" indent="-246960">
+          </a:p>
+          <a:p>
+            <a:pPr marL="1344240" lvl="3" indent="-246960">
               <a:lnSpc>
                 <a:spcPct val="90000"/>
               </a:lnSpc>
@@ -10763,7 +11613,7 @@
               <a:buChar char="–"/>
             </a:pPr>
             <a:r>
-              <a:rPr b="0" lang="pt-BR" sz="1800" spc="-1" strike="noStrike">
+              <a:rPr lang="pt-BR" sz="1800" b="0" strike="noStrike" spc="-1">
                 <a:solidFill>
                   <a:srgbClr val="465562"/>
                 </a:solidFill>
@@ -10771,15 +11621,9 @@
               </a:rPr>
               <a:t>Quarto nível</a:t>
             </a:r>
-            <a:endParaRPr b="0" lang="pt-BR" sz="1800" spc="-1" strike="noStrike">
-              <a:solidFill>
-                <a:srgbClr val="465562"/>
-              </a:solidFill>
-              <a:latin typeface="Euphemia"/>
-            </a:endParaRPr>
-          </a:p>
-          <a:p>
-            <a:pPr lvl="4" marL="1710000" indent="-246960">
+          </a:p>
+          <a:p>
+            <a:pPr marL="1710000" lvl="4" indent="-246960">
               <a:lnSpc>
                 <a:spcPct val="90000"/>
               </a:lnSpc>
@@ -10793,7 +11637,7 @@
               <a:buChar char="›"/>
             </a:pPr>
             <a:r>
-              <a:rPr b="0" lang="pt-BR" sz="1800" spc="-1" strike="noStrike">
+              <a:rPr lang="pt-BR" sz="1800" b="0" strike="noStrike" spc="-1">
                 <a:solidFill>
                   <a:srgbClr val="465562"/>
                 </a:solidFill>
@@ -10801,12 +11645,6 @@
               </a:rPr>
               <a:t>Quinto nível</a:t>
             </a:r>
-            <a:endParaRPr b="0" lang="pt-BR" sz="1800" spc="-1" strike="noStrike">
-              <a:solidFill>
-                <a:srgbClr val="465562"/>
-              </a:solidFill>
-              <a:latin typeface="Euphemia"/>
-            </a:endParaRPr>
           </a:p>
         </p:txBody>
       </p:sp>
@@ -10843,7 +11681,7 @@
                 <a:spcPct val="100000"/>
               </a:lnSpc>
               <a:buNone/>
-              <a:defRPr b="0" lang="pt-BR" sz="1200" spc="-1" strike="noStrike" cap="all">
+              <a:defRPr lang="pt-BR" sz="1200" b="0" strike="noStrike" cap="all" spc="-1">
                 <a:solidFill>
                   <a:srgbClr val="465562"/>
                 </a:solidFill>
@@ -10859,7 +11697,7 @@
               <a:buNone/>
             </a:pPr>
             <a:r>
-              <a:rPr b="0" lang="pt-BR" sz="1200" spc="-1" strike="noStrike" cap="all">
+              <a:rPr lang="pt-BR" sz="1200" b="0" strike="noStrike" cap="all" spc="-1">
                 <a:solidFill>
                   <a:srgbClr val="465562"/>
                 </a:solidFill>
@@ -10867,7 +11705,7 @@
               </a:rPr>
               <a:t>&lt;date/time&gt;</a:t>
             </a:r>
-            <a:endParaRPr b="0" lang="pt-BR" sz="1200" spc="-1" strike="noStrike">
+            <a:endParaRPr lang="pt-BR" sz="1200" b="0" strike="noStrike" spc="-1">
               <a:latin typeface="Times New Roman"/>
             </a:endParaRPr>
           </a:p>
@@ -10906,7 +11744,7 @@
                 <a:spcPct val="100000"/>
               </a:lnSpc>
               <a:buNone/>
-              <a:defRPr b="0" lang="pt-BR" sz="1200" spc="-1" strike="noStrike" cap="all">
+              <a:defRPr lang="pt-BR" sz="1200" b="0" strike="noStrike" cap="all" spc="-1">
                 <a:solidFill>
                   <a:srgbClr val="465562"/>
                 </a:solidFill>
@@ -10922,7 +11760,7 @@
               <a:buNone/>
             </a:pPr>
             <a:r>
-              <a:rPr b="0" lang="pt-BR" sz="1200" spc="-1" strike="noStrike" cap="all">
+              <a:rPr lang="pt-BR" sz="1200" b="0" strike="noStrike" cap="all" spc="-1">
                 <a:solidFill>
                   <a:srgbClr val="465562"/>
                 </a:solidFill>
@@ -10930,7 +11768,7 @@
               </a:rPr>
               <a:t>&lt;footer&gt;</a:t>
             </a:r>
-            <a:endParaRPr b="0" lang="pt-BR" sz="1200" spc="-1" strike="noStrike">
+            <a:endParaRPr lang="pt-BR" sz="1200" b="0" strike="noStrike" spc="-1">
               <a:latin typeface="Times New Roman"/>
             </a:endParaRPr>
           </a:p>
@@ -10969,7 +11807,7 @@
                 <a:spcPct val="100000"/>
               </a:lnSpc>
               <a:buNone/>
-              <a:defRPr b="0" lang="pt-BR" sz="1200" spc="-1" strike="noStrike" cap="all">
+              <a:defRPr lang="pt-BR" sz="1200" b="0" strike="noStrike" cap="all" spc="-1">
                 <a:solidFill>
                   <a:srgbClr val="465562"/>
                 </a:solidFill>
@@ -10985,15 +11823,15 @@
               <a:buNone/>
             </a:pPr>
             <a:fld id="{307C3D7C-70E8-411F-AD8D-247ACCB16E06}" type="slidenum">
-              <a:rPr b="0" lang="pt-BR" sz="1200" spc="-1" strike="noStrike" cap="all">
+              <a:rPr lang="pt-BR" sz="1200" b="0" strike="noStrike" cap="all" spc="-1">
                 <a:solidFill>
                   <a:srgbClr val="465562"/>
                 </a:solidFill>
                 <a:latin typeface="Euphemia"/>
               </a:rPr>
-              <a:t>&lt;number&gt;</a:t>
+              <a:t>‹#›</a:t>
             </a:fld>
-            <a:endParaRPr b="0" lang="pt-BR" sz="1200" spc="-1" strike="noStrike">
+            <a:endParaRPr lang="pt-BR" sz="1200" b="0" strike="noStrike" spc="-1">
               <a:latin typeface="Times New Roman"/>
             </a:endParaRPr>
           </a:p>
@@ -11001,32 +11839,313 @@
       </p:sp>
     </p:spTree>
   </p:cSld>
-  <p:clrMap bg1="lt1" bg2="lt2" tx1="dk1" tx2="dk2" accent1="accent1" accent2="accent2" accent3="accent3" accent4="accent4" accent5="accent5" accent6="accent6" hlink="hlink" folHlink="folHlink"/>
+  <p:clrMap bg1="lt1" tx1="dk1" bg2="lt2" tx2="dk2" accent1="accent1" accent2="accent2" accent3="accent3" accent4="accent4" accent5="accent5" accent6="accent6" hlink="hlink" folHlink="folHlink"/>
   <p:sldLayoutIdLst>
-    <p:sldLayoutId id="2147483662" r:id="rId2"/>
-    <p:sldLayoutId id="2147483663" r:id="rId3"/>
-    <p:sldLayoutId id="2147483664" r:id="rId4"/>
-    <p:sldLayoutId id="2147483665" r:id="rId5"/>
-    <p:sldLayoutId id="2147483666" r:id="rId6"/>
-    <p:sldLayoutId id="2147483667" r:id="rId7"/>
-    <p:sldLayoutId id="2147483668" r:id="rId8"/>
-    <p:sldLayoutId id="2147483669" r:id="rId9"/>
-    <p:sldLayoutId id="2147483670" r:id="rId10"/>
-    <p:sldLayoutId id="2147483671" r:id="rId11"/>
-    <p:sldLayoutId id="2147483672" r:id="rId12"/>
-    <p:sldLayoutId id="2147483673" r:id="rId13"/>
+    <p:sldLayoutId id="2147483662" r:id="rId1"/>
+    <p:sldLayoutId id="2147483663" r:id="rId2"/>
+    <p:sldLayoutId id="2147483664" r:id="rId3"/>
+    <p:sldLayoutId id="2147483665" r:id="rId4"/>
+    <p:sldLayoutId id="2147483666" r:id="rId5"/>
+    <p:sldLayoutId id="2147483667" r:id="rId6"/>
+    <p:sldLayoutId id="2147483668" r:id="rId7"/>
+    <p:sldLayoutId id="2147483669" r:id="rId8"/>
+    <p:sldLayoutId id="2147483670" r:id="rId9"/>
+    <p:sldLayoutId id="2147483671" r:id="rId10"/>
+    <p:sldLayoutId id="2147483672" r:id="rId11"/>
+    <p:sldLayoutId id="2147483673" r:id="rId12"/>
   </p:sldLayoutIdLst>
+  <p:txStyles>
+    <p:titleStyle>
+      <a:lvl1pPr algn="l" defTabSz="914400" rtl="0" eaLnBrk="1" latinLnBrk="0" hangingPunct="1">
+        <a:lnSpc>
+          <a:spcPct val="90000"/>
+        </a:lnSpc>
+        <a:spcBef>
+          <a:spcPct val="0"/>
+        </a:spcBef>
+        <a:buNone/>
+        <a:defRPr sz="4400" kern="1200">
+          <a:solidFill>
+            <a:schemeClr val="tx1"/>
+          </a:solidFill>
+          <a:latin typeface="+mj-lt"/>
+          <a:ea typeface="+mj-ea"/>
+          <a:cs typeface="+mj-cs"/>
+        </a:defRPr>
+      </a:lvl1pPr>
+    </p:titleStyle>
+    <p:bodyStyle>
+      <a:lvl1pPr marL="228600" indent="-228600" algn="l" defTabSz="914400" rtl="0" eaLnBrk="1" latinLnBrk="0" hangingPunct="1">
+        <a:lnSpc>
+          <a:spcPct val="90000"/>
+        </a:lnSpc>
+        <a:spcBef>
+          <a:spcPts val="1000"/>
+        </a:spcBef>
+        <a:buFont typeface="Arial" panose="020B0604020202020204" pitchFamily="34" charset="0"/>
+        <a:buChar char="•"/>
+        <a:defRPr sz="2800" kern="1200">
+          <a:solidFill>
+            <a:schemeClr val="tx1"/>
+          </a:solidFill>
+          <a:latin typeface="+mn-lt"/>
+          <a:ea typeface="+mn-ea"/>
+          <a:cs typeface="+mn-cs"/>
+        </a:defRPr>
+      </a:lvl1pPr>
+      <a:lvl2pPr marL="685800" indent="-228600" algn="l" defTabSz="914400" rtl="0" eaLnBrk="1" latinLnBrk="0" hangingPunct="1">
+        <a:lnSpc>
+          <a:spcPct val="90000"/>
+        </a:lnSpc>
+        <a:spcBef>
+          <a:spcPts val="500"/>
+        </a:spcBef>
+        <a:buFont typeface="Arial" panose="020B0604020202020204" pitchFamily="34" charset="0"/>
+        <a:buChar char="•"/>
+        <a:defRPr sz="2400" kern="1200">
+          <a:solidFill>
+            <a:schemeClr val="tx1"/>
+          </a:solidFill>
+          <a:latin typeface="+mn-lt"/>
+          <a:ea typeface="+mn-ea"/>
+          <a:cs typeface="+mn-cs"/>
+        </a:defRPr>
+      </a:lvl2pPr>
+      <a:lvl3pPr marL="1143000" indent="-228600" algn="l" defTabSz="914400" rtl="0" eaLnBrk="1" latinLnBrk="0" hangingPunct="1">
+        <a:lnSpc>
+          <a:spcPct val="90000"/>
+        </a:lnSpc>
+        <a:spcBef>
+          <a:spcPts val="500"/>
+        </a:spcBef>
+        <a:buFont typeface="Arial" panose="020B0604020202020204" pitchFamily="34" charset="0"/>
+        <a:buChar char="•"/>
+        <a:defRPr sz="2000" kern="1200">
+          <a:solidFill>
+            <a:schemeClr val="tx1"/>
+          </a:solidFill>
+          <a:latin typeface="+mn-lt"/>
+          <a:ea typeface="+mn-ea"/>
+          <a:cs typeface="+mn-cs"/>
+        </a:defRPr>
+      </a:lvl3pPr>
+      <a:lvl4pPr marL="1600200" indent="-228600" algn="l" defTabSz="914400" rtl="0" eaLnBrk="1" latinLnBrk="0" hangingPunct="1">
+        <a:lnSpc>
+          <a:spcPct val="90000"/>
+        </a:lnSpc>
+        <a:spcBef>
+          <a:spcPts val="500"/>
+        </a:spcBef>
+        <a:buFont typeface="Arial" panose="020B0604020202020204" pitchFamily="34" charset="0"/>
+        <a:buChar char="•"/>
+        <a:defRPr sz="1800" kern="1200">
+          <a:solidFill>
+            <a:schemeClr val="tx1"/>
+          </a:solidFill>
+          <a:latin typeface="+mn-lt"/>
+          <a:ea typeface="+mn-ea"/>
+          <a:cs typeface="+mn-cs"/>
+        </a:defRPr>
+      </a:lvl4pPr>
+      <a:lvl5pPr marL="2057400" indent="-228600" algn="l" defTabSz="914400" rtl="0" eaLnBrk="1" latinLnBrk="0" hangingPunct="1">
+        <a:lnSpc>
+          <a:spcPct val="90000"/>
+        </a:lnSpc>
+        <a:spcBef>
+          <a:spcPts val="500"/>
+        </a:spcBef>
+        <a:buFont typeface="Arial" panose="020B0604020202020204" pitchFamily="34" charset="0"/>
+        <a:buChar char="•"/>
+        <a:defRPr sz="1800" kern="1200">
+          <a:solidFill>
+            <a:schemeClr val="tx1"/>
+          </a:solidFill>
+          <a:latin typeface="+mn-lt"/>
+          <a:ea typeface="+mn-ea"/>
+          <a:cs typeface="+mn-cs"/>
+        </a:defRPr>
+      </a:lvl5pPr>
+      <a:lvl6pPr marL="2514600" indent="-228600" algn="l" defTabSz="914400" rtl="0" eaLnBrk="1" latinLnBrk="0" hangingPunct="1">
+        <a:lnSpc>
+          <a:spcPct val="90000"/>
+        </a:lnSpc>
+        <a:spcBef>
+          <a:spcPts val="500"/>
+        </a:spcBef>
+        <a:buFont typeface="Arial" panose="020B0604020202020204" pitchFamily="34" charset="0"/>
+        <a:buChar char="•"/>
+        <a:defRPr sz="1800" kern="1200">
+          <a:solidFill>
+            <a:schemeClr val="tx1"/>
+          </a:solidFill>
+          <a:latin typeface="+mn-lt"/>
+          <a:ea typeface="+mn-ea"/>
+          <a:cs typeface="+mn-cs"/>
+        </a:defRPr>
+      </a:lvl6pPr>
+      <a:lvl7pPr marL="2971800" indent="-228600" algn="l" defTabSz="914400" rtl="0" eaLnBrk="1" latinLnBrk="0" hangingPunct="1">
+        <a:lnSpc>
+          <a:spcPct val="90000"/>
+        </a:lnSpc>
+        <a:spcBef>
+          <a:spcPts val="500"/>
+        </a:spcBef>
+        <a:buFont typeface="Arial" panose="020B0604020202020204" pitchFamily="34" charset="0"/>
+        <a:buChar char="•"/>
+        <a:defRPr sz="1800" kern="1200">
+          <a:solidFill>
+            <a:schemeClr val="tx1"/>
+          </a:solidFill>
+          <a:latin typeface="+mn-lt"/>
+          <a:ea typeface="+mn-ea"/>
+          <a:cs typeface="+mn-cs"/>
+        </a:defRPr>
+      </a:lvl7pPr>
+      <a:lvl8pPr marL="3429000" indent="-228600" algn="l" defTabSz="914400" rtl="0" eaLnBrk="1" latinLnBrk="0" hangingPunct="1">
+        <a:lnSpc>
+          <a:spcPct val="90000"/>
+        </a:lnSpc>
+        <a:spcBef>
+          <a:spcPts val="500"/>
+        </a:spcBef>
+        <a:buFont typeface="Arial" panose="020B0604020202020204" pitchFamily="34" charset="0"/>
+        <a:buChar char="•"/>
+        <a:defRPr sz="1800" kern="1200">
+          <a:solidFill>
+            <a:schemeClr val="tx1"/>
+          </a:solidFill>
+          <a:latin typeface="+mn-lt"/>
+          <a:ea typeface="+mn-ea"/>
+          <a:cs typeface="+mn-cs"/>
+        </a:defRPr>
+      </a:lvl8pPr>
+      <a:lvl9pPr marL="3886200" indent="-228600" algn="l" defTabSz="914400" rtl="0" eaLnBrk="1" latinLnBrk="0" hangingPunct="1">
+        <a:lnSpc>
+          <a:spcPct val="90000"/>
+        </a:lnSpc>
+        <a:spcBef>
+          <a:spcPts val="500"/>
+        </a:spcBef>
+        <a:buFont typeface="Arial" panose="020B0604020202020204" pitchFamily="34" charset="0"/>
+        <a:buChar char="•"/>
+        <a:defRPr sz="1800" kern="1200">
+          <a:solidFill>
+            <a:schemeClr val="tx1"/>
+          </a:solidFill>
+          <a:latin typeface="+mn-lt"/>
+          <a:ea typeface="+mn-ea"/>
+          <a:cs typeface="+mn-cs"/>
+        </a:defRPr>
+      </a:lvl9pPr>
+    </p:bodyStyle>
+    <p:otherStyle>
+      <a:defPPr>
+        <a:defRPr lang="pt-BR"/>
+      </a:defPPr>
+      <a:lvl1pPr marL="0" algn="l" defTabSz="914400" rtl="0" eaLnBrk="1" latinLnBrk="0" hangingPunct="1">
+        <a:defRPr sz="1800" kern="1200">
+          <a:solidFill>
+            <a:schemeClr val="tx1"/>
+          </a:solidFill>
+          <a:latin typeface="+mn-lt"/>
+          <a:ea typeface="+mn-ea"/>
+          <a:cs typeface="+mn-cs"/>
+        </a:defRPr>
+      </a:lvl1pPr>
+      <a:lvl2pPr marL="457200" algn="l" defTabSz="914400" rtl="0" eaLnBrk="1" latinLnBrk="0" hangingPunct="1">
+        <a:defRPr sz="1800" kern="1200">
+          <a:solidFill>
+            <a:schemeClr val="tx1"/>
+          </a:solidFill>
+          <a:latin typeface="+mn-lt"/>
+          <a:ea typeface="+mn-ea"/>
+          <a:cs typeface="+mn-cs"/>
+        </a:defRPr>
+      </a:lvl2pPr>
+      <a:lvl3pPr marL="914400" algn="l" defTabSz="914400" rtl="0" eaLnBrk="1" latinLnBrk="0" hangingPunct="1">
+        <a:defRPr sz="1800" kern="1200">
+          <a:solidFill>
+            <a:schemeClr val="tx1"/>
+          </a:solidFill>
+          <a:latin typeface="+mn-lt"/>
+          <a:ea typeface="+mn-ea"/>
+          <a:cs typeface="+mn-cs"/>
+        </a:defRPr>
+      </a:lvl3pPr>
+      <a:lvl4pPr marL="1371600" algn="l" defTabSz="914400" rtl="0" eaLnBrk="1" latinLnBrk="0" hangingPunct="1">
+        <a:defRPr sz="1800" kern="1200">
+          <a:solidFill>
+            <a:schemeClr val="tx1"/>
+          </a:solidFill>
+          <a:latin typeface="+mn-lt"/>
+          <a:ea typeface="+mn-ea"/>
+          <a:cs typeface="+mn-cs"/>
+        </a:defRPr>
+      </a:lvl4pPr>
+      <a:lvl5pPr marL="1828800" algn="l" defTabSz="914400" rtl="0" eaLnBrk="1" latinLnBrk="0" hangingPunct="1">
+        <a:defRPr sz="1800" kern="1200">
+          <a:solidFill>
+            <a:schemeClr val="tx1"/>
+          </a:solidFill>
+          <a:latin typeface="+mn-lt"/>
+          <a:ea typeface="+mn-ea"/>
+          <a:cs typeface="+mn-cs"/>
+        </a:defRPr>
+      </a:lvl5pPr>
+      <a:lvl6pPr marL="2286000" algn="l" defTabSz="914400" rtl="0" eaLnBrk="1" latinLnBrk="0" hangingPunct="1">
+        <a:defRPr sz="1800" kern="1200">
+          <a:solidFill>
+            <a:schemeClr val="tx1"/>
+          </a:solidFill>
+          <a:latin typeface="+mn-lt"/>
+          <a:ea typeface="+mn-ea"/>
+          <a:cs typeface="+mn-cs"/>
+        </a:defRPr>
+      </a:lvl6pPr>
+      <a:lvl7pPr marL="2743200" algn="l" defTabSz="914400" rtl="0" eaLnBrk="1" latinLnBrk="0" hangingPunct="1">
+        <a:defRPr sz="1800" kern="1200">
+          <a:solidFill>
+            <a:schemeClr val="tx1"/>
+          </a:solidFill>
+          <a:latin typeface="+mn-lt"/>
+          <a:ea typeface="+mn-ea"/>
+          <a:cs typeface="+mn-cs"/>
+        </a:defRPr>
+      </a:lvl7pPr>
+      <a:lvl8pPr marL="3200400" algn="l" defTabSz="914400" rtl="0" eaLnBrk="1" latinLnBrk="0" hangingPunct="1">
+        <a:defRPr sz="1800" kern="1200">
+          <a:solidFill>
+            <a:schemeClr val="tx1"/>
+          </a:solidFill>
+          <a:latin typeface="+mn-lt"/>
+          <a:ea typeface="+mn-ea"/>
+          <a:cs typeface="+mn-cs"/>
+        </a:defRPr>
+      </a:lvl8pPr>
+      <a:lvl9pPr marL="3657600" algn="l" defTabSz="914400" rtl="0" eaLnBrk="1" latinLnBrk="0" hangingPunct="1">
+        <a:defRPr sz="1800" kern="1200">
+          <a:solidFill>
+            <a:schemeClr val="tx1"/>
+          </a:solidFill>
+          <a:latin typeface="+mn-lt"/>
+          <a:ea typeface="+mn-ea"/>
+          <a:cs typeface="+mn-cs"/>
+        </a:defRPr>
+      </a:lvl9pPr>
+    </p:otherStyle>
+  </p:txStyles>
 </p:sldMaster>
 </file>
 
 <file path=ppt/slideMasters/slideMaster3.xml><?xml version="1.0" encoding="utf-8"?>
-<p:sldMaster xmlns:a="http://schemas.openxmlformats.org/drawingml/2006/main" xmlns:p="http://schemas.openxmlformats.org/presentationml/2006/main" xmlns:r="http://schemas.openxmlformats.org/officeDocument/2006/relationships" xmlns:p14="http://schemas.microsoft.com/office/powerpoint/2010/main" xmlns:p15="http://schemas.microsoft.com/office/powerpoint/2012/main" xmlns:mc="http://schemas.openxmlformats.org/markup-compatibility/2006">
+<p:sldMaster xmlns:a="http://schemas.openxmlformats.org/drawingml/2006/main" xmlns:r="http://schemas.openxmlformats.org/officeDocument/2006/relationships" xmlns:p="http://schemas.openxmlformats.org/presentationml/2006/main">
   <p:cSld>
     <p:bg>
       <p:bgPr>
         <a:solidFill>
-          <a:srgbClr val="ffffff"/>
+          <a:srgbClr val="FFFFFF"/>
         </a:solidFill>
+        <a:effectLst/>
       </p:bgPr>
     </p:bg>
     <p:spTree>
@@ -11212,7 +12331,7 @@
           </a:prstGeom>
           <a:ln w="19050">
             <a:solidFill>
-              <a:srgbClr val="ffffff"/>
+              <a:srgbClr val="FFFFFF"/>
             </a:solidFill>
           </a:ln>
         </p:spPr>
@@ -11245,7 +12364,7 @@
           </a:prstGeom>
           <a:ln w="19050">
             <a:solidFill>
-              <a:srgbClr val="ffffff"/>
+              <a:srgbClr val="FFFFFF"/>
             </a:solidFill>
           </a:ln>
         </p:spPr>
@@ -11277,6 +12396,7 @@
             <a:avLst/>
             <a:gdLst/>
             <a:ahLst/>
+            <a:cxnLst/>
             <a:rect l="l" t="t" r="r" b="b"/>
             <a:pathLst>
               <a:path w="426" h="372">
@@ -11430,9 +12550,15 @@
           </a:ln>
         </p:spPr>
         <p:style>
-          <a:lnRef idx="0"/>
-          <a:fillRef idx="0"/>
-          <a:effectRef idx="0"/>
+          <a:lnRef idx="0">
+            <a:scrgbClr r="0" g="0" b="0"/>
+          </a:lnRef>
+          <a:fillRef idx="0">
+            <a:scrgbClr r="0" g="0" b="0"/>
+          </a:fillRef>
+          <a:effectRef idx="0">
+            <a:scrgbClr r="0" g="0" b="0"/>
+          </a:effectRef>
           <a:fontRef idx="minor"/>
         </p:style>
       </p:sp>
@@ -11452,7 +12578,7 @@
           </a:prstGeom>
           <a:ln w="19050">
             <a:solidFill>
-              <a:srgbClr val="ffffff"/>
+              <a:srgbClr val="FFFFFF"/>
             </a:solidFill>
           </a:ln>
         </p:spPr>
@@ -11496,6 +12622,7 @@
           <a:bodyPr anchor="b">
             <a:noAutofit/>
           </a:bodyPr>
+          <a:lstStyle/>
           <a:p>
             <a:pPr>
               <a:lnSpc>
@@ -11504,7 +12631,7 @@
               <a:buNone/>
             </a:pPr>
             <a:r>
-              <a:rPr b="0" lang="pt-BR" sz="3600" spc="-1" strike="noStrike">
+              <a:rPr lang="pt-BR" sz="3600" b="0" strike="noStrike" spc="-1">
                 <a:solidFill>
                   <a:srgbClr val="344049"/>
                 </a:solidFill>
@@ -11512,7 +12639,7 @@
               </a:rPr>
               <a:t>Clique para editar o título Mestre</a:t>
             </a:r>
-            <a:endParaRPr b="0" lang="pt-BR" sz="3600" spc="-1" strike="noStrike">
+            <a:endParaRPr lang="pt-BR" sz="3600" b="0" strike="noStrike" spc="-1">
               <a:solidFill>
                 <a:srgbClr val="465562"/>
               </a:solidFill>
@@ -11548,6 +12675,7 @@
           <a:bodyPr anchor="t">
             <a:noAutofit/>
           </a:bodyPr>
+          <a:lstStyle/>
           <a:p>
             <a:pPr marL="246960" indent="-246960">
               <a:lnSpc>
@@ -11563,7 +12691,7 @@
               <a:buChar char="›"/>
             </a:pPr>
             <a:r>
-              <a:rPr b="0" lang="pt-BR" sz="2800" spc="-1" strike="noStrike">
+              <a:rPr lang="pt-BR" sz="2800" b="0" strike="noStrike" spc="-1">
                 <a:solidFill>
                   <a:srgbClr val="465562"/>
                 </a:solidFill>
@@ -11571,15 +12699,9 @@
               </a:rPr>
               <a:t>Clique para editar os estilos de texto Mestres</a:t>
             </a:r>
-            <a:endParaRPr b="0" lang="pt-BR" sz="2800" spc="-1" strike="noStrike">
-              <a:solidFill>
-                <a:srgbClr val="465562"/>
-              </a:solidFill>
-              <a:latin typeface="Euphemia"/>
-            </a:endParaRPr>
-          </a:p>
-          <a:p>
-            <a:pPr lvl="1" marL="612720" indent="-246960">
+          </a:p>
+          <a:p>
+            <a:pPr marL="612720" lvl="1" indent="-246960">
               <a:lnSpc>
                 <a:spcPct val="90000"/>
               </a:lnSpc>
@@ -11593,7 +12715,7 @@
               <a:buChar char="–"/>
             </a:pPr>
             <a:r>
-              <a:rPr b="0" lang="pt-BR" sz="2400" spc="-1" strike="noStrike">
+              <a:rPr lang="pt-BR" sz="2400" b="0" strike="noStrike" spc="-1">
                 <a:solidFill>
                   <a:srgbClr val="465562"/>
                 </a:solidFill>
@@ -11601,15 +12723,9 @@
               </a:rPr>
               <a:t>Segundo nível</a:t>
             </a:r>
-            <a:endParaRPr b="0" lang="pt-BR" sz="2400" spc="-1" strike="noStrike">
-              <a:solidFill>
-                <a:srgbClr val="465562"/>
-              </a:solidFill>
-              <a:latin typeface="Euphemia"/>
-            </a:endParaRPr>
-          </a:p>
-          <a:p>
-            <a:pPr lvl="2" marL="978480" indent="-246960">
+          </a:p>
+          <a:p>
+            <a:pPr marL="978480" lvl="2" indent="-246960">
               <a:lnSpc>
                 <a:spcPct val="90000"/>
               </a:lnSpc>
@@ -11623,7 +12739,7 @@
               <a:buChar char="›"/>
             </a:pPr>
             <a:r>
-              <a:rPr b="0" lang="pt-BR" sz="2000" spc="-1" strike="noStrike">
+              <a:rPr lang="pt-BR" sz="2000" b="0" strike="noStrike" spc="-1">
                 <a:solidFill>
                   <a:srgbClr val="465562"/>
                 </a:solidFill>
@@ -11631,15 +12747,9 @@
               </a:rPr>
               <a:t>Terceiro nível</a:t>
             </a:r>
-            <a:endParaRPr b="0" lang="pt-BR" sz="2000" spc="-1" strike="noStrike">
-              <a:solidFill>
-                <a:srgbClr val="465562"/>
-              </a:solidFill>
-              <a:latin typeface="Euphemia"/>
-            </a:endParaRPr>
-          </a:p>
-          <a:p>
-            <a:pPr lvl="3" marL="1344240" indent="-246960">
+          </a:p>
+          <a:p>
+            <a:pPr marL="1344240" lvl="3" indent="-246960">
               <a:lnSpc>
                 <a:spcPct val="90000"/>
               </a:lnSpc>
@@ -11653,7 +12763,7 @@
               <a:buChar char="–"/>
             </a:pPr>
             <a:r>
-              <a:rPr b="0" lang="pt-BR" sz="1800" spc="-1" strike="noStrike">
+              <a:rPr lang="pt-BR" sz="1800" b="0" strike="noStrike" spc="-1">
                 <a:solidFill>
                   <a:srgbClr val="465562"/>
                 </a:solidFill>
@@ -11661,15 +12771,9 @@
               </a:rPr>
               <a:t>Quarto nível</a:t>
             </a:r>
-            <a:endParaRPr b="0" lang="pt-BR" sz="1800" spc="-1" strike="noStrike">
-              <a:solidFill>
-                <a:srgbClr val="465562"/>
-              </a:solidFill>
-              <a:latin typeface="Euphemia"/>
-            </a:endParaRPr>
-          </a:p>
-          <a:p>
-            <a:pPr lvl="4" marL="1710000" indent="-246960">
+          </a:p>
+          <a:p>
+            <a:pPr marL="1710000" lvl="4" indent="-246960">
               <a:lnSpc>
                 <a:spcPct val="90000"/>
               </a:lnSpc>
@@ -11683,7 +12787,7 @@
               <a:buChar char="›"/>
             </a:pPr>
             <a:r>
-              <a:rPr b="0" lang="pt-BR" sz="1800" spc="-1" strike="noStrike">
+              <a:rPr lang="pt-BR" sz="1800" b="0" strike="noStrike" spc="-1">
                 <a:solidFill>
                   <a:srgbClr val="465562"/>
                 </a:solidFill>
@@ -11691,12 +12795,6 @@
               </a:rPr>
               <a:t>Quinto nível</a:t>
             </a:r>
-            <a:endParaRPr b="0" lang="pt-BR" sz="1800" spc="-1" strike="noStrike">
-              <a:solidFill>
-                <a:srgbClr val="465562"/>
-              </a:solidFill>
-              <a:latin typeface="Euphemia"/>
-            </a:endParaRPr>
           </a:p>
         </p:txBody>
       </p:sp>
@@ -11727,6 +12825,7 @@
           <a:bodyPr anchor="t">
             <a:noAutofit/>
           </a:bodyPr>
+          <a:lstStyle/>
           <a:p>
             <a:pPr marL="246960" indent="-246960">
               <a:lnSpc>
@@ -11742,7 +12841,7 @@
               <a:buChar char="›"/>
             </a:pPr>
             <a:r>
-              <a:rPr b="0" lang="pt-BR" sz="2800" spc="-1" strike="noStrike">
+              <a:rPr lang="pt-BR" sz="2800" b="0" strike="noStrike" spc="-1">
                 <a:solidFill>
                   <a:srgbClr val="465562"/>
                 </a:solidFill>
@@ -11750,15 +12849,9 @@
               </a:rPr>
               <a:t>Clique para editar os estilos de texto Mestres</a:t>
             </a:r>
-            <a:endParaRPr b="0" lang="pt-BR" sz="2800" spc="-1" strike="noStrike">
-              <a:solidFill>
-                <a:srgbClr val="465562"/>
-              </a:solidFill>
-              <a:latin typeface="Euphemia"/>
-            </a:endParaRPr>
-          </a:p>
-          <a:p>
-            <a:pPr lvl="1" marL="612720" indent="-246960">
+          </a:p>
+          <a:p>
+            <a:pPr marL="612720" lvl="1" indent="-246960">
               <a:lnSpc>
                 <a:spcPct val="90000"/>
               </a:lnSpc>
@@ -11772,7 +12865,7 @@
               <a:buChar char="–"/>
             </a:pPr>
             <a:r>
-              <a:rPr b="0" lang="pt-BR" sz="2400" spc="-1" strike="noStrike">
+              <a:rPr lang="pt-BR" sz="2400" b="0" strike="noStrike" spc="-1">
                 <a:solidFill>
                   <a:srgbClr val="465562"/>
                 </a:solidFill>
@@ -11780,15 +12873,9 @@
               </a:rPr>
               <a:t>Segundo nível</a:t>
             </a:r>
-            <a:endParaRPr b="0" lang="pt-BR" sz="2400" spc="-1" strike="noStrike">
-              <a:solidFill>
-                <a:srgbClr val="465562"/>
-              </a:solidFill>
-              <a:latin typeface="Euphemia"/>
-            </a:endParaRPr>
-          </a:p>
-          <a:p>
-            <a:pPr lvl="2" marL="978480" indent="-246960">
+          </a:p>
+          <a:p>
+            <a:pPr marL="978480" lvl="2" indent="-246960">
               <a:lnSpc>
                 <a:spcPct val="90000"/>
               </a:lnSpc>
@@ -11802,7 +12889,7 @@
               <a:buChar char="›"/>
             </a:pPr>
             <a:r>
-              <a:rPr b="0" lang="pt-BR" sz="2000" spc="-1" strike="noStrike">
+              <a:rPr lang="pt-BR" sz="2000" b="0" strike="noStrike" spc="-1">
                 <a:solidFill>
                   <a:srgbClr val="465562"/>
                 </a:solidFill>
@@ -11810,15 +12897,9 @@
               </a:rPr>
               <a:t>Terceiro nível</a:t>
             </a:r>
-            <a:endParaRPr b="0" lang="pt-BR" sz="2000" spc="-1" strike="noStrike">
-              <a:solidFill>
-                <a:srgbClr val="465562"/>
-              </a:solidFill>
-              <a:latin typeface="Euphemia"/>
-            </a:endParaRPr>
-          </a:p>
-          <a:p>
-            <a:pPr lvl="3" marL="1344240" indent="-246960">
+          </a:p>
+          <a:p>
+            <a:pPr marL="1344240" lvl="3" indent="-246960">
               <a:lnSpc>
                 <a:spcPct val="90000"/>
               </a:lnSpc>
@@ -11832,7 +12913,7 @@
               <a:buChar char="–"/>
             </a:pPr>
             <a:r>
-              <a:rPr b="0" lang="pt-BR" sz="1800" spc="-1" strike="noStrike">
+              <a:rPr lang="pt-BR" sz="1800" b="0" strike="noStrike" spc="-1">
                 <a:solidFill>
                   <a:srgbClr val="465562"/>
                 </a:solidFill>
@@ -11840,15 +12921,9 @@
               </a:rPr>
               <a:t>Quarto nível</a:t>
             </a:r>
-            <a:endParaRPr b="0" lang="pt-BR" sz="1800" spc="-1" strike="noStrike">
-              <a:solidFill>
-                <a:srgbClr val="465562"/>
-              </a:solidFill>
-              <a:latin typeface="Euphemia"/>
-            </a:endParaRPr>
-          </a:p>
-          <a:p>
-            <a:pPr lvl="4" marL="1710000" indent="-246960">
+          </a:p>
+          <a:p>
+            <a:pPr marL="1710000" lvl="4" indent="-246960">
               <a:lnSpc>
                 <a:spcPct val="90000"/>
               </a:lnSpc>
@@ -11862,7 +12937,7 @@
               <a:buChar char="›"/>
             </a:pPr>
             <a:r>
-              <a:rPr b="0" lang="pt-BR" sz="1800" spc="-1" strike="noStrike">
+              <a:rPr lang="pt-BR" sz="1800" b="0" strike="noStrike" spc="-1">
                 <a:solidFill>
                   <a:srgbClr val="465562"/>
                 </a:solidFill>
@@ -11870,12 +12945,6 @@
               </a:rPr>
               <a:t>Quinto nível</a:t>
             </a:r>
-            <a:endParaRPr b="0" lang="pt-BR" sz="1800" spc="-1" strike="noStrike">
-              <a:solidFill>
-                <a:srgbClr val="465562"/>
-              </a:solidFill>
-              <a:latin typeface="Euphemia"/>
-            </a:endParaRPr>
           </a:p>
         </p:txBody>
       </p:sp>
@@ -11912,7 +12981,7 @@
                 <a:spcPct val="100000"/>
               </a:lnSpc>
               <a:buNone/>
-              <a:defRPr b="0" lang="pt-BR" sz="1200" spc="-1" strike="noStrike" cap="all">
+              <a:defRPr lang="pt-BR" sz="1200" b="0" strike="noStrike" cap="all" spc="-1">
                 <a:solidFill>
                   <a:srgbClr val="465562"/>
                 </a:solidFill>
@@ -11928,7 +12997,7 @@
               <a:buNone/>
             </a:pPr>
             <a:r>
-              <a:rPr b="0" lang="pt-BR" sz="1200" spc="-1" strike="noStrike" cap="all">
+              <a:rPr lang="pt-BR" sz="1200" b="0" strike="noStrike" cap="all" spc="-1">
                 <a:solidFill>
                   <a:srgbClr val="465562"/>
                 </a:solidFill>
@@ -11936,7 +13005,7 @@
               </a:rPr>
               <a:t>&lt;date/time&gt;</a:t>
             </a:r>
-            <a:endParaRPr b="0" lang="pt-BR" sz="1200" spc="-1" strike="noStrike">
+            <a:endParaRPr lang="pt-BR" sz="1200" b="0" strike="noStrike" spc="-1">
               <a:latin typeface="Times New Roman"/>
             </a:endParaRPr>
           </a:p>
@@ -11975,7 +13044,7 @@
                 <a:spcPct val="100000"/>
               </a:lnSpc>
               <a:buNone/>
-              <a:defRPr b="0" lang="pt-BR" sz="1200" spc="-1" strike="noStrike" cap="all">
+              <a:defRPr lang="pt-BR" sz="1200" b="0" strike="noStrike" cap="all" spc="-1">
                 <a:solidFill>
                   <a:srgbClr val="465562"/>
                 </a:solidFill>
@@ -11991,7 +13060,7 @@
               <a:buNone/>
             </a:pPr>
             <a:r>
-              <a:rPr b="0" lang="pt-BR" sz="1200" spc="-1" strike="noStrike" cap="all">
+              <a:rPr lang="pt-BR" sz="1200" b="0" strike="noStrike" cap="all" spc="-1">
                 <a:solidFill>
                   <a:srgbClr val="465562"/>
                 </a:solidFill>
@@ -11999,7 +13068,7 @@
               </a:rPr>
               <a:t>&lt;footer&gt;</a:t>
             </a:r>
-            <a:endParaRPr b="0" lang="pt-BR" sz="1200" spc="-1" strike="noStrike">
+            <a:endParaRPr lang="pt-BR" sz="1200" b="0" strike="noStrike" spc="-1">
               <a:latin typeface="Times New Roman"/>
             </a:endParaRPr>
           </a:p>
@@ -12038,7 +13107,7 @@
                 <a:spcPct val="100000"/>
               </a:lnSpc>
               <a:buNone/>
-              <a:defRPr b="0" lang="pt-BR" sz="1200" spc="-1" strike="noStrike" cap="all">
+              <a:defRPr lang="pt-BR" sz="1200" b="0" strike="noStrike" cap="all" spc="-1">
                 <a:solidFill>
                   <a:srgbClr val="465562"/>
                 </a:solidFill>
@@ -12054,15 +13123,15 @@
               <a:buNone/>
             </a:pPr>
             <a:fld id="{DF831469-241D-4DBC-B995-1FBCD89B7375}" type="slidenum">
-              <a:rPr b="0" lang="pt-BR" sz="1200" spc="-1" strike="noStrike" cap="all">
+              <a:rPr lang="pt-BR" sz="1200" b="0" strike="noStrike" cap="all" spc="-1">
                 <a:solidFill>
                   <a:srgbClr val="465562"/>
                 </a:solidFill>
                 <a:latin typeface="Euphemia"/>
               </a:rPr>
-              <a:t>&lt;number&gt;</a:t>
+              <a:t>‹#›</a:t>
             </a:fld>
-            <a:endParaRPr b="0" lang="pt-BR" sz="1200" spc="-1" strike="noStrike">
+            <a:endParaRPr lang="pt-BR" sz="1200" b="0" strike="noStrike" spc="-1">
               <a:latin typeface="Times New Roman"/>
             </a:endParaRPr>
           </a:p>
@@ -12070,26 +13139,306 @@
       </p:sp>
     </p:spTree>
   </p:cSld>
-  <p:clrMap bg1="lt1" bg2="lt2" tx1="dk1" tx2="dk2" accent1="accent1" accent2="accent2" accent3="accent3" accent4="accent4" accent5="accent5" accent6="accent6" hlink="hlink" folHlink="folHlink"/>
+  <p:clrMap bg1="lt1" tx1="dk1" bg2="lt2" tx2="dk2" accent1="accent1" accent2="accent2" accent3="accent3" accent4="accent4" accent5="accent5" accent6="accent6" hlink="hlink" folHlink="folHlink"/>
   <p:sldLayoutIdLst>
-    <p:sldLayoutId id="2147483675" r:id="rId2"/>
-    <p:sldLayoutId id="2147483676" r:id="rId3"/>
-    <p:sldLayoutId id="2147483677" r:id="rId4"/>
-    <p:sldLayoutId id="2147483678" r:id="rId5"/>
-    <p:sldLayoutId id="2147483679" r:id="rId6"/>
-    <p:sldLayoutId id="2147483680" r:id="rId7"/>
-    <p:sldLayoutId id="2147483681" r:id="rId8"/>
-    <p:sldLayoutId id="2147483682" r:id="rId9"/>
-    <p:sldLayoutId id="2147483683" r:id="rId10"/>
-    <p:sldLayoutId id="2147483684" r:id="rId11"/>
-    <p:sldLayoutId id="2147483685" r:id="rId12"/>
-    <p:sldLayoutId id="2147483686" r:id="rId13"/>
+    <p:sldLayoutId id="2147483675" r:id="rId1"/>
+    <p:sldLayoutId id="2147483676" r:id="rId2"/>
+    <p:sldLayoutId id="2147483677" r:id="rId3"/>
+    <p:sldLayoutId id="2147483678" r:id="rId4"/>
+    <p:sldLayoutId id="2147483679" r:id="rId5"/>
+    <p:sldLayoutId id="2147483680" r:id="rId6"/>
+    <p:sldLayoutId id="2147483681" r:id="rId7"/>
+    <p:sldLayoutId id="2147483682" r:id="rId8"/>
+    <p:sldLayoutId id="2147483683" r:id="rId9"/>
+    <p:sldLayoutId id="2147483684" r:id="rId10"/>
+    <p:sldLayoutId id="2147483685" r:id="rId11"/>
+    <p:sldLayoutId id="2147483686" r:id="rId12"/>
   </p:sldLayoutIdLst>
+  <p:txStyles>
+    <p:titleStyle>
+      <a:lvl1pPr algn="l" defTabSz="914400" rtl="0" eaLnBrk="1" latinLnBrk="0" hangingPunct="1">
+        <a:lnSpc>
+          <a:spcPct val="90000"/>
+        </a:lnSpc>
+        <a:spcBef>
+          <a:spcPct val="0"/>
+        </a:spcBef>
+        <a:buNone/>
+        <a:defRPr sz="4400" kern="1200">
+          <a:solidFill>
+            <a:schemeClr val="tx1"/>
+          </a:solidFill>
+          <a:latin typeface="+mj-lt"/>
+          <a:ea typeface="+mj-ea"/>
+          <a:cs typeface="+mj-cs"/>
+        </a:defRPr>
+      </a:lvl1pPr>
+    </p:titleStyle>
+    <p:bodyStyle>
+      <a:lvl1pPr marL="228600" indent="-228600" algn="l" defTabSz="914400" rtl="0" eaLnBrk="1" latinLnBrk="0" hangingPunct="1">
+        <a:lnSpc>
+          <a:spcPct val="90000"/>
+        </a:lnSpc>
+        <a:spcBef>
+          <a:spcPts val="1000"/>
+        </a:spcBef>
+        <a:buFont typeface="Arial" panose="020B0604020202020204" pitchFamily="34" charset="0"/>
+        <a:buChar char="•"/>
+        <a:defRPr sz="2800" kern="1200">
+          <a:solidFill>
+            <a:schemeClr val="tx1"/>
+          </a:solidFill>
+          <a:latin typeface="+mn-lt"/>
+          <a:ea typeface="+mn-ea"/>
+          <a:cs typeface="+mn-cs"/>
+        </a:defRPr>
+      </a:lvl1pPr>
+      <a:lvl2pPr marL="685800" indent="-228600" algn="l" defTabSz="914400" rtl="0" eaLnBrk="1" latinLnBrk="0" hangingPunct="1">
+        <a:lnSpc>
+          <a:spcPct val="90000"/>
+        </a:lnSpc>
+        <a:spcBef>
+          <a:spcPts val="500"/>
+        </a:spcBef>
+        <a:buFont typeface="Arial" panose="020B0604020202020204" pitchFamily="34" charset="0"/>
+        <a:buChar char="•"/>
+        <a:defRPr sz="2400" kern="1200">
+          <a:solidFill>
+            <a:schemeClr val="tx1"/>
+          </a:solidFill>
+          <a:latin typeface="+mn-lt"/>
+          <a:ea typeface="+mn-ea"/>
+          <a:cs typeface="+mn-cs"/>
+        </a:defRPr>
+      </a:lvl2pPr>
+      <a:lvl3pPr marL="1143000" indent="-228600" algn="l" defTabSz="914400" rtl="0" eaLnBrk="1" latinLnBrk="0" hangingPunct="1">
+        <a:lnSpc>
+          <a:spcPct val="90000"/>
+        </a:lnSpc>
+        <a:spcBef>
+          <a:spcPts val="500"/>
+        </a:spcBef>
+        <a:buFont typeface="Arial" panose="020B0604020202020204" pitchFamily="34" charset="0"/>
+        <a:buChar char="•"/>
+        <a:defRPr sz="2000" kern="1200">
+          <a:solidFill>
+            <a:schemeClr val="tx1"/>
+          </a:solidFill>
+          <a:latin typeface="+mn-lt"/>
+          <a:ea typeface="+mn-ea"/>
+          <a:cs typeface="+mn-cs"/>
+        </a:defRPr>
+      </a:lvl3pPr>
+      <a:lvl4pPr marL="1600200" indent="-228600" algn="l" defTabSz="914400" rtl="0" eaLnBrk="1" latinLnBrk="0" hangingPunct="1">
+        <a:lnSpc>
+          <a:spcPct val="90000"/>
+        </a:lnSpc>
+        <a:spcBef>
+          <a:spcPts val="500"/>
+        </a:spcBef>
+        <a:buFont typeface="Arial" panose="020B0604020202020204" pitchFamily="34" charset="0"/>
+        <a:buChar char="•"/>
+        <a:defRPr sz="1800" kern="1200">
+          <a:solidFill>
+            <a:schemeClr val="tx1"/>
+          </a:solidFill>
+          <a:latin typeface="+mn-lt"/>
+          <a:ea typeface="+mn-ea"/>
+          <a:cs typeface="+mn-cs"/>
+        </a:defRPr>
+      </a:lvl4pPr>
+      <a:lvl5pPr marL="2057400" indent="-228600" algn="l" defTabSz="914400" rtl="0" eaLnBrk="1" latinLnBrk="0" hangingPunct="1">
+        <a:lnSpc>
+          <a:spcPct val="90000"/>
+        </a:lnSpc>
+        <a:spcBef>
+          <a:spcPts val="500"/>
+        </a:spcBef>
+        <a:buFont typeface="Arial" panose="020B0604020202020204" pitchFamily="34" charset="0"/>
+        <a:buChar char="•"/>
+        <a:defRPr sz="1800" kern="1200">
+          <a:solidFill>
+            <a:schemeClr val="tx1"/>
+          </a:solidFill>
+          <a:latin typeface="+mn-lt"/>
+          <a:ea typeface="+mn-ea"/>
+          <a:cs typeface="+mn-cs"/>
+        </a:defRPr>
+      </a:lvl5pPr>
+      <a:lvl6pPr marL="2514600" indent="-228600" algn="l" defTabSz="914400" rtl="0" eaLnBrk="1" latinLnBrk="0" hangingPunct="1">
+        <a:lnSpc>
+          <a:spcPct val="90000"/>
+        </a:lnSpc>
+        <a:spcBef>
+          <a:spcPts val="500"/>
+        </a:spcBef>
+        <a:buFont typeface="Arial" panose="020B0604020202020204" pitchFamily="34" charset="0"/>
+        <a:buChar char="•"/>
+        <a:defRPr sz="1800" kern="1200">
+          <a:solidFill>
+            <a:schemeClr val="tx1"/>
+          </a:solidFill>
+          <a:latin typeface="+mn-lt"/>
+          <a:ea typeface="+mn-ea"/>
+          <a:cs typeface="+mn-cs"/>
+        </a:defRPr>
+      </a:lvl6pPr>
+      <a:lvl7pPr marL="2971800" indent="-228600" algn="l" defTabSz="914400" rtl="0" eaLnBrk="1" latinLnBrk="0" hangingPunct="1">
+        <a:lnSpc>
+          <a:spcPct val="90000"/>
+        </a:lnSpc>
+        <a:spcBef>
+          <a:spcPts val="500"/>
+        </a:spcBef>
+        <a:buFont typeface="Arial" panose="020B0604020202020204" pitchFamily="34" charset="0"/>
+        <a:buChar char="•"/>
+        <a:defRPr sz="1800" kern="1200">
+          <a:solidFill>
+            <a:schemeClr val="tx1"/>
+          </a:solidFill>
+          <a:latin typeface="+mn-lt"/>
+          <a:ea typeface="+mn-ea"/>
+          <a:cs typeface="+mn-cs"/>
+        </a:defRPr>
+      </a:lvl7pPr>
+      <a:lvl8pPr marL="3429000" indent="-228600" algn="l" defTabSz="914400" rtl="0" eaLnBrk="1" latinLnBrk="0" hangingPunct="1">
+        <a:lnSpc>
+          <a:spcPct val="90000"/>
+        </a:lnSpc>
+        <a:spcBef>
+          <a:spcPts val="500"/>
+        </a:spcBef>
+        <a:buFont typeface="Arial" panose="020B0604020202020204" pitchFamily="34" charset="0"/>
+        <a:buChar char="•"/>
+        <a:defRPr sz="1800" kern="1200">
+          <a:solidFill>
+            <a:schemeClr val="tx1"/>
+          </a:solidFill>
+          <a:latin typeface="+mn-lt"/>
+          <a:ea typeface="+mn-ea"/>
+          <a:cs typeface="+mn-cs"/>
+        </a:defRPr>
+      </a:lvl8pPr>
+      <a:lvl9pPr marL="3886200" indent="-228600" algn="l" defTabSz="914400" rtl="0" eaLnBrk="1" latinLnBrk="0" hangingPunct="1">
+        <a:lnSpc>
+          <a:spcPct val="90000"/>
+        </a:lnSpc>
+        <a:spcBef>
+          <a:spcPts val="500"/>
+        </a:spcBef>
+        <a:buFont typeface="Arial" panose="020B0604020202020204" pitchFamily="34" charset="0"/>
+        <a:buChar char="•"/>
+        <a:defRPr sz="1800" kern="1200">
+          <a:solidFill>
+            <a:schemeClr val="tx1"/>
+          </a:solidFill>
+          <a:latin typeface="+mn-lt"/>
+          <a:ea typeface="+mn-ea"/>
+          <a:cs typeface="+mn-cs"/>
+        </a:defRPr>
+      </a:lvl9pPr>
+    </p:bodyStyle>
+    <p:otherStyle>
+      <a:defPPr>
+        <a:defRPr lang="pt-BR"/>
+      </a:defPPr>
+      <a:lvl1pPr marL="0" algn="l" defTabSz="914400" rtl="0" eaLnBrk="1" latinLnBrk="0" hangingPunct="1">
+        <a:defRPr sz="1800" kern="1200">
+          <a:solidFill>
+            <a:schemeClr val="tx1"/>
+          </a:solidFill>
+          <a:latin typeface="+mn-lt"/>
+          <a:ea typeface="+mn-ea"/>
+          <a:cs typeface="+mn-cs"/>
+        </a:defRPr>
+      </a:lvl1pPr>
+      <a:lvl2pPr marL="457200" algn="l" defTabSz="914400" rtl="0" eaLnBrk="1" latinLnBrk="0" hangingPunct="1">
+        <a:defRPr sz="1800" kern="1200">
+          <a:solidFill>
+            <a:schemeClr val="tx1"/>
+          </a:solidFill>
+          <a:latin typeface="+mn-lt"/>
+          <a:ea typeface="+mn-ea"/>
+          <a:cs typeface="+mn-cs"/>
+        </a:defRPr>
+      </a:lvl2pPr>
+      <a:lvl3pPr marL="914400" algn="l" defTabSz="914400" rtl="0" eaLnBrk="1" latinLnBrk="0" hangingPunct="1">
+        <a:defRPr sz="1800" kern="1200">
+          <a:solidFill>
+            <a:schemeClr val="tx1"/>
+          </a:solidFill>
+          <a:latin typeface="+mn-lt"/>
+          <a:ea typeface="+mn-ea"/>
+          <a:cs typeface="+mn-cs"/>
+        </a:defRPr>
+      </a:lvl3pPr>
+      <a:lvl4pPr marL="1371600" algn="l" defTabSz="914400" rtl="0" eaLnBrk="1" latinLnBrk="0" hangingPunct="1">
+        <a:defRPr sz="1800" kern="1200">
+          <a:solidFill>
+            <a:schemeClr val="tx1"/>
+          </a:solidFill>
+          <a:latin typeface="+mn-lt"/>
+          <a:ea typeface="+mn-ea"/>
+          <a:cs typeface="+mn-cs"/>
+        </a:defRPr>
+      </a:lvl4pPr>
+      <a:lvl5pPr marL="1828800" algn="l" defTabSz="914400" rtl="0" eaLnBrk="1" latinLnBrk="0" hangingPunct="1">
+        <a:defRPr sz="1800" kern="1200">
+          <a:solidFill>
+            <a:schemeClr val="tx1"/>
+          </a:solidFill>
+          <a:latin typeface="+mn-lt"/>
+          <a:ea typeface="+mn-ea"/>
+          <a:cs typeface="+mn-cs"/>
+        </a:defRPr>
+      </a:lvl5pPr>
+      <a:lvl6pPr marL="2286000" algn="l" defTabSz="914400" rtl="0" eaLnBrk="1" latinLnBrk="0" hangingPunct="1">
+        <a:defRPr sz="1800" kern="1200">
+          <a:solidFill>
+            <a:schemeClr val="tx1"/>
+          </a:solidFill>
+          <a:latin typeface="+mn-lt"/>
+          <a:ea typeface="+mn-ea"/>
+          <a:cs typeface="+mn-cs"/>
+        </a:defRPr>
+      </a:lvl6pPr>
+      <a:lvl7pPr marL="2743200" algn="l" defTabSz="914400" rtl="0" eaLnBrk="1" latinLnBrk="0" hangingPunct="1">
+        <a:defRPr sz="1800" kern="1200">
+          <a:solidFill>
+            <a:schemeClr val="tx1"/>
+          </a:solidFill>
+          <a:latin typeface="+mn-lt"/>
+          <a:ea typeface="+mn-ea"/>
+          <a:cs typeface="+mn-cs"/>
+        </a:defRPr>
+      </a:lvl7pPr>
+      <a:lvl8pPr marL="3200400" algn="l" defTabSz="914400" rtl="0" eaLnBrk="1" latinLnBrk="0" hangingPunct="1">
+        <a:defRPr sz="1800" kern="1200">
+          <a:solidFill>
+            <a:schemeClr val="tx1"/>
+          </a:solidFill>
+          <a:latin typeface="+mn-lt"/>
+          <a:ea typeface="+mn-ea"/>
+          <a:cs typeface="+mn-cs"/>
+        </a:defRPr>
+      </a:lvl8pPr>
+      <a:lvl9pPr marL="3657600" algn="l" defTabSz="914400" rtl="0" eaLnBrk="1" latinLnBrk="0" hangingPunct="1">
+        <a:defRPr sz="1800" kern="1200">
+          <a:solidFill>
+            <a:schemeClr val="tx1"/>
+          </a:solidFill>
+          <a:latin typeface="+mn-lt"/>
+          <a:ea typeface="+mn-ea"/>
+          <a:cs typeface="+mn-cs"/>
+        </a:defRPr>
+      </a:lvl9pPr>
+    </p:otherStyle>
+  </p:txStyles>
 </p:sldMaster>
 </file>
 
 <file path=ppt/slides/slide1.xml><?xml version="1.0" encoding="utf-8"?>
-<p:sld xmlns:a="http://schemas.openxmlformats.org/drawingml/2006/main" xmlns:p="http://schemas.openxmlformats.org/presentationml/2006/main" xmlns:r="http://schemas.openxmlformats.org/officeDocument/2006/relationships" xmlns:p14="http://schemas.microsoft.com/office/powerpoint/2010/main" xmlns:p15="http://schemas.microsoft.com/office/powerpoint/2012/main" xmlns:mc="http://schemas.openxmlformats.org/markup-compatibility/2006">
+<p:sld xmlns:a="http://schemas.openxmlformats.org/drawingml/2006/main" xmlns:r="http://schemas.openxmlformats.org/officeDocument/2006/relationships" xmlns:p="http://schemas.openxmlformats.org/presentationml/2006/main">
   <p:cSld>
     <p:spTree>
       <p:nvGrpSpPr>
@@ -12132,6 +13481,7 @@
           <a:bodyPr anchor="b">
             <a:noAutofit/>
           </a:bodyPr>
+          <a:lstStyle/>
           <a:p>
             <a:pPr>
               <a:lnSpc>
@@ -12140,7 +13490,7 @@
               <a:buNone/>
             </a:pPr>
             <a:r>
-              <a:rPr b="0" lang="pt-BR" sz="5400" spc="-1" strike="noStrike">
+              <a:rPr lang="pt-BR" sz="5400" b="0" strike="noStrike" spc="-1">
                 <a:solidFill>
                   <a:srgbClr val="344049"/>
                 </a:solidFill>
@@ -12148,7 +13498,7 @@
               </a:rPr>
               <a:t>Questão 2</a:t>
             </a:r>
-            <a:endParaRPr b="0" lang="pt-BR" sz="5400" spc="-1" strike="noStrike">
+            <a:endParaRPr lang="pt-BR" sz="5400" b="0" strike="noStrike" spc="-1">
               <a:solidFill>
                 <a:srgbClr val="465562"/>
               </a:solidFill>
@@ -12184,6 +13534,7 @@
           <a:bodyPr anchor="t">
             <a:noAutofit/>
           </a:bodyPr>
+          <a:lstStyle/>
           <a:p>
             <a:pPr>
               <a:lnSpc>
@@ -12191,11 +13542,11 @@
               </a:lnSpc>
               <a:buNone/>
               <a:tabLst>
-                <a:tab algn="l" pos="0"/>
+                <a:tab pos="0" algn="l"/>
               </a:tabLst>
             </a:pPr>
             <a:r>
-              <a:rPr b="0" lang="pt-BR" sz="3200" spc="-1" strike="noStrike">
+              <a:rPr lang="pt-BR" sz="3200" b="0" strike="noStrike" spc="-1">
                 <a:solidFill>
                   <a:srgbClr val="465562"/>
                 </a:solidFill>
@@ -12203,7 +13554,7 @@
               </a:rPr>
               <a:t>Segmentação de imagem utilizando clusterização k-means</a:t>
             </a:r>
-            <a:endParaRPr b="0" lang="pt-BR" sz="3200" spc="-1" strike="noStrike">
+            <a:endParaRPr lang="pt-BR" sz="3200" b="0" strike="noStrike" spc="-1">
               <a:latin typeface="Arial"/>
             </a:endParaRPr>
           </a:p>
@@ -12211,13 +13562,16 @@
       </p:sp>
     </p:spTree>
   </p:cSld>
-  <mc:AlternateContent>
+  <p:clrMapOvr>
+    <a:masterClrMapping/>
+  </p:clrMapOvr>
+  <mc:AlternateContent xmlns:mc="http://schemas.openxmlformats.org/markup-compatibility/2006" xmlns:p14="http://schemas.microsoft.com/office/powerpoint/2010/main">
     <mc:Choice Requires="p14">
       <p:transition spd="med" p14:dur="700">
         <p:fade/>
       </p:transition>
     </mc:Choice>
-    <mc:Fallback>
+    <mc:Fallback xmlns:p15="http://schemas.microsoft.com/office/powerpoint/2012/main" xmlns="">
       <p:transition spd="med">
         <p:fade/>
       </p:transition>
@@ -12227,7 +13581,7 @@
 </file>
 
 <file path=ppt/slides/slide2.xml><?xml version="1.0" encoding="utf-8"?>
-<p:sld xmlns:a="http://schemas.openxmlformats.org/drawingml/2006/main" xmlns:p="http://schemas.openxmlformats.org/presentationml/2006/main" xmlns:r="http://schemas.openxmlformats.org/officeDocument/2006/relationships" xmlns:p14="http://schemas.microsoft.com/office/powerpoint/2010/main" xmlns:p15="http://schemas.microsoft.com/office/powerpoint/2012/main" xmlns:mc="http://schemas.openxmlformats.org/markup-compatibility/2006">
+<p:sld xmlns:a="http://schemas.openxmlformats.org/drawingml/2006/main" xmlns:r="http://schemas.openxmlformats.org/officeDocument/2006/relationships" xmlns:p="http://schemas.openxmlformats.org/presentationml/2006/main">
   <p:cSld>
     <p:spTree>
       <p:nvGrpSpPr>
@@ -12270,9 +13624,10 @@
           <a:bodyPr anchor="b">
             <a:noAutofit/>
           </a:bodyPr>
+          <a:lstStyle/>
           <a:p>
             <a:r>
-              <a:rPr b="0" lang="pt-BR" sz="1800" spc="-1" strike="noStrike">
+              <a:rPr lang="pt-BR" sz="1800" b="0" strike="noStrike" spc="-1">
                 <a:solidFill>
                   <a:srgbClr val="465562"/>
                 </a:solidFill>
@@ -12280,23 +13635,17 @@
               </a:rPr>
               <a:t>K-means clustering</a:t>
             </a:r>
-            <a:endParaRPr b="0" lang="pt-BR" sz="1800" spc="-1" strike="noStrike">
-              <a:solidFill>
-                <a:srgbClr val="465562"/>
-              </a:solidFill>
-              <a:latin typeface="Euphemia"/>
-            </a:endParaRPr>
           </a:p>
         </p:txBody>
       </p:sp>
       <p:pic>
         <p:nvPicPr>
-          <p:cNvPr id="167" name="" descr=""/>
+          <p:cNvPr id="167" name="Picture 166"/>
           <p:cNvPicPr/>
           <p:nvPr/>
         </p:nvPicPr>
         <p:blipFill>
-          <a:blip r:embed="rId1"/>
+          <a:blip r:embed="rId3"/>
           <a:stretch/>
         </p:blipFill>
         <p:spPr>
@@ -12314,13 +13663,16 @@
       </p:pic>
     </p:spTree>
   </p:cSld>
-  <mc:AlternateContent>
+  <p:clrMapOvr>
+    <a:masterClrMapping/>
+  </p:clrMapOvr>
+  <mc:AlternateContent xmlns:mc="http://schemas.openxmlformats.org/markup-compatibility/2006" xmlns:p14="http://schemas.microsoft.com/office/powerpoint/2010/main">
     <mc:Choice Requires="p14">
       <p:transition spd="med" p14:dur="700">
         <p:fade/>
       </p:transition>
     </mc:Choice>
-    <mc:Fallback>
+    <mc:Fallback xmlns:p15="http://schemas.microsoft.com/office/powerpoint/2012/main" xmlns="">
       <p:transition spd="med">
         <p:fade/>
       </p:transition>
@@ -12330,7 +13682,7 @@
 </file>
 
 <file path=ppt/slides/slide3.xml><?xml version="1.0" encoding="utf-8"?>
-<p:sld xmlns:a="http://schemas.openxmlformats.org/drawingml/2006/main" xmlns:p="http://schemas.openxmlformats.org/presentationml/2006/main" xmlns:r="http://schemas.openxmlformats.org/officeDocument/2006/relationships" xmlns:p14="http://schemas.microsoft.com/office/powerpoint/2010/main" xmlns:p15="http://schemas.microsoft.com/office/powerpoint/2012/main" xmlns:mc="http://schemas.openxmlformats.org/markup-compatibility/2006">
+<p:sld xmlns:a="http://schemas.openxmlformats.org/drawingml/2006/main" xmlns:r="http://schemas.openxmlformats.org/officeDocument/2006/relationships" xmlns:p="http://schemas.openxmlformats.org/presentationml/2006/main">
   <p:cSld>
     <p:spTree>
       <p:nvGrpSpPr>
@@ -12348,12 +13700,12 @@
       </p:grpSpPr>
       <p:pic>
         <p:nvPicPr>
-          <p:cNvPr id="168" name="" descr=""/>
+          <p:cNvPr id="168" name="Picture 167"/>
           <p:cNvPicPr/>
           <p:nvPr/>
         </p:nvPicPr>
         <p:blipFill>
-          <a:blip r:embed="rId1"/>
+          <a:blip r:embed="rId3"/>
           <a:stretch/>
         </p:blipFill>
         <p:spPr>
@@ -12392,9 +13744,10 @@
           <a:bodyPr anchor="b">
             <a:normAutofit/>
           </a:bodyPr>
+          <a:lstStyle/>
           <a:p>
             <a:r>
-              <a:rPr b="0" lang="pt-BR" sz="1800" spc="-1" strike="noStrike">
+              <a:rPr lang="pt-BR" sz="1800" b="0" strike="noStrike" spc="-1">
                 <a:solidFill>
                   <a:srgbClr val="465562"/>
                 </a:solidFill>
@@ -12402,24 +13755,21 @@
               </a:rPr>
               <a:t>Algoritmo Gonzalez</a:t>
             </a:r>
-            <a:endParaRPr b="0" lang="pt-BR" sz="1800" spc="-1" strike="noStrike">
-              <a:solidFill>
-                <a:srgbClr val="465562"/>
-              </a:solidFill>
-              <a:latin typeface="Euphemia"/>
-            </a:endParaRPr>
           </a:p>
         </p:txBody>
       </p:sp>
     </p:spTree>
   </p:cSld>
-  <mc:AlternateContent>
+  <p:clrMapOvr>
+    <a:masterClrMapping/>
+  </p:clrMapOvr>
+  <mc:AlternateContent xmlns:mc="http://schemas.openxmlformats.org/markup-compatibility/2006" xmlns:p14="http://schemas.microsoft.com/office/powerpoint/2010/main">
     <mc:Choice Requires="p14">
       <p:transition spd="med" p14:dur="700">
         <p:fade/>
       </p:transition>
     </mc:Choice>
-    <mc:Fallback>
+    <mc:Fallback xmlns:p15="http://schemas.microsoft.com/office/powerpoint/2012/main" xmlns="">
       <p:transition spd="med">
         <p:fade/>
       </p:transition>
@@ -12429,7 +13779,7 @@
 </file>
 
 <file path=ppt/slides/slide4.xml><?xml version="1.0" encoding="utf-8"?>
-<p:sld xmlns:a="http://schemas.openxmlformats.org/drawingml/2006/main" xmlns:p="http://schemas.openxmlformats.org/presentationml/2006/main" xmlns:r="http://schemas.openxmlformats.org/officeDocument/2006/relationships" xmlns:p14="http://schemas.microsoft.com/office/powerpoint/2010/main" xmlns:p15="http://schemas.microsoft.com/office/powerpoint/2012/main" xmlns:mc="http://schemas.openxmlformats.org/markup-compatibility/2006">
+<p:sld xmlns:a="http://schemas.openxmlformats.org/drawingml/2006/main" xmlns:r="http://schemas.openxmlformats.org/officeDocument/2006/relationships" xmlns:p="http://schemas.openxmlformats.org/presentationml/2006/main">
   <p:cSld>
     <p:spTree>
       <p:nvGrpSpPr>
@@ -12472,9 +13822,10 @@
           <a:bodyPr anchor="b">
             <a:normAutofit/>
           </a:bodyPr>
+          <a:lstStyle/>
           <a:p>
             <a:r>
-              <a:rPr b="0" lang="pt-BR" sz="1800" spc="-1" strike="noStrike">
+              <a:rPr lang="pt-BR" sz="1800" b="0" strike="noStrike" spc="-1">
                 <a:solidFill>
                   <a:srgbClr val="465562"/>
                 </a:solidFill>
@@ -12482,23 +13833,17 @@
               </a:rPr>
               <a:t>Exemplo</a:t>
             </a:r>
-            <a:endParaRPr b="0" lang="pt-BR" sz="1800" spc="-1" strike="noStrike">
-              <a:solidFill>
-                <a:srgbClr val="465562"/>
-              </a:solidFill>
-              <a:latin typeface="Euphemia"/>
-            </a:endParaRPr>
           </a:p>
         </p:txBody>
       </p:sp>
       <p:pic>
         <p:nvPicPr>
-          <p:cNvPr id="171" name="" descr=""/>
+          <p:cNvPr id="171" name="Picture 170"/>
           <p:cNvPicPr/>
           <p:nvPr/>
         </p:nvPicPr>
         <p:blipFill>
-          <a:blip r:embed="rId1"/>
+          <a:blip r:embed="rId3"/>
           <a:stretch/>
         </p:blipFill>
         <p:spPr>
@@ -12516,13 +13861,16 @@
       </p:pic>
     </p:spTree>
   </p:cSld>
-  <mc:AlternateContent>
+  <p:clrMapOvr>
+    <a:masterClrMapping/>
+  </p:clrMapOvr>
+  <mc:AlternateContent xmlns:mc="http://schemas.openxmlformats.org/markup-compatibility/2006" xmlns:p14="http://schemas.microsoft.com/office/powerpoint/2010/main">
     <mc:Choice Requires="p14">
       <p:transition spd="med" p14:dur="700">
         <p:fade/>
       </p:transition>
     </mc:Choice>
-    <mc:Fallback>
+    <mc:Fallback xmlns:p15="http://schemas.microsoft.com/office/powerpoint/2012/main" xmlns="">
       <p:transition spd="med">
         <p:fade/>
       </p:transition>
@@ -12532,7 +13880,7 @@
 </file>
 
 <file path=ppt/slides/slide5.xml><?xml version="1.0" encoding="utf-8"?>
-<p:sld xmlns:a="http://schemas.openxmlformats.org/drawingml/2006/main" xmlns:p="http://schemas.openxmlformats.org/presentationml/2006/main" xmlns:r="http://schemas.openxmlformats.org/officeDocument/2006/relationships" xmlns:p14="http://schemas.microsoft.com/office/powerpoint/2010/main" xmlns:p15="http://schemas.microsoft.com/office/powerpoint/2012/main" xmlns:mc="http://schemas.openxmlformats.org/markup-compatibility/2006">
+<p:sld xmlns:a="http://schemas.openxmlformats.org/drawingml/2006/main" xmlns:r="http://schemas.openxmlformats.org/officeDocument/2006/relationships" xmlns:p="http://schemas.openxmlformats.org/presentationml/2006/main">
   <p:cSld>
     <p:spTree>
       <p:nvGrpSpPr>
@@ -12575,6 +13923,7 @@
           <a:bodyPr anchor="b">
             <a:normAutofit/>
           </a:bodyPr>
+          <a:lstStyle/>
           <a:p>
             <a:pPr>
               <a:lnSpc>
@@ -12583,7 +13932,7 @@
               <a:buNone/>
             </a:pPr>
             <a:r>
-              <a:rPr b="0" lang="pt-BR" sz="3600" spc="-1" strike="noStrike">
+              <a:rPr lang="pt-BR" sz="3600" b="0" strike="noStrike" spc="-1">
                 <a:solidFill>
                   <a:srgbClr val="344049"/>
                 </a:solidFill>
@@ -12591,7 +13940,7 @@
               </a:rPr>
               <a:t>Resultado Final</a:t>
             </a:r>
-            <a:endParaRPr b="0" lang="pt-BR" sz="3600" spc="-1" strike="noStrike">
+            <a:endParaRPr lang="pt-BR" sz="3600" b="0" strike="noStrike" spc="-1">
               <a:solidFill>
                 <a:srgbClr val="465562"/>
               </a:solidFill>
@@ -12602,12 +13951,12 @@
       </p:sp>
       <p:pic>
         <p:nvPicPr>
-          <p:cNvPr id="173" name="" descr=""/>
+          <p:cNvPr id="173" name="Picture 172"/>
           <p:cNvPicPr/>
           <p:nvPr/>
         </p:nvPicPr>
         <p:blipFill>
-          <a:blip r:embed="rId1"/>
+          <a:blip r:embed="rId3"/>
           <a:stretch/>
         </p:blipFill>
         <p:spPr>
@@ -12625,36 +13974,230 @@
       </p:pic>
       <p:pic>
         <p:nvPicPr>
-          <p:cNvPr id="174" name="" descr=""/>
-          <p:cNvPicPr/>
+          <p:cNvPr id="3" name="Picture 2">
+            <a:extLst>
+              <a:ext uri="{FF2B5EF4-FFF2-40B4-BE49-F238E27FC236}">
+                <a16:creationId xmlns:a16="http://schemas.microsoft.com/office/drawing/2014/main" id="{24765005-DD22-6300-A7AB-EE35DE2F9541}"/>
+              </a:ext>
+            </a:extLst>
+          </p:cNvPr>
+          <p:cNvPicPr>
+            <a:picLocks noChangeAspect="1"/>
+          </p:cNvPicPr>
           <p:nvPr/>
         </p:nvPicPr>
         <p:blipFill>
-          <a:blip r:embed="rId2"/>
-          <a:stretch/>
+          <a:blip r:embed="rId4">
+            <a:extLst>
+              <a:ext uri="{28A0092B-C50C-407E-A947-70E740481C1C}">
+                <a14:useLocalDpi xmlns:a14="http://schemas.microsoft.com/office/drawing/2010/main" val="0"/>
+              </a:ext>
+            </a:extLst>
+          </a:blip>
+          <a:stretch>
+            <a:fillRect/>
+          </a:stretch>
         </p:blipFill>
         <p:spPr>
           <a:xfrm>
-            <a:off x="6482520" y="1684800"/>
-            <a:ext cx="4857480" cy="3895200"/>
-          </a:xfrm>
-          <a:prstGeom prst="rect">
-            <a:avLst/>
-          </a:prstGeom>
-          <a:ln w="0">
-            <a:noFill/>
-          </a:ln>
+            <a:off x="6484500" y="1603773"/>
+            <a:ext cx="4941389" cy="4040028"/>
+          </a:xfrm>
+          <a:prstGeom prst="rect">
+            <a:avLst/>
+          </a:prstGeom>
+        </p:spPr>
+      </p:pic>
+    </p:spTree>
+    <p:extLst>
+      <p:ext uri="{BB962C8B-B14F-4D97-AF65-F5344CB8AC3E}">
+        <p14:creationId xmlns:p14="http://schemas.microsoft.com/office/powerpoint/2010/main" val="4167626015"/>
+      </p:ext>
+    </p:extLst>
+  </p:cSld>
+  <p:clrMapOvr>
+    <a:masterClrMapping/>
+  </p:clrMapOvr>
+  <mc:AlternateContent xmlns:mc="http://schemas.openxmlformats.org/markup-compatibility/2006">
+    <mc:Choice xmlns:p14="http://schemas.microsoft.com/office/powerpoint/2010/main" Requires="p14">
+      <p:transition spd="med" p14:dur="700">
+        <p:fade/>
+      </p:transition>
+    </mc:Choice>
+    <mc:Fallback>
+      <p:transition spd="med">
+        <p:fade/>
+      </p:transition>
+    </mc:Fallback>
+  </mc:AlternateContent>
+</p:sld>
+</file>
+
+<file path=ppt/slides/slide6.xml><?xml version="1.0" encoding="utf-8"?>
+<p:sld xmlns:a="http://schemas.openxmlformats.org/drawingml/2006/main" xmlns:r="http://schemas.openxmlformats.org/officeDocument/2006/relationships" xmlns:p="http://schemas.openxmlformats.org/presentationml/2006/main">
+  <p:cSld>
+    <p:spTree>
+      <p:nvGrpSpPr>
+        <p:cNvPr id="1" name=""/>
+        <p:cNvGrpSpPr/>
+        <p:nvPr/>
+      </p:nvGrpSpPr>
+      <p:grpSpPr>
+        <a:xfrm>
+          <a:off x="0" y="0"/>
+          <a:ext cx="0" cy="0"/>
+          <a:chOff x="0" y="0"/>
+          <a:chExt cx="0" cy="0"/>
+        </a:xfrm>
+      </p:grpSpPr>
+      <p:sp>
+        <p:nvSpPr>
+          <p:cNvPr id="172" name="PlaceHolder 1"/>
+          <p:cNvSpPr>
+            <a:spLocks noGrp="1"/>
+          </p:cNvSpPr>
+          <p:nvPr>
+            <p:ph type="title"/>
+          </p:nvPr>
+        </p:nvSpPr>
+        <p:spPr>
+          <a:xfrm>
+            <a:off x="1593360" y="177840"/>
+            <a:ext cx="9782280" cy="1239480"/>
+          </a:xfrm>
+          <a:prstGeom prst="rect">
+            <a:avLst/>
+          </a:prstGeom>
+          <a:noFill/>
+          <a:ln w="0">
+            <a:noFill/>
+          </a:ln>
+        </p:spPr>
+        <p:txBody>
+          <a:bodyPr anchor="b">
+            <a:normAutofit/>
+          </a:bodyPr>
+          <a:lstStyle/>
+          <a:p>
+            <a:pPr>
+              <a:lnSpc>
+                <a:spcPct val="90000"/>
+              </a:lnSpc>
+              <a:buNone/>
+            </a:pPr>
+            <a:r>
+              <a:rPr lang="pt-BR" sz="3600" b="0" strike="noStrike" spc="-1">
+                <a:solidFill>
+                  <a:srgbClr val="344049"/>
+                </a:solidFill>
+                <a:latin typeface="Euphemia"/>
+              </a:rPr>
+              <a:t>Resultado Final</a:t>
+            </a:r>
+            <a:endParaRPr lang="pt-BR" sz="3600" b="0" strike="noStrike" spc="-1">
+              <a:solidFill>
+                <a:srgbClr val="465562"/>
+              </a:solidFill>
+              <a:latin typeface="Euphemia"/>
+            </a:endParaRPr>
+          </a:p>
+        </p:txBody>
+      </p:sp>
+      <p:pic>
+        <p:nvPicPr>
+          <p:cNvPr id="3" name="Picture 2">
+            <a:extLst>
+              <a:ext uri="{FF2B5EF4-FFF2-40B4-BE49-F238E27FC236}">
+                <a16:creationId xmlns:a16="http://schemas.microsoft.com/office/drawing/2014/main" id="{B4124517-39AB-A2CA-FD5F-047E241B8384}"/>
+              </a:ext>
+            </a:extLst>
+          </p:cNvPr>
+          <p:cNvPicPr>
+            <a:picLocks noChangeAspect="1"/>
+          </p:cNvPicPr>
+          <p:nvPr/>
+        </p:nvPicPr>
+        <p:blipFill>
+          <a:blip r:embed="rId3">
+            <a:extLst>
+              <a:ext uri="{28A0092B-C50C-407E-A947-70E740481C1C}">
+                <a14:useLocalDpi xmlns:a14="http://schemas.microsoft.com/office/drawing/2010/main" val="0"/>
+              </a:ext>
+            </a:extLst>
+          </a:blip>
+          <a:stretch>
+            <a:fillRect/>
+          </a:stretch>
+        </p:blipFill>
+        <p:spPr>
+          <a:xfrm>
+            <a:off x="1593360" y="1884780"/>
+            <a:ext cx="4670111" cy="3495240"/>
+          </a:xfrm>
+          <a:prstGeom prst="rect">
+            <a:avLst/>
+          </a:prstGeom>
+        </p:spPr>
+      </p:pic>
+      <p:pic>
+        <p:nvPicPr>
+          <p:cNvPr id="1026" name="Picture 2">
+            <a:extLst>
+              <a:ext uri="{FF2B5EF4-FFF2-40B4-BE49-F238E27FC236}">
+                <a16:creationId xmlns:a16="http://schemas.microsoft.com/office/drawing/2014/main" id="{89F9BD8E-D119-2726-F7A7-CD31115778B1}"/>
+              </a:ext>
+            </a:extLst>
+          </p:cNvPr>
+          <p:cNvPicPr>
+            <a:picLocks noChangeAspect="1" noChangeArrowheads="1"/>
+          </p:cNvPicPr>
+          <p:nvPr/>
+        </p:nvPicPr>
+        <p:blipFill>
+          <a:blip r:embed="rId4">
+            <a:extLst>
+              <a:ext uri="{28A0092B-C50C-407E-A947-70E740481C1C}">
+                <a14:useLocalDpi xmlns:a14="http://schemas.microsoft.com/office/drawing/2010/main" val="0"/>
+              </a:ext>
+            </a:extLst>
+          </a:blip>
+          <a:srcRect/>
+          <a:stretch>
+            <a:fillRect/>
+          </a:stretch>
+        </p:blipFill>
+        <p:spPr bwMode="auto">
+          <a:xfrm>
+            <a:off x="6484500" y="1477980"/>
+            <a:ext cx="5058951" cy="4122717"/>
+          </a:xfrm>
+          <a:prstGeom prst="rect">
+            <a:avLst/>
+          </a:prstGeom>
+          <a:noFill/>
+          <a:extLst>
+            <a:ext uri="{909E8E84-426E-40DD-AFC4-6F175D3DCCD1}">
+              <a14:hiddenFill xmlns:a14="http://schemas.microsoft.com/office/drawing/2010/main">
+                <a:solidFill>
+                  <a:srgbClr val="FFFFFF"/>
+                </a:solidFill>
+              </a14:hiddenFill>
+            </a:ext>
+          </a:extLst>
         </p:spPr>
       </p:pic>
     </p:spTree>
   </p:cSld>
-  <mc:AlternateContent>
+  <p:clrMapOvr>
+    <a:masterClrMapping/>
+  </p:clrMapOvr>
+  <mc:AlternateContent xmlns:mc="http://schemas.openxmlformats.org/markup-compatibility/2006" xmlns:p14="http://schemas.microsoft.com/office/powerpoint/2010/main">
     <mc:Choice Requires="p14">
       <p:transition spd="med" p14:dur="700">
         <p:fade/>
       </p:transition>
     </mc:Choice>
-    <mc:Fallback>
+    <mc:Fallback xmlns:p15="http://schemas.microsoft.com/office/powerpoint/2012/main" xmlns="">
       <p:transition spd="med">
         <p:fade/>
       </p:transition>
@@ -12677,28 +14220,28 @@
         <a:srgbClr val="000000"/>
       </a:dk2>
       <a:lt2>
-        <a:srgbClr val="f2ece2"/>
+        <a:srgbClr val="F2ECE2"/>
       </a:lt2>
       <a:accent1>
-        <a:srgbClr val="9baab7"/>
+        <a:srgbClr val="9BAAB7"/>
       </a:accent1>
       <a:accent2>
-        <a:srgbClr val="b8d082"/>
+        <a:srgbClr val="B8D082"/>
       </a:accent2>
       <a:accent3>
-        <a:srgbClr val="efdb85"/>
+        <a:srgbClr val="EFDB85"/>
       </a:accent3>
       <a:accent4>
-        <a:srgbClr val="e8a565"/>
+        <a:srgbClr val="E8A565"/>
       </a:accent4>
       <a:accent5>
-        <a:srgbClr val="bc9aae"/>
+        <a:srgbClr val="BC9AAE"/>
       </a:accent5>
       <a:accent6>
-        <a:srgbClr val="bababa"/>
+        <a:srgbClr val="BABABA"/>
       </a:accent6>
       <a:hlink>
-        <a:srgbClr val="8fc48c"/>
+        <a:srgbClr val="8FC48C"/>
       </a:hlink>
       <a:folHlink>
         <a:srgbClr val="969696"/>
@@ -12886,6 +14429,8 @@
       </a:bgFillStyleLst>
     </a:fmtScheme>
   </a:themeElements>
+  <a:objectDefaults/>
+  <a:extraClrSchemeLst/>
 </a:theme>
 </file>
 
@@ -12903,28 +14448,28 @@
         <a:srgbClr val="000000"/>
       </a:dk2>
       <a:lt2>
-        <a:srgbClr val="f2ece2"/>
+        <a:srgbClr val="F2ECE2"/>
       </a:lt2>
       <a:accent1>
-        <a:srgbClr val="9baab7"/>
+        <a:srgbClr val="9BAAB7"/>
       </a:accent1>
       <a:accent2>
-        <a:srgbClr val="b8d082"/>
+        <a:srgbClr val="B8D082"/>
       </a:accent2>
       <a:accent3>
-        <a:srgbClr val="efdb85"/>
+        <a:srgbClr val="EFDB85"/>
       </a:accent3>
       <a:accent4>
-        <a:srgbClr val="e8a565"/>
+        <a:srgbClr val="E8A565"/>
       </a:accent4>
       <a:accent5>
-        <a:srgbClr val="bc9aae"/>
+        <a:srgbClr val="BC9AAE"/>
       </a:accent5>
       <a:accent6>
-        <a:srgbClr val="bababa"/>
+        <a:srgbClr val="BABABA"/>
       </a:accent6>
       <a:hlink>
-        <a:srgbClr val="8fc48c"/>
+        <a:srgbClr val="8FC48C"/>
       </a:hlink>
       <a:folHlink>
         <a:srgbClr val="969696"/>
@@ -13112,6 +14657,8 @@
       </a:bgFillStyleLst>
     </a:fmtScheme>
   </a:themeElements>
+  <a:objectDefaults/>
+  <a:extraClrSchemeLst/>
 </a:theme>
 </file>
 
@@ -13129,28 +14676,28 @@
         <a:srgbClr val="000000"/>
       </a:dk2>
       <a:lt2>
-        <a:srgbClr val="f2ece2"/>
+        <a:srgbClr val="F2ECE2"/>
       </a:lt2>
       <a:accent1>
-        <a:srgbClr val="9baab7"/>
+        <a:srgbClr val="9BAAB7"/>
       </a:accent1>
       <a:accent2>
-        <a:srgbClr val="b8d082"/>
+        <a:srgbClr val="B8D082"/>
       </a:accent2>
       <a:accent3>
-        <a:srgbClr val="efdb85"/>
+        <a:srgbClr val="EFDB85"/>
       </a:accent3>
       <a:accent4>
-        <a:srgbClr val="e8a565"/>
+        <a:srgbClr val="E8A565"/>
       </a:accent4>
       <a:accent5>
-        <a:srgbClr val="bc9aae"/>
+        <a:srgbClr val="BC9AAE"/>
       </a:accent5>
       <a:accent6>
-        <a:srgbClr val="bababa"/>
+        <a:srgbClr val="BABABA"/>
       </a:accent6>
       <a:hlink>
-        <a:srgbClr val="8fc48c"/>
+        <a:srgbClr val="8FC48C"/>
       </a:hlink>
       <a:folHlink>
         <a:srgbClr val="969696"/>
@@ -13338,6 +14885,8 @@
       </a:bgFillStyleLst>
     </a:fmtScheme>
   </a:themeElements>
+  <a:objectDefaults/>
+  <a:extraClrSchemeLst/>
 </a:theme>
 </file>
 
@@ -13355,28 +14904,28 @@
         <a:srgbClr val="000000"/>
       </a:dk2>
       <a:lt2>
-        <a:srgbClr val="f2ece2"/>
+        <a:srgbClr val="F2ECE2"/>
       </a:lt2>
       <a:accent1>
-        <a:srgbClr val="9baab7"/>
+        <a:srgbClr val="9BAAB7"/>
       </a:accent1>
       <a:accent2>
-        <a:srgbClr val="b8d082"/>
+        <a:srgbClr val="B8D082"/>
       </a:accent2>
       <a:accent3>
-        <a:srgbClr val="efdb85"/>
+        <a:srgbClr val="EFDB85"/>
       </a:accent3>
       <a:accent4>
-        <a:srgbClr val="e8a565"/>
+        <a:srgbClr val="E8A565"/>
       </a:accent4>
       <a:accent5>
-        <a:srgbClr val="bc9aae"/>
+        <a:srgbClr val="BC9AAE"/>
       </a:accent5>
       <a:accent6>
-        <a:srgbClr val="bababa"/>
+        <a:srgbClr val="BABABA"/>
       </a:accent6>
       <a:hlink>
-        <a:srgbClr val="8fc48c"/>
+        <a:srgbClr val="8FC48C"/>
       </a:hlink>
       <a:folHlink>
         <a:srgbClr val="969696"/>
@@ -13564,5 +15113,7 @@
       </a:bgFillStyleLst>
     </a:fmtScheme>
   </a:themeElements>
+  <a:objectDefaults/>
+  <a:extraClrSchemeLst/>
 </a:theme>
 </file>